--- a/Premiumnutzer-Mailing.pptx
+++ b/Premiumnutzer-Mailing.pptx
@@ -6,21 +6,24 @@
   </p:sldMasterIdLst>
   <p:sldIdLst>
     <p:sldId id="256" r:id="rId2"/>
-    <p:sldId id="259" r:id="rId3"/>
-    <p:sldId id="260" r:id="rId4"/>
-    <p:sldId id="257" r:id="rId5"/>
-    <p:sldId id="258" r:id="rId6"/>
-    <p:sldId id="275" r:id="rId7"/>
-    <p:sldId id="268" r:id="rId8"/>
-    <p:sldId id="270" r:id="rId9"/>
-    <p:sldId id="269" r:id="rId10"/>
-    <p:sldId id="271" r:id="rId11"/>
-    <p:sldId id="262" r:id="rId12"/>
-    <p:sldId id="273" r:id="rId13"/>
-    <p:sldId id="274" r:id="rId14"/>
-    <p:sldId id="263" r:id="rId15"/>
-    <p:sldId id="264" r:id="rId16"/>
-    <p:sldId id="266" r:id="rId17"/>
+    <p:sldId id="276" r:id="rId3"/>
+    <p:sldId id="277" r:id="rId4"/>
+    <p:sldId id="278" r:id="rId5"/>
+    <p:sldId id="260" r:id="rId6"/>
+    <p:sldId id="259" r:id="rId7"/>
+    <p:sldId id="257" r:id="rId8"/>
+    <p:sldId id="258" r:id="rId9"/>
+    <p:sldId id="275" r:id="rId10"/>
+    <p:sldId id="268" r:id="rId11"/>
+    <p:sldId id="270" r:id="rId12"/>
+    <p:sldId id="269" r:id="rId13"/>
+    <p:sldId id="271" r:id="rId14"/>
+    <p:sldId id="262" r:id="rId15"/>
+    <p:sldId id="273" r:id="rId16"/>
+    <p:sldId id="274" r:id="rId17"/>
+    <p:sldId id="263" r:id="rId18"/>
+    <p:sldId id="264" r:id="rId19"/>
+    <p:sldId id="266" r:id="rId20"/>
   </p:sldIdLst>
   <p:sldSz cx="12192000" cy="6858000"/>
   <p:notesSz cx="6858000" cy="9144000"/>
@@ -129,12 +132,15 @@
         </p14:section>
         <p14:section name="Einleitung" id="{42E11181-9FF9-4E97-96FD-06C2B2E3D49D}">
           <p14:sldIdLst>
-            <p14:sldId id="259"/>
+            <p14:sldId id="276"/>
+            <p14:sldId id="277"/>
+            <p14:sldId id="278"/>
             <p14:sldId id="260"/>
           </p14:sldIdLst>
         </p14:section>
         <p14:section name="Daten und Modell" id="{99AA8C1D-FB1C-47FF-96A7-B06540992C74}">
           <p14:sldIdLst>
+            <p14:sldId id="259"/>
             <p14:sldId id="257"/>
             <p14:sldId id="258"/>
             <p14:sldId id="275"/>
@@ -163,6 +169,9 @@
           </p14:sldIdLst>
         </p14:section>
       </p14:sectionLst>
+    </p:ext>
+    <p:ext uri="{EFAFB233-063F-42B5-8137-9DF3F51BA10A}">
+      <p15:sldGuideLst xmlns:p15="http://schemas.microsoft.com/office/powerpoint/2012/main"/>
     </p:ext>
   </p:extLst>
 </p:presentation>
@@ -4444,7 +4453,7 @@
           <a:p>
             <a:fld id="{48A87A34-81AB-432B-8DAE-1953F412C126}" type="datetimeFigureOut">
               <a:rPr lang="en-US" dirty="0"/>
-              <a:t>8/11/2017</a:t>
+              <a:t>8/21/2017</a:t>
             </a:fld>
             <a:endParaRPr lang="en-US" dirty="0"/>
           </a:p>
@@ -4706,7 +4715,7 @@
           <a:p>
             <a:fld id="{48A87A34-81AB-432B-8DAE-1953F412C126}" type="datetimeFigureOut">
               <a:rPr lang="en-US" dirty="0"/>
-              <a:t>8/11/2017</a:t>
+              <a:t>8/21/2017</a:t>
             </a:fld>
             <a:endParaRPr lang="en-US" dirty="0"/>
           </a:p>
@@ -4897,7 +4906,7 @@
           <a:p>
             <a:fld id="{48A87A34-81AB-432B-8DAE-1953F412C126}" type="datetimeFigureOut">
               <a:rPr lang="en-US" dirty="0"/>
-              <a:t>8/11/2017</a:t>
+              <a:t>8/21/2017</a:t>
             </a:fld>
             <a:endParaRPr lang="en-US" dirty="0"/>
           </a:p>
@@ -5155,7 +5164,7 @@
           <a:p>
             <a:fld id="{48A87A34-81AB-432B-8DAE-1953F412C126}" type="datetimeFigureOut">
               <a:rPr lang="en-US" dirty="0"/>
-              <a:t>8/11/2017</a:t>
+              <a:t>8/21/2017</a:t>
             </a:fld>
             <a:endParaRPr lang="en-US" dirty="0"/>
           </a:p>
@@ -5584,7 +5593,7 @@
           <a:p>
             <a:fld id="{48A87A34-81AB-432B-8DAE-1953F412C126}" type="datetimeFigureOut">
               <a:rPr lang="en-US" dirty="0"/>
-              <a:t>8/11/2017</a:t>
+              <a:t>8/21/2017</a:t>
             </a:fld>
             <a:endParaRPr lang="en-US" dirty="0"/>
           </a:p>
@@ -6125,7 +6134,7 @@
           <a:p>
             <a:fld id="{48A87A34-81AB-432B-8DAE-1953F412C126}" type="datetimeFigureOut">
               <a:rPr lang="en-US" dirty="0"/>
-              <a:t>8/11/2017</a:t>
+              <a:t>8/21/2017</a:t>
             </a:fld>
             <a:endParaRPr lang="en-US" dirty="0"/>
           </a:p>
@@ -6840,7 +6849,7 @@
           <a:p>
             <a:fld id="{48A87A34-81AB-432B-8DAE-1953F412C126}" type="datetimeFigureOut">
               <a:rPr lang="en-US" dirty="0"/>
-              <a:t>8/11/2017</a:t>
+              <a:t>8/21/2017</a:t>
             </a:fld>
             <a:endParaRPr lang="en-US" dirty="0"/>
           </a:p>
@@ -7005,7 +7014,7 @@
           <a:p>
             <a:fld id="{48A87A34-81AB-432B-8DAE-1953F412C126}" type="datetimeFigureOut">
               <a:rPr lang="en-US" dirty="0"/>
-              <a:t>8/11/2017</a:t>
+              <a:t>8/21/2017</a:t>
             </a:fld>
             <a:endParaRPr lang="en-US" dirty="0"/>
           </a:p>
@@ -7180,7 +7189,7 @@
           <a:p>
             <a:fld id="{48A87A34-81AB-432B-8DAE-1953F412C126}" type="datetimeFigureOut">
               <a:rPr lang="en-US" dirty="0"/>
-              <a:t>8/11/2017</a:t>
+              <a:t>8/21/2017</a:t>
             </a:fld>
             <a:endParaRPr lang="en-US" dirty="0"/>
           </a:p>
@@ -7345,7 +7354,7 @@
           <a:p>
             <a:fld id="{48A87A34-81AB-432B-8DAE-1953F412C126}" type="datetimeFigureOut">
               <a:rPr lang="en-US" dirty="0"/>
-              <a:t>8/11/2017</a:t>
+              <a:t>8/21/2017</a:t>
             </a:fld>
             <a:endParaRPr lang="en-US" dirty="0"/>
           </a:p>
@@ -7590,7 +7599,7 @@
           <a:p>
             <a:fld id="{48A87A34-81AB-432B-8DAE-1953F412C126}" type="datetimeFigureOut">
               <a:rPr lang="en-US" dirty="0"/>
-              <a:t>8/11/2017</a:t>
+              <a:t>8/21/2017</a:t>
             </a:fld>
             <a:endParaRPr lang="en-US" dirty="0"/>
           </a:p>
@@ -7817,7 +7826,7 @@
           <a:p>
             <a:fld id="{48A87A34-81AB-432B-8DAE-1953F412C126}" type="datetimeFigureOut">
               <a:rPr lang="en-US" dirty="0"/>
-              <a:t>8/11/2017</a:t>
+              <a:t>8/21/2017</a:t>
             </a:fld>
             <a:endParaRPr lang="en-US" dirty="0"/>
           </a:p>
@@ -8193,7 +8202,7 @@
           <a:p>
             <a:fld id="{48A87A34-81AB-432B-8DAE-1953F412C126}" type="datetimeFigureOut">
               <a:rPr lang="en-US" dirty="0"/>
-              <a:t>8/11/2017</a:t>
+              <a:t>8/21/2017</a:t>
             </a:fld>
             <a:endParaRPr lang="en-US" dirty="0"/>
           </a:p>
@@ -8306,7 +8315,7 @@
           <a:p>
             <a:fld id="{48A87A34-81AB-432B-8DAE-1953F412C126}" type="datetimeFigureOut">
               <a:rPr lang="en-US" dirty="0"/>
-              <a:t>8/11/2017</a:t>
+              <a:t>8/21/2017</a:t>
             </a:fld>
             <a:endParaRPr lang="en-US" dirty="0"/>
           </a:p>
@@ -8396,7 +8405,7 @@
           <a:p>
             <a:fld id="{48A87A34-81AB-432B-8DAE-1953F412C126}" type="datetimeFigureOut">
               <a:rPr lang="en-US" dirty="0"/>
-              <a:t>8/11/2017</a:t>
+              <a:t>8/21/2017</a:t>
             </a:fld>
             <a:endParaRPr lang="en-US" dirty="0"/>
           </a:p>
@@ -8640,7 +8649,7 @@
           <a:p>
             <a:fld id="{48A87A34-81AB-432B-8DAE-1953F412C126}" type="datetimeFigureOut">
               <a:rPr lang="en-US" dirty="0"/>
-              <a:t>8/11/2017</a:t>
+              <a:t>8/21/2017</a:t>
             </a:fld>
             <a:endParaRPr lang="en-US" dirty="0"/>
           </a:p>
@@ -8915,7 +8924,7 @@
           <a:p>
             <a:fld id="{48A87A34-81AB-432B-8DAE-1953F412C126}" type="datetimeFigureOut">
               <a:rPr lang="en-US" dirty="0"/>
-              <a:t>8/11/2017</a:t>
+              <a:t>8/21/2017</a:t>
             </a:fld>
             <a:endParaRPr lang="en-US" dirty="0"/>
           </a:p>
@@ -11988,7 +11997,7 @@
             <a:fld id="{48A87A34-81AB-432B-8DAE-1953F412C126}" type="datetimeFigureOut">
               <a:rPr lang="en-US" dirty="0"/>
               <a:pPr/>
-              <a:t>8/11/2017</a:t>
+              <a:t>8/21/2017</a:t>
             </a:fld>
             <a:endParaRPr lang="en-US" dirty="0"/>
           </a:p>
@@ -12477,2333 +12486,6 @@
 </file>
 
 <file path=ppt/slides/slide10.xml><?xml version="1.0" encoding="utf-8"?>
-<p:sld xmlns:a="http://schemas.openxmlformats.org/drawingml/2006/main" xmlns:r="http://schemas.openxmlformats.org/officeDocument/2006/relationships" xmlns:p="http://schemas.openxmlformats.org/presentationml/2006/main">
-  <p:cSld>
-    <p:spTree>
-      <p:nvGrpSpPr>
-        <p:cNvPr id="1" name=""/>
-        <p:cNvGrpSpPr/>
-        <p:nvPr/>
-      </p:nvGrpSpPr>
-      <p:grpSpPr>
-        <a:xfrm>
-          <a:off x="0" y="0"/>
-          <a:ext cx="0" cy="0"/>
-          <a:chOff x="0" y="0"/>
-          <a:chExt cx="0" cy="0"/>
-        </a:xfrm>
-      </p:grpSpPr>
-      <p:sp>
-        <p:nvSpPr>
-          <p:cNvPr id="2" name="Titel 1"/>
-          <p:cNvSpPr>
-            <a:spLocks noGrp="1"/>
-          </p:cNvSpPr>
-          <p:nvPr>
-            <p:ph type="title"/>
-          </p:nvPr>
-        </p:nvSpPr>
-        <p:spPr/>
-        <p:txBody>
-          <a:bodyPr/>
-          <a:lstStyle/>
-          <a:p>
-            <a:r>
-              <a:rPr lang="de-DE" dirty="0" smtClean="0"/>
-              <a:t>Fehlermaße und Relevante Features</a:t>
-            </a:r>
-            <a:endParaRPr lang="de-DE" dirty="0"/>
-          </a:p>
-        </p:txBody>
-      </p:sp>
-      <p:sp>
-        <p:nvSpPr>
-          <p:cNvPr id="3" name="Inhaltsplatzhalter 2"/>
-          <p:cNvSpPr>
-            <a:spLocks noGrp="1"/>
-          </p:cNvSpPr>
-          <p:nvPr>
-            <p:ph idx="1"/>
-          </p:nvPr>
-        </p:nvSpPr>
-        <p:spPr>
-          <a:xfrm>
-            <a:off x="1141413" y="2249487"/>
-            <a:ext cx="7234238" cy="3541714"/>
-          </a:xfrm>
-        </p:spPr>
-        <p:txBody>
-          <a:bodyPr>
-            <a:normAutofit fontScale="92500" lnSpcReduction="20000"/>
-          </a:bodyPr>
-          <a:lstStyle/>
-          <a:p>
-            <a:r>
-              <a:rPr lang="en-US" dirty="0" err="1" smtClean="0"/>
-              <a:t>Zusätzlich</a:t>
-            </a:r>
-            <a:r>
-              <a:rPr lang="en-US" dirty="0" smtClean="0"/>
-              <a:t> </a:t>
-            </a:r>
-            <a:r>
-              <a:rPr lang="en-US" dirty="0" err="1" smtClean="0"/>
-              <a:t>zur</a:t>
-            </a:r>
-            <a:r>
-              <a:rPr lang="en-US" dirty="0" smtClean="0"/>
-              <a:t> </a:t>
-            </a:r>
-            <a:r>
-              <a:rPr lang="en-US" dirty="0" err="1" smtClean="0"/>
-              <a:t>Klassifikation</a:t>
-            </a:r>
-            <a:r>
-              <a:rPr lang="en-US" dirty="0" smtClean="0"/>
-              <a:t> </a:t>
-            </a:r>
-            <a:r>
-              <a:rPr lang="en-US" dirty="0" err="1" smtClean="0"/>
-              <a:t>werden</a:t>
-            </a:r>
-            <a:r>
-              <a:rPr lang="en-US" dirty="0" smtClean="0"/>
-              <a:t> </a:t>
-            </a:r>
-            <a:r>
-              <a:rPr lang="en-US" dirty="0" err="1" smtClean="0"/>
-              <a:t>noch</a:t>
-            </a:r>
-            <a:r>
-              <a:rPr lang="en-US" dirty="0" smtClean="0"/>
-              <a:t> </a:t>
-            </a:r>
-            <a:r>
-              <a:rPr lang="en-US" dirty="0" err="1" smtClean="0"/>
-              <a:t>bestimmte</a:t>
-            </a:r>
-            <a:r>
-              <a:rPr lang="en-US" dirty="0" smtClean="0"/>
-              <a:t> </a:t>
-            </a:r>
-            <a:r>
-              <a:rPr lang="en-US" dirty="0" err="1" smtClean="0"/>
-              <a:t>Fehlermaße</a:t>
-            </a:r>
-            <a:r>
-              <a:rPr lang="en-US" dirty="0" smtClean="0"/>
-              <a:t> </a:t>
-            </a:r>
-            <a:r>
-              <a:rPr lang="en-US" dirty="0" err="1" smtClean="0"/>
-              <a:t>berechnet</a:t>
-            </a:r>
-            <a:r>
-              <a:rPr lang="en-US" dirty="0" smtClean="0"/>
-              <a:t>, also </a:t>
-            </a:r>
-            <a:r>
-              <a:rPr lang="en-US" dirty="0" err="1" smtClean="0"/>
-              <a:t>wie</a:t>
-            </a:r>
-            <a:r>
-              <a:rPr lang="en-US" dirty="0" smtClean="0"/>
-              <a:t> gut der </a:t>
-            </a:r>
-            <a:r>
-              <a:rPr lang="en-US" dirty="0" err="1" smtClean="0"/>
-              <a:t>Algorithmus</a:t>
-            </a:r>
-            <a:r>
-              <a:rPr lang="en-US" dirty="0" smtClean="0"/>
-              <a:t> </a:t>
-            </a:r>
-            <a:r>
-              <a:rPr lang="en-US" dirty="0" err="1" smtClean="0"/>
-              <a:t>funktioniert</a:t>
-            </a:r>
-            <a:r>
-              <a:rPr lang="en-US" dirty="0" smtClean="0"/>
-              <a:t> hat.</a:t>
-            </a:r>
-          </a:p>
-          <a:p>
-            <a:r>
-              <a:rPr lang="de-DE" dirty="0" smtClean="0"/>
-              <a:t>Beispiele: Precision (</a:t>
-            </a:r>
-            <a:r>
-              <a:rPr lang="en-US" dirty="0" err="1" smtClean="0"/>
-              <a:t>Verhältnis</a:t>
-            </a:r>
-            <a:r>
-              <a:rPr lang="en-US" dirty="0" smtClean="0"/>
-              <a:t> der </a:t>
-            </a:r>
-            <a:r>
-              <a:rPr lang="en-US" dirty="0" err="1" smtClean="0"/>
-              <a:t>richtigen</a:t>
-            </a:r>
-            <a:r>
-              <a:rPr lang="en-US" dirty="0" smtClean="0"/>
-              <a:t> </a:t>
-            </a:r>
-            <a:r>
-              <a:rPr lang="en-US" dirty="0" err="1" smtClean="0"/>
-              <a:t>Vorhersagen</a:t>
-            </a:r>
-            <a:r>
-              <a:rPr lang="en-US" dirty="0" smtClean="0"/>
-              <a:t> </a:t>
-            </a:r>
-            <a:r>
-              <a:rPr lang="en-US" dirty="0" err="1" smtClean="0"/>
-              <a:t>zu</a:t>
-            </a:r>
-            <a:r>
-              <a:rPr lang="en-US" dirty="0" smtClean="0"/>
-              <a:t> </a:t>
-            </a:r>
-            <a:r>
-              <a:rPr lang="en-US" dirty="0" err="1" smtClean="0"/>
-              <a:t>allen</a:t>
-            </a:r>
-            <a:r>
-              <a:rPr lang="en-US" dirty="0" smtClean="0"/>
-              <a:t> </a:t>
-            </a:r>
-            <a:r>
-              <a:rPr lang="en-US" dirty="0" err="1" smtClean="0"/>
-              <a:t>Vorhersagen</a:t>
-            </a:r>
-            <a:r>
-              <a:rPr lang="de-DE" dirty="0" smtClean="0"/>
-              <a:t>) und Recall (das Verhältnis der richtigen Vorhersagen zu allen richtigen Aussagen).</a:t>
-            </a:r>
-          </a:p>
-          <a:p>
-            <a:r>
-              <a:rPr lang="de-DE" dirty="0" smtClean="0"/>
-              <a:t>Es gibt auch noch die Möglichkeit, die „Feature </a:t>
-            </a:r>
-            <a:r>
-              <a:rPr lang="de-DE" dirty="0" err="1" smtClean="0"/>
-              <a:t>Importance</a:t>
-            </a:r>
-            <a:r>
-              <a:rPr lang="de-DE" dirty="0" smtClean="0"/>
-              <a:t>“, also den Beitrag der einzelnen Attribute zur Klassifikation, zu errechnen.</a:t>
-            </a:r>
-            <a:endParaRPr lang="de-DE" dirty="0"/>
-          </a:p>
-          <a:p>
-            <a:endParaRPr lang="de-DE" dirty="0"/>
-          </a:p>
-        </p:txBody>
-      </p:sp>
-      <p:pic>
-        <p:nvPicPr>
-          <p:cNvPr id="5122" name="Picture 2" descr="https://upload.wikimedia.org/wikipedia/commons/thumb/2/26/Precisionrecall.svg/440px-Precisionrecall.svg.png"/>
-          <p:cNvPicPr>
-            <a:picLocks noChangeAspect="1" noChangeArrowheads="1"/>
-          </p:cNvPicPr>
-          <p:nvPr/>
-        </p:nvPicPr>
-        <p:blipFill>
-          <a:blip r:embed="rId2">
-            <a:extLst>
-              <a:ext uri="{28A0092B-C50C-407E-A947-70E740481C1C}">
-                <a14:useLocalDpi xmlns:a14="http://schemas.microsoft.com/office/drawing/2010/main" val="0"/>
-              </a:ext>
-            </a:extLst>
-          </a:blip>
-          <a:srcRect/>
-          <a:stretch>
-            <a:fillRect/>
-          </a:stretch>
-        </p:blipFill>
-        <p:spPr bwMode="auto">
-          <a:xfrm>
-            <a:off x="8899525" y="1530351"/>
-            <a:ext cx="2343468" cy="4260850"/>
-          </a:xfrm>
-          <a:prstGeom prst="rect">
-            <a:avLst/>
-          </a:prstGeom>
-          <a:noFill/>
-          <a:extLst>
-            <a:ext uri="{909E8E84-426E-40DD-AFC4-6F175D3DCCD1}">
-              <a14:hiddenFill xmlns:a14="http://schemas.microsoft.com/office/drawing/2010/main">
-                <a:solidFill>
-                  <a:srgbClr val="FFFFFF"/>
-                </a:solidFill>
-              </a14:hiddenFill>
-            </a:ext>
-          </a:extLst>
-        </p:spPr>
-      </p:pic>
-    </p:spTree>
-    <p:extLst>
-      <p:ext uri="{BB962C8B-B14F-4D97-AF65-F5344CB8AC3E}">
-        <p14:creationId xmlns:p14="http://schemas.microsoft.com/office/powerpoint/2010/main" val="2956300951"/>
-      </p:ext>
-    </p:extLst>
-  </p:cSld>
-  <p:clrMapOvr>
-    <a:masterClrMapping/>
-  </p:clrMapOvr>
-  <p:timing>
-    <p:tnLst>
-      <p:par>
-        <p:cTn id="1" dur="indefinite" restart="never" nodeType="tmRoot"/>
-      </p:par>
-    </p:tnLst>
-  </p:timing>
-</p:sld>
-</file>
-
-<file path=ppt/slides/slide11.xml><?xml version="1.0" encoding="utf-8"?>
-<p:sld xmlns:a="http://schemas.openxmlformats.org/drawingml/2006/main" xmlns:r="http://schemas.openxmlformats.org/officeDocument/2006/relationships" xmlns:p="http://schemas.openxmlformats.org/presentationml/2006/main">
-  <p:cSld>
-    <p:spTree>
-      <p:nvGrpSpPr>
-        <p:cNvPr id="1" name=""/>
-        <p:cNvGrpSpPr/>
-        <p:nvPr/>
-      </p:nvGrpSpPr>
-      <p:grpSpPr>
-        <a:xfrm>
-          <a:off x="0" y="0"/>
-          <a:ext cx="0" cy="0"/>
-          <a:chOff x="0" y="0"/>
-          <a:chExt cx="0" cy="0"/>
-        </a:xfrm>
-      </p:grpSpPr>
-      <p:sp>
-        <p:nvSpPr>
-          <p:cNvPr id="2" name="Titel 1"/>
-          <p:cNvSpPr>
-            <a:spLocks noGrp="1"/>
-          </p:cNvSpPr>
-          <p:nvPr>
-            <p:ph type="title"/>
-          </p:nvPr>
-        </p:nvSpPr>
-        <p:spPr/>
-        <p:txBody>
-          <a:bodyPr/>
-          <a:lstStyle/>
-          <a:p>
-            <a:r>
-              <a:rPr lang="de-DE" dirty="0" smtClean="0"/>
-              <a:t>Verwendete Daten</a:t>
-            </a:r>
-            <a:endParaRPr lang="de-DE" dirty="0"/>
-          </a:p>
-        </p:txBody>
-      </p:sp>
-      <p:sp>
-        <p:nvSpPr>
-          <p:cNvPr id="3" name="Inhaltsplatzhalter 2"/>
-          <p:cNvSpPr>
-            <a:spLocks noGrp="1"/>
-          </p:cNvSpPr>
-          <p:nvPr>
-            <p:ph idx="1"/>
-          </p:nvPr>
-        </p:nvSpPr>
-        <p:spPr/>
-        <p:txBody>
-          <a:bodyPr/>
-          <a:lstStyle/>
-          <a:p>
-            <a:r>
-              <a:rPr lang="de-DE" dirty="0" smtClean="0"/>
-              <a:t>Daten zu den verwendeten Daten (Profildaten von etwas mehr als 1500 CK Club Nutzern sowie derselben Menge von zufällig gesampelten Nutzern, die nicht im CK Club sind oder waren)</a:t>
-            </a:r>
-          </a:p>
-          <a:p>
-            <a:r>
-              <a:rPr lang="de-DE" dirty="0" smtClean="0"/>
-              <a:t>Fehlerquoten im Training des Modells:</a:t>
-            </a:r>
-          </a:p>
-          <a:p>
-            <a:pPr lvl="1"/>
-            <a:r>
-              <a:rPr lang="de-DE" dirty="0" smtClean="0"/>
-              <a:t>TODO</a:t>
-            </a:r>
-          </a:p>
-          <a:p>
-            <a:pPr marL="0" indent="0">
-              <a:buNone/>
-            </a:pPr>
-            <a:endParaRPr lang="de-DE" dirty="0"/>
-          </a:p>
-        </p:txBody>
-      </p:sp>
-      <p:graphicFrame>
-        <p:nvGraphicFramePr>
-          <p:cNvPr id="4" name="Tabelle 3"/>
-          <p:cNvGraphicFramePr>
-            <a:graphicFrameLocks noGrp="1"/>
-          </p:cNvGraphicFramePr>
-          <p:nvPr>
-            <p:extLst>
-              <p:ext uri="{D42A27DB-BD31-4B8C-83A1-F6EECF244321}">
-                <p14:modId xmlns:p14="http://schemas.microsoft.com/office/powerpoint/2010/main" val="1382604159"/>
-              </p:ext>
-            </p:extLst>
-          </p:nvPr>
-        </p:nvGraphicFramePr>
-        <p:xfrm>
-          <a:off x="1363661" y="4936014"/>
-          <a:ext cx="5276850" cy="1483360"/>
-        </p:xfrm>
-        <a:graphic>
-          <a:graphicData uri="http://schemas.openxmlformats.org/drawingml/2006/table">
-            <a:tbl>
-              <a:tblPr firstRow="1" bandRow="1">
-                <a:tableStyleId>{5C22544A-7EE6-4342-B048-85BDC9FD1C3A}</a:tableStyleId>
-              </a:tblPr>
-              <a:tblGrid>
-                <a:gridCol w="2638425"/>
-                <a:gridCol w="2638425"/>
-              </a:tblGrid>
-              <a:tr h="370840">
-                <a:tc>
-                  <a:txBody>
-                    <a:bodyPr/>
-                    <a:lstStyle/>
-                    <a:p>
-                      <a:r>
-                        <a:rPr lang="de-DE" dirty="0" smtClean="0"/>
-                        <a:t>Fehlermaß</a:t>
-                      </a:r>
-                      <a:endParaRPr lang="de-DE" dirty="0"/>
-                    </a:p>
-                  </a:txBody>
-                  <a:tcPr>
-                    <a:solidFill>
-                      <a:schemeClr val="tx2">
-                        <a:lumMod val="50000"/>
-                      </a:schemeClr>
-                    </a:solidFill>
-                  </a:tcPr>
-                </a:tc>
-                <a:tc>
-                  <a:txBody>
-                    <a:bodyPr/>
-                    <a:lstStyle/>
-                    <a:p>
-                      <a:r>
-                        <a:rPr lang="de-DE" dirty="0" smtClean="0"/>
-                        <a:t>Messwert</a:t>
-                      </a:r>
-                      <a:endParaRPr lang="de-DE" dirty="0"/>
-                    </a:p>
-                  </a:txBody>
-                  <a:tcPr>
-                    <a:solidFill>
-                      <a:schemeClr val="tx2">
-                        <a:lumMod val="50000"/>
-                      </a:schemeClr>
-                    </a:solidFill>
-                  </a:tcPr>
-                </a:tc>
-              </a:tr>
-              <a:tr h="370840">
-                <a:tc>
-                  <a:txBody>
-                    <a:bodyPr/>
-                    <a:lstStyle/>
-                    <a:p>
-                      <a:endParaRPr lang="de-DE"/>
-                    </a:p>
-                  </a:txBody>
-                  <a:tcPr/>
-                </a:tc>
-                <a:tc>
-                  <a:txBody>
-                    <a:bodyPr/>
-                    <a:lstStyle/>
-                    <a:p>
-                      <a:endParaRPr lang="de-DE"/>
-                    </a:p>
-                  </a:txBody>
-                  <a:tcPr/>
-                </a:tc>
-              </a:tr>
-              <a:tr h="370840">
-                <a:tc>
-                  <a:txBody>
-                    <a:bodyPr/>
-                    <a:lstStyle/>
-                    <a:p>
-                      <a:endParaRPr lang="de-DE"/>
-                    </a:p>
-                  </a:txBody>
-                  <a:tcPr/>
-                </a:tc>
-                <a:tc>
-                  <a:txBody>
-                    <a:bodyPr/>
-                    <a:lstStyle/>
-                    <a:p>
-                      <a:endParaRPr lang="de-DE"/>
-                    </a:p>
-                  </a:txBody>
-                  <a:tcPr/>
-                </a:tc>
-              </a:tr>
-              <a:tr h="370840">
-                <a:tc>
-                  <a:txBody>
-                    <a:bodyPr/>
-                    <a:lstStyle/>
-                    <a:p>
-                      <a:endParaRPr lang="de-DE"/>
-                    </a:p>
-                  </a:txBody>
-                  <a:tcPr/>
-                </a:tc>
-                <a:tc>
-                  <a:txBody>
-                    <a:bodyPr/>
-                    <a:lstStyle/>
-                    <a:p>
-                      <a:endParaRPr lang="de-DE" dirty="0"/>
-                    </a:p>
-                  </a:txBody>
-                  <a:tcPr/>
-                </a:tc>
-              </a:tr>
-            </a:tbl>
-          </a:graphicData>
-        </a:graphic>
-      </p:graphicFrame>
-    </p:spTree>
-    <p:extLst>
-      <p:ext uri="{BB962C8B-B14F-4D97-AF65-F5344CB8AC3E}">
-        <p14:creationId xmlns:p14="http://schemas.microsoft.com/office/powerpoint/2010/main" val="362388635"/>
-      </p:ext>
-    </p:extLst>
-  </p:cSld>
-  <p:clrMapOvr>
-    <a:masterClrMapping/>
-  </p:clrMapOvr>
-  <p:timing>
-    <p:tnLst>
-      <p:par>
-        <p:cTn id="1" dur="indefinite" restart="never" nodeType="tmRoot"/>
-      </p:par>
-    </p:tnLst>
-  </p:timing>
-</p:sld>
-</file>
-
-<file path=ppt/slides/slide12.xml><?xml version="1.0" encoding="utf-8"?>
-<p:sld xmlns:a="http://schemas.openxmlformats.org/drawingml/2006/main" xmlns:r="http://schemas.openxmlformats.org/officeDocument/2006/relationships" xmlns:p="http://schemas.openxmlformats.org/presentationml/2006/main">
-  <p:cSld>
-    <p:spTree>
-      <p:nvGrpSpPr>
-        <p:cNvPr id="1" name=""/>
-        <p:cNvGrpSpPr/>
-        <p:nvPr/>
-      </p:nvGrpSpPr>
-      <p:grpSpPr>
-        <a:xfrm>
-          <a:off x="0" y="0"/>
-          <a:ext cx="0" cy="0"/>
-          <a:chOff x="0" y="0"/>
-          <a:chExt cx="0" cy="0"/>
-        </a:xfrm>
-      </p:grpSpPr>
-      <p:sp>
-        <p:nvSpPr>
-          <p:cNvPr id="2" name="Titel 1"/>
-          <p:cNvSpPr>
-            <a:spLocks noGrp="1"/>
-          </p:cNvSpPr>
-          <p:nvPr>
-            <p:ph type="title"/>
-          </p:nvPr>
-        </p:nvSpPr>
-        <p:spPr/>
-        <p:txBody>
-          <a:bodyPr/>
-          <a:lstStyle/>
-          <a:p>
-            <a:r>
-              <a:rPr lang="de-DE" dirty="0" err="1" smtClean="0"/>
-              <a:t>Learnings</a:t>
-            </a:r>
-            <a:r>
-              <a:rPr lang="de-DE" dirty="0" smtClean="0"/>
-              <a:t> über die Profile der CK Club Nutzer</a:t>
-            </a:r>
-            <a:endParaRPr lang="de-DE" dirty="0"/>
-          </a:p>
-        </p:txBody>
-      </p:sp>
-      <p:sp>
-        <p:nvSpPr>
-          <p:cNvPr id="3" name="Inhaltsplatzhalter 2"/>
-          <p:cNvSpPr>
-            <a:spLocks noGrp="1"/>
-          </p:cNvSpPr>
-          <p:nvPr>
-            <p:ph idx="1"/>
-          </p:nvPr>
-        </p:nvSpPr>
-        <p:spPr/>
-        <p:txBody>
-          <a:bodyPr>
-            <a:normAutofit/>
-          </a:bodyPr>
-          <a:lstStyle/>
-          <a:p>
-            <a:pPr marL="0" indent="0">
-              <a:buNone/>
-            </a:pPr>
-            <a:r>
-              <a:rPr lang="en-US" dirty="0" err="1" smtClean="0"/>
-              <a:t>Beiträge</a:t>
-            </a:r>
-            <a:r>
-              <a:rPr lang="en-US" dirty="0" smtClean="0"/>
-              <a:t> </a:t>
-            </a:r>
-            <a:r>
-              <a:rPr lang="en-US" dirty="0" err="1" smtClean="0"/>
-              <a:t>einzelner</a:t>
-            </a:r>
-            <a:r>
-              <a:rPr lang="en-US" dirty="0" smtClean="0"/>
-              <a:t> Attribute </a:t>
-            </a:r>
-            <a:r>
-              <a:rPr lang="en-US" dirty="0" err="1" smtClean="0"/>
-              <a:t>zum</a:t>
-            </a:r>
-            <a:r>
-              <a:rPr lang="en-US" dirty="0" smtClean="0"/>
-              <a:t> Modell </a:t>
-            </a:r>
-            <a:r>
-              <a:rPr lang="en-US" dirty="0" err="1" smtClean="0"/>
-              <a:t>sowie</a:t>
-            </a:r>
-            <a:r>
-              <a:rPr lang="en-US" dirty="0" smtClean="0"/>
-              <a:t> </a:t>
-            </a:r>
-            <a:r>
-              <a:rPr lang="en-US" dirty="0" err="1" smtClean="0"/>
-              <a:t>ihre</a:t>
-            </a:r>
-            <a:r>
-              <a:rPr lang="en-US" dirty="0" smtClean="0"/>
-              <a:t> </a:t>
-            </a:r>
-            <a:r>
-              <a:rPr lang="en-US" dirty="0" err="1" smtClean="0"/>
-              <a:t>Korrelationen</a:t>
-            </a:r>
-            <a:endParaRPr lang="en-US" dirty="0" smtClean="0"/>
-          </a:p>
-          <a:p>
-            <a:pPr marL="0" indent="0">
-              <a:buNone/>
-            </a:pPr>
-            <a:endParaRPr lang="en-US" dirty="0" smtClean="0"/>
-          </a:p>
-          <a:p>
-            <a:pPr marL="0" indent="0">
-              <a:buNone/>
-            </a:pPr>
-            <a:endParaRPr lang="en-US" dirty="0"/>
-          </a:p>
-        </p:txBody>
-      </p:sp>
-      <p:graphicFrame>
-        <p:nvGraphicFramePr>
-          <p:cNvPr id="5" name="Tabelle 4"/>
-          <p:cNvGraphicFramePr>
-            <a:graphicFrameLocks noGrp="1"/>
-          </p:cNvGraphicFramePr>
-          <p:nvPr>
-            <p:extLst>
-              <p:ext uri="{D42A27DB-BD31-4B8C-83A1-F6EECF244321}">
-                <p14:modId xmlns:p14="http://schemas.microsoft.com/office/powerpoint/2010/main" val="3983883442"/>
-              </p:ext>
-            </p:extLst>
-          </p:nvPr>
-        </p:nvGraphicFramePr>
-        <p:xfrm>
-          <a:off x="1204915" y="2923592"/>
-          <a:ext cx="5753100" cy="2961640"/>
-        </p:xfrm>
-        <a:graphic>
-          <a:graphicData uri="http://schemas.openxmlformats.org/drawingml/2006/table">
-            <a:tbl>
-              <a:tblPr firstRow="1" bandRow="1">
-                <a:tableStyleId>{5C22544A-7EE6-4342-B048-85BDC9FD1C3A}</a:tableStyleId>
-              </a:tblPr>
-              <a:tblGrid>
-                <a:gridCol w="4064000"/>
-                <a:gridCol w="1689100"/>
-              </a:tblGrid>
-              <a:tr h="334856">
-                <a:tc>
-                  <a:txBody>
-                    <a:bodyPr/>
-                    <a:lstStyle/>
-                    <a:p>
-                      <a:r>
-                        <a:rPr lang="de-DE" dirty="0" smtClean="0"/>
-                        <a:t>Attribut</a:t>
-                      </a:r>
-                      <a:endParaRPr lang="de-DE" dirty="0"/>
-                    </a:p>
-                  </a:txBody>
-                  <a:tcPr>
-                    <a:solidFill>
-                      <a:schemeClr val="tx2">
-                        <a:lumMod val="50000"/>
-                      </a:schemeClr>
-                    </a:solidFill>
-                  </a:tcPr>
-                </a:tc>
-                <a:tc>
-                  <a:txBody>
-                    <a:bodyPr/>
-                    <a:lstStyle/>
-                    <a:p>
-                      <a:r>
-                        <a:rPr lang="de-DE" dirty="0" smtClean="0"/>
-                        <a:t>Beitrag (in %)</a:t>
-                      </a:r>
-                      <a:endParaRPr lang="de-DE" dirty="0"/>
-                    </a:p>
-                  </a:txBody>
-                  <a:tcPr>
-                    <a:solidFill>
-                      <a:schemeClr val="tx2">
-                        <a:lumMod val="50000"/>
-                      </a:schemeClr>
-                    </a:solidFill>
-                  </a:tcPr>
-                </a:tc>
-              </a:tr>
-              <a:tr h="370840">
-                <a:tc>
-                  <a:txBody>
-                    <a:bodyPr/>
-                    <a:lstStyle/>
-                    <a:p>
-                      <a:r>
-                        <a:rPr lang="de-DE" dirty="0" smtClean="0"/>
-                        <a:t>Profilbesuche</a:t>
-                      </a:r>
-                      <a:endParaRPr lang="de-DE" dirty="0"/>
-                    </a:p>
-                  </a:txBody>
-                  <a:tcPr/>
-                </a:tc>
-                <a:tc>
-                  <a:txBody>
-                    <a:bodyPr/>
-                    <a:lstStyle/>
-                    <a:p>
-                      <a:r>
-                        <a:rPr lang="de-DE" dirty="0" smtClean="0"/>
-                        <a:t>29.10</a:t>
-                      </a:r>
-                      <a:endParaRPr lang="de-DE" dirty="0"/>
-                    </a:p>
-                  </a:txBody>
-                  <a:tcPr/>
-                </a:tc>
-              </a:tr>
-              <a:tr h="370840">
-                <a:tc>
-                  <a:txBody>
-                    <a:bodyPr/>
-                    <a:lstStyle/>
-                    <a:p>
-                      <a:r>
-                        <a:rPr lang="de-DE" dirty="0" smtClean="0"/>
-                        <a:t>Anzahl Kommentare</a:t>
-                      </a:r>
-                      <a:r>
-                        <a:rPr lang="de-DE" baseline="0" dirty="0" smtClean="0"/>
-                        <a:t> (Rezept)</a:t>
-                      </a:r>
-                      <a:endParaRPr lang="de-DE" dirty="0"/>
-                    </a:p>
-                  </a:txBody>
-                  <a:tcPr/>
-                </a:tc>
-                <a:tc>
-                  <a:txBody>
-                    <a:bodyPr/>
-                    <a:lstStyle/>
-                    <a:p>
-                      <a:r>
-                        <a:rPr lang="de-DE" dirty="0" smtClean="0"/>
-                        <a:t>16.40</a:t>
-                      </a:r>
-                      <a:endParaRPr lang="de-DE" dirty="0"/>
-                    </a:p>
-                  </a:txBody>
-                  <a:tcPr/>
-                </a:tc>
-              </a:tr>
-              <a:tr h="370840">
-                <a:tc>
-                  <a:txBody>
-                    <a:bodyPr/>
-                    <a:lstStyle/>
-                    <a:p>
-                      <a:r>
-                        <a:rPr lang="de-DE" dirty="0" err="1" smtClean="0"/>
-                        <a:t>Know-How</a:t>
-                      </a:r>
-                      <a:r>
-                        <a:rPr lang="de-DE" dirty="0" smtClean="0"/>
-                        <a:t> </a:t>
-                      </a:r>
-                      <a:endParaRPr lang="de-DE" dirty="0"/>
-                    </a:p>
-                  </a:txBody>
-                  <a:tcPr/>
-                </a:tc>
-                <a:tc>
-                  <a:txBody>
-                    <a:bodyPr/>
-                    <a:lstStyle/>
-                    <a:p>
-                      <a:r>
-                        <a:rPr lang="de-DE" dirty="0" smtClean="0"/>
-                        <a:t>15.96</a:t>
-                      </a:r>
-                      <a:endParaRPr lang="de-DE" dirty="0"/>
-                    </a:p>
-                  </a:txBody>
-                  <a:tcPr/>
-                </a:tc>
-              </a:tr>
-              <a:tr h="370840">
-                <a:tc>
-                  <a:txBody>
-                    <a:bodyPr/>
-                    <a:lstStyle/>
-                    <a:p>
-                      <a:r>
-                        <a:rPr lang="de-DE" dirty="0" smtClean="0"/>
-                        <a:t>Anzahl Bewertungen (Rezept)</a:t>
-                      </a:r>
-                      <a:endParaRPr lang="de-DE" dirty="0"/>
-                    </a:p>
-                  </a:txBody>
-                  <a:tcPr/>
-                </a:tc>
-                <a:tc>
-                  <a:txBody>
-                    <a:bodyPr/>
-                    <a:lstStyle/>
-                    <a:p>
-                      <a:r>
-                        <a:rPr lang="de-DE" dirty="0" smtClean="0"/>
-                        <a:t>15.70</a:t>
-                      </a:r>
-                      <a:endParaRPr lang="de-DE" dirty="0"/>
-                    </a:p>
-                  </a:txBody>
-                  <a:tcPr/>
-                </a:tc>
-              </a:tr>
-              <a:tr h="370840">
-                <a:tc>
-                  <a:txBody>
-                    <a:bodyPr/>
-                    <a:lstStyle/>
-                    <a:p>
-                      <a:r>
-                        <a:rPr lang="de-DE" dirty="0" smtClean="0"/>
-                        <a:t>Alter</a:t>
-                      </a:r>
-                      <a:endParaRPr lang="de-DE" dirty="0"/>
-                    </a:p>
-                  </a:txBody>
-                  <a:tcPr/>
-                </a:tc>
-                <a:tc>
-                  <a:txBody>
-                    <a:bodyPr/>
-                    <a:lstStyle/>
-                    <a:p>
-                      <a:r>
-                        <a:rPr lang="de-DE" dirty="0" smtClean="0"/>
-                        <a:t>11.38</a:t>
-                      </a:r>
-                      <a:endParaRPr lang="de-DE" dirty="0"/>
-                    </a:p>
-                  </a:txBody>
-                  <a:tcPr/>
-                </a:tc>
-              </a:tr>
-              <a:tr h="370840">
-                <a:tc>
-                  <a:txBody>
-                    <a:bodyPr/>
-                    <a:lstStyle/>
-                    <a:p>
-                      <a:r>
-                        <a:rPr lang="de-DE" dirty="0" smtClean="0"/>
-                        <a:t>Anzahl Rezeptbilder</a:t>
-                      </a:r>
-                      <a:endParaRPr lang="de-DE" dirty="0"/>
-                    </a:p>
-                  </a:txBody>
-                  <a:tcPr/>
-                </a:tc>
-                <a:tc>
-                  <a:txBody>
-                    <a:bodyPr/>
-                    <a:lstStyle/>
-                    <a:p>
-                      <a:r>
-                        <a:rPr lang="de-DE" dirty="0" smtClean="0"/>
-                        <a:t>5.23</a:t>
-                      </a:r>
-                      <a:endParaRPr lang="de-DE" dirty="0"/>
-                    </a:p>
-                  </a:txBody>
-                  <a:tcPr/>
-                </a:tc>
-              </a:tr>
-              <a:tr h="370840">
-                <a:tc>
-                  <a:txBody>
-                    <a:bodyPr/>
-                    <a:lstStyle/>
-                    <a:p>
-                      <a:r>
-                        <a:rPr lang="de-DE" dirty="0" smtClean="0"/>
-                        <a:t>Anzahl</a:t>
-                      </a:r>
-                      <a:r>
-                        <a:rPr lang="de-DE" baseline="0" dirty="0" smtClean="0"/>
-                        <a:t> Rezepte</a:t>
-                      </a:r>
-                      <a:endParaRPr lang="de-DE" dirty="0"/>
-                    </a:p>
-                  </a:txBody>
-                  <a:tcPr/>
-                </a:tc>
-                <a:tc>
-                  <a:txBody>
-                    <a:bodyPr/>
-                    <a:lstStyle/>
-                    <a:p>
-                      <a:r>
-                        <a:rPr lang="de-DE" dirty="0" smtClean="0"/>
-                        <a:t>4.92</a:t>
-                      </a:r>
-                      <a:endParaRPr lang="de-DE" dirty="0"/>
-                    </a:p>
-                  </a:txBody>
-                  <a:tcPr/>
-                </a:tc>
-              </a:tr>
-            </a:tbl>
-          </a:graphicData>
-        </a:graphic>
-      </p:graphicFrame>
-      <p:pic>
-        <p:nvPicPr>
-          <p:cNvPr id="6" name="Inhaltsplatzhalter 3"/>
-          <p:cNvPicPr>
-            <a:picLocks noChangeAspect="1"/>
-          </p:cNvPicPr>
-          <p:nvPr/>
-        </p:nvPicPr>
-        <p:blipFill rotWithShape="1">
-          <a:blip r:embed="rId2">
-            <a:extLst>
-              <a:ext uri="{28A0092B-C50C-407E-A947-70E740481C1C}">
-                <a14:useLocalDpi xmlns:a14="http://schemas.microsoft.com/office/drawing/2010/main" val="0"/>
-              </a:ext>
-            </a:extLst>
-          </a:blip>
-          <a:srcRect b="16523"/>
-          <a:stretch/>
-        </p:blipFill>
-        <p:spPr>
-          <a:xfrm>
-            <a:off x="7021518" y="2923592"/>
-            <a:ext cx="3541712" cy="2961640"/>
-          </a:xfrm>
-          <a:prstGeom prst="rect">
-            <a:avLst/>
-          </a:prstGeom>
-        </p:spPr>
-      </p:pic>
-    </p:spTree>
-    <p:extLst>
-      <p:ext uri="{BB962C8B-B14F-4D97-AF65-F5344CB8AC3E}">
-        <p14:creationId xmlns:p14="http://schemas.microsoft.com/office/powerpoint/2010/main" val="4066338256"/>
-      </p:ext>
-    </p:extLst>
-  </p:cSld>
-  <p:clrMapOvr>
-    <a:masterClrMapping/>
-  </p:clrMapOvr>
-  <p:timing>
-    <p:tnLst>
-      <p:par>
-        <p:cTn id="1" dur="indefinite" restart="never" nodeType="tmRoot"/>
-      </p:par>
-    </p:tnLst>
-  </p:timing>
-</p:sld>
-</file>
-
-<file path=ppt/slides/slide13.xml><?xml version="1.0" encoding="utf-8"?>
-<p:sld xmlns:a="http://schemas.openxmlformats.org/drawingml/2006/main" xmlns:r="http://schemas.openxmlformats.org/officeDocument/2006/relationships" xmlns:p="http://schemas.openxmlformats.org/presentationml/2006/main">
-  <p:cSld>
-    <p:spTree>
-      <p:nvGrpSpPr>
-        <p:cNvPr id="1" name=""/>
-        <p:cNvGrpSpPr/>
-        <p:nvPr/>
-      </p:nvGrpSpPr>
-      <p:grpSpPr>
-        <a:xfrm>
-          <a:off x="0" y="0"/>
-          <a:ext cx="0" cy="0"/>
-          <a:chOff x="0" y="0"/>
-          <a:chExt cx="0" cy="0"/>
-        </a:xfrm>
-      </p:grpSpPr>
-      <p:sp>
-        <p:nvSpPr>
-          <p:cNvPr id="2" name="Titel 1"/>
-          <p:cNvSpPr>
-            <a:spLocks noGrp="1"/>
-          </p:cNvSpPr>
-          <p:nvPr>
-            <p:ph type="title"/>
-          </p:nvPr>
-        </p:nvSpPr>
-        <p:spPr/>
-        <p:txBody>
-          <a:bodyPr/>
-          <a:lstStyle/>
-          <a:p>
-            <a:r>
-              <a:rPr lang="de-DE" dirty="0" smtClean="0"/>
-              <a:t>Übrigens…</a:t>
-            </a:r>
-            <a:endParaRPr lang="de-DE" dirty="0"/>
-          </a:p>
-        </p:txBody>
-      </p:sp>
-      <p:sp>
-        <p:nvSpPr>
-          <p:cNvPr id="3" name="Inhaltsplatzhalter 2"/>
-          <p:cNvSpPr>
-            <a:spLocks noGrp="1"/>
-          </p:cNvSpPr>
-          <p:nvPr>
-            <p:ph idx="1"/>
-          </p:nvPr>
-        </p:nvSpPr>
-        <p:spPr/>
-        <p:txBody>
-          <a:bodyPr/>
-          <a:lstStyle/>
-          <a:p>
-            <a:r>
-              <a:rPr lang="de-DE" dirty="0" smtClean="0"/>
-              <a:t>Bei dieser Aktion kamen keine Bäume zu Schaden… Dem Random </a:t>
-            </a:r>
-            <a:r>
-              <a:rPr lang="de-DE" dirty="0" err="1" smtClean="0"/>
-              <a:t>Forest</a:t>
-            </a:r>
-            <a:r>
-              <a:rPr lang="de-DE" dirty="0" smtClean="0"/>
-              <a:t> macht es nichts aus, wenn die Attribute für die Klassifikation nicht unabhängig sind!</a:t>
-            </a:r>
-          </a:p>
-          <a:p>
-            <a:r>
-              <a:rPr lang="de-DE" dirty="0" smtClean="0"/>
-              <a:t>Normalerweise testet man das Modell mit bisher ungesehenen Daten. Das können wir nach der Aktion mit den Neuzugängen machen </a:t>
-            </a:r>
-            <a:r>
-              <a:rPr lang="de-DE" dirty="0" smtClean="0">
-                <a:sym typeface="Wingdings" panose="05000000000000000000" pitchFamily="2" charset="2"/>
-              </a:rPr>
-              <a:t></a:t>
-            </a:r>
-            <a:endParaRPr lang="de-DE" dirty="0"/>
-          </a:p>
-        </p:txBody>
-      </p:sp>
-      <p:pic>
-        <p:nvPicPr>
-          <p:cNvPr id="4098" name="Picture 2" descr="Bildergebnis für bild baum umarmen"/>
-          <p:cNvPicPr>
-            <a:picLocks noChangeAspect="1" noChangeArrowheads="1"/>
-          </p:cNvPicPr>
-          <p:nvPr/>
-        </p:nvPicPr>
-        <p:blipFill>
-          <a:blip r:embed="rId2">
-            <a:extLst>
-              <a:ext uri="{28A0092B-C50C-407E-A947-70E740481C1C}">
-                <a14:useLocalDpi xmlns:a14="http://schemas.microsoft.com/office/drawing/2010/main" val="0"/>
-              </a:ext>
-            </a:extLst>
-          </a:blip>
-          <a:srcRect/>
-          <a:stretch>
-            <a:fillRect/>
-          </a:stretch>
-        </p:blipFill>
-        <p:spPr bwMode="auto">
-          <a:xfrm>
-            <a:off x="8018461" y="582613"/>
-            <a:ext cx="3028950" cy="1514475"/>
-          </a:xfrm>
-          <a:prstGeom prst="rect">
-            <a:avLst/>
-          </a:prstGeom>
-          <a:noFill/>
-          <a:extLst>
-            <a:ext uri="{909E8E84-426E-40DD-AFC4-6F175D3DCCD1}">
-              <a14:hiddenFill xmlns:a14="http://schemas.microsoft.com/office/drawing/2010/main">
-                <a:solidFill>
-                  <a:srgbClr val="FFFFFF"/>
-                </a:solidFill>
-              </a14:hiddenFill>
-            </a:ext>
-          </a:extLst>
-        </p:spPr>
-      </p:pic>
-    </p:spTree>
-    <p:extLst>
-      <p:ext uri="{BB962C8B-B14F-4D97-AF65-F5344CB8AC3E}">
-        <p14:creationId xmlns:p14="http://schemas.microsoft.com/office/powerpoint/2010/main" val="2880556416"/>
-      </p:ext>
-    </p:extLst>
-  </p:cSld>
-  <p:clrMapOvr>
-    <a:masterClrMapping/>
-  </p:clrMapOvr>
-  <p:timing>
-    <p:tnLst>
-      <p:par>
-        <p:cTn id="1" dur="indefinite" restart="never" nodeType="tmRoot"/>
-      </p:par>
-    </p:tnLst>
-  </p:timing>
-</p:sld>
-</file>
-
-<file path=ppt/slides/slide14.xml><?xml version="1.0" encoding="utf-8"?>
-<p:sld xmlns:a="http://schemas.openxmlformats.org/drawingml/2006/main" xmlns:r="http://schemas.openxmlformats.org/officeDocument/2006/relationships" xmlns:p="http://schemas.openxmlformats.org/presentationml/2006/main">
-  <p:cSld>
-    <p:spTree>
-      <p:nvGrpSpPr>
-        <p:cNvPr id="1" name=""/>
-        <p:cNvGrpSpPr/>
-        <p:nvPr/>
-      </p:nvGrpSpPr>
-      <p:grpSpPr>
-        <a:xfrm>
-          <a:off x="0" y="0"/>
-          <a:ext cx="0" cy="0"/>
-          <a:chOff x="0" y="0"/>
-          <a:chExt cx="0" cy="0"/>
-        </a:xfrm>
-      </p:grpSpPr>
-      <p:sp>
-        <p:nvSpPr>
-          <p:cNvPr id="2" name="Titel 1"/>
-          <p:cNvSpPr>
-            <a:spLocks noGrp="1"/>
-          </p:cNvSpPr>
-          <p:nvPr>
-            <p:ph type="title"/>
-          </p:nvPr>
-        </p:nvSpPr>
-        <p:spPr/>
-        <p:txBody>
-          <a:bodyPr/>
-          <a:lstStyle/>
-          <a:p>
-            <a:r>
-              <a:rPr lang="de-DE" dirty="0" smtClean="0"/>
-              <a:t>Erstellung der </a:t>
-            </a:r>
-            <a:r>
-              <a:rPr lang="de-DE" dirty="0" err="1" smtClean="0"/>
-              <a:t>TestGruppen</a:t>
-            </a:r>
-            <a:endParaRPr lang="de-DE" dirty="0"/>
-          </a:p>
-        </p:txBody>
-      </p:sp>
-      <p:sp>
-        <p:nvSpPr>
-          <p:cNvPr id="3" name="Inhaltsplatzhalter 2"/>
-          <p:cNvSpPr>
-            <a:spLocks noGrp="1"/>
-          </p:cNvSpPr>
-          <p:nvPr>
-            <p:ph idx="1"/>
-          </p:nvPr>
-        </p:nvSpPr>
-        <p:spPr/>
-        <p:txBody>
-          <a:bodyPr/>
-          <a:lstStyle/>
-          <a:p>
-            <a:r>
-              <a:rPr lang="de-DE" dirty="0" smtClean="0"/>
-              <a:t>Hier schließen die Folien von BI (Olaf) an</a:t>
-            </a:r>
-            <a:endParaRPr lang="de-DE" dirty="0"/>
-          </a:p>
-        </p:txBody>
-      </p:sp>
-    </p:spTree>
-    <p:extLst>
-      <p:ext uri="{BB962C8B-B14F-4D97-AF65-F5344CB8AC3E}">
-        <p14:creationId xmlns:p14="http://schemas.microsoft.com/office/powerpoint/2010/main" val="1750106895"/>
-      </p:ext>
-    </p:extLst>
-  </p:cSld>
-  <p:clrMapOvr>
-    <a:masterClrMapping/>
-  </p:clrMapOvr>
-  <p:timing>
-    <p:tnLst>
-      <p:par>
-        <p:cTn id="1" dur="indefinite" restart="never" nodeType="tmRoot"/>
-      </p:par>
-    </p:tnLst>
-  </p:timing>
-</p:sld>
-</file>
-
-<file path=ppt/slides/slide15.xml><?xml version="1.0" encoding="utf-8"?>
-<p:sld xmlns:a="http://schemas.openxmlformats.org/drawingml/2006/main" xmlns:r="http://schemas.openxmlformats.org/officeDocument/2006/relationships" xmlns:p="http://schemas.openxmlformats.org/presentationml/2006/main">
-  <p:cSld>
-    <p:spTree>
-      <p:nvGrpSpPr>
-        <p:cNvPr id="1" name=""/>
-        <p:cNvGrpSpPr/>
-        <p:nvPr/>
-      </p:nvGrpSpPr>
-      <p:grpSpPr>
-        <a:xfrm>
-          <a:off x="0" y="0"/>
-          <a:ext cx="0" cy="0"/>
-          <a:chOff x="0" y="0"/>
-          <a:chExt cx="0" cy="0"/>
-        </a:xfrm>
-      </p:grpSpPr>
-      <p:sp>
-        <p:nvSpPr>
-          <p:cNvPr id="2" name="Titel 1"/>
-          <p:cNvSpPr>
-            <a:spLocks noGrp="1"/>
-          </p:cNvSpPr>
-          <p:nvPr>
-            <p:ph type="title"/>
-          </p:nvPr>
-        </p:nvSpPr>
-        <p:spPr/>
-        <p:txBody>
-          <a:bodyPr/>
-          <a:lstStyle/>
-          <a:p>
-            <a:r>
-              <a:rPr lang="de-DE" dirty="0" smtClean="0"/>
-              <a:t>Newsletter Kampagne</a:t>
-            </a:r>
-            <a:endParaRPr lang="de-DE" dirty="0"/>
-          </a:p>
-        </p:txBody>
-      </p:sp>
-      <p:sp>
-        <p:nvSpPr>
-          <p:cNvPr id="3" name="Inhaltsplatzhalter 2"/>
-          <p:cNvSpPr>
-            <a:spLocks noGrp="1"/>
-          </p:cNvSpPr>
-          <p:nvPr>
-            <p:ph idx="1"/>
-          </p:nvPr>
-        </p:nvSpPr>
-        <p:spPr/>
-        <p:txBody>
-          <a:bodyPr/>
-          <a:lstStyle/>
-          <a:p>
-            <a:r>
-              <a:rPr lang="de-DE" dirty="0" smtClean="0"/>
-              <a:t>Und dann noch die Folien von Alex…</a:t>
-            </a:r>
-            <a:endParaRPr lang="de-DE" dirty="0"/>
-          </a:p>
-        </p:txBody>
-      </p:sp>
-    </p:spTree>
-    <p:extLst>
-      <p:ext uri="{BB962C8B-B14F-4D97-AF65-F5344CB8AC3E}">
-        <p14:creationId xmlns:p14="http://schemas.microsoft.com/office/powerpoint/2010/main" val="1028342488"/>
-      </p:ext>
-    </p:extLst>
-  </p:cSld>
-  <p:clrMapOvr>
-    <a:masterClrMapping/>
-  </p:clrMapOvr>
-  <p:timing>
-    <p:tnLst>
-      <p:par>
-        <p:cTn id="1" dur="indefinite" restart="never" nodeType="tmRoot"/>
-      </p:par>
-    </p:tnLst>
-  </p:timing>
-</p:sld>
-</file>
-
-<file path=ppt/slides/slide16.xml><?xml version="1.0" encoding="utf-8"?>
-<p:sld xmlns:a="http://schemas.openxmlformats.org/drawingml/2006/main" xmlns:r="http://schemas.openxmlformats.org/officeDocument/2006/relationships" xmlns:p="http://schemas.openxmlformats.org/presentationml/2006/main">
-  <p:cSld>
-    <p:spTree>
-      <p:nvGrpSpPr>
-        <p:cNvPr id="1" name=""/>
-        <p:cNvGrpSpPr/>
-        <p:nvPr/>
-      </p:nvGrpSpPr>
-      <p:grpSpPr>
-        <a:xfrm>
-          <a:off x="0" y="0"/>
-          <a:ext cx="0" cy="0"/>
-          <a:chOff x="0" y="0"/>
-          <a:chExt cx="0" cy="0"/>
-        </a:xfrm>
-      </p:grpSpPr>
-      <p:sp>
-        <p:nvSpPr>
-          <p:cNvPr id="2" name="Titel 1"/>
-          <p:cNvSpPr>
-            <a:spLocks noGrp="1"/>
-          </p:cNvSpPr>
-          <p:nvPr>
-            <p:ph type="title"/>
-          </p:nvPr>
-        </p:nvSpPr>
-        <p:spPr/>
-        <p:txBody>
-          <a:bodyPr/>
-          <a:lstStyle/>
-          <a:p>
-            <a:r>
-              <a:rPr lang="de-DE" dirty="0" smtClean="0"/>
-              <a:t>Fazit</a:t>
-            </a:r>
-            <a:endParaRPr lang="de-DE" dirty="0"/>
-          </a:p>
-        </p:txBody>
-      </p:sp>
-      <p:sp>
-        <p:nvSpPr>
-          <p:cNvPr id="3" name="Inhaltsplatzhalter 2"/>
-          <p:cNvSpPr>
-            <a:spLocks noGrp="1"/>
-          </p:cNvSpPr>
-          <p:nvPr>
-            <p:ph idx="1"/>
-          </p:nvPr>
-        </p:nvSpPr>
-        <p:spPr/>
-        <p:txBody>
-          <a:bodyPr/>
-          <a:lstStyle/>
-          <a:p>
-            <a:r>
-              <a:rPr lang="de-DE" dirty="0" smtClean="0"/>
-              <a:t>Was ist unser Fazit zur Aktion?</a:t>
-            </a:r>
-          </a:p>
-          <a:p>
-            <a:r>
-              <a:rPr lang="de-DE" dirty="0" smtClean="0"/>
-              <a:t>Was konnten wir lernen?</a:t>
-            </a:r>
-          </a:p>
-          <a:p>
-            <a:r>
-              <a:rPr lang="de-DE" dirty="0" smtClean="0"/>
-              <a:t>Machen wir so etwas wieder?</a:t>
-            </a:r>
-          </a:p>
-          <a:p>
-            <a:pPr marL="0" indent="0">
-              <a:buNone/>
-            </a:pPr>
-            <a:endParaRPr lang="de-DE" dirty="0" smtClean="0"/>
-          </a:p>
-          <a:p>
-            <a:endParaRPr lang="de-DE" dirty="0"/>
-          </a:p>
-        </p:txBody>
-      </p:sp>
-    </p:spTree>
-    <p:extLst>
-      <p:ext uri="{BB962C8B-B14F-4D97-AF65-F5344CB8AC3E}">
-        <p14:creationId xmlns:p14="http://schemas.microsoft.com/office/powerpoint/2010/main" val="2129156004"/>
-      </p:ext>
-    </p:extLst>
-  </p:cSld>
-  <p:clrMapOvr>
-    <a:masterClrMapping/>
-  </p:clrMapOvr>
-  <p:timing>
-    <p:tnLst>
-      <p:par>
-        <p:cTn id="1" dur="indefinite" restart="never" nodeType="tmRoot"/>
-      </p:par>
-    </p:tnLst>
-  </p:timing>
-</p:sld>
-</file>
-
-<file path=ppt/slides/slide2.xml><?xml version="1.0" encoding="utf-8"?>
-<p:sld xmlns:a="http://schemas.openxmlformats.org/drawingml/2006/main" xmlns:r="http://schemas.openxmlformats.org/officeDocument/2006/relationships" xmlns:p="http://schemas.openxmlformats.org/presentationml/2006/main">
-  <p:cSld>
-    <p:spTree>
-      <p:nvGrpSpPr>
-        <p:cNvPr id="1" name=""/>
-        <p:cNvGrpSpPr/>
-        <p:nvPr/>
-      </p:nvGrpSpPr>
-      <p:grpSpPr>
-        <a:xfrm>
-          <a:off x="0" y="0"/>
-          <a:ext cx="0" cy="0"/>
-          <a:chOff x="0" y="0"/>
-          <a:chExt cx="0" cy="0"/>
-        </a:xfrm>
-      </p:grpSpPr>
-      <p:sp>
-        <p:nvSpPr>
-          <p:cNvPr id="2" name="Titel 1"/>
-          <p:cNvSpPr>
-            <a:spLocks noGrp="1"/>
-          </p:cNvSpPr>
-          <p:nvPr>
-            <p:ph type="title"/>
-          </p:nvPr>
-        </p:nvSpPr>
-        <p:spPr/>
-        <p:txBody>
-          <a:bodyPr/>
-          <a:lstStyle/>
-          <a:p>
-            <a:r>
-              <a:rPr lang="de-DE" dirty="0" smtClean="0"/>
-              <a:t>Unser Experiment</a:t>
-            </a:r>
-            <a:endParaRPr lang="de-DE" dirty="0"/>
-          </a:p>
-        </p:txBody>
-      </p:sp>
-      <p:sp>
-        <p:nvSpPr>
-          <p:cNvPr id="3" name="Inhaltsplatzhalter 2"/>
-          <p:cNvSpPr>
-            <a:spLocks noGrp="1"/>
-          </p:cNvSpPr>
-          <p:nvPr>
-            <p:ph idx="1"/>
-          </p:nvPr>
-        </p:nvSpPr>
-        <p:spPr/>
-        <p:txBody>
-          <a:bodyPr>
-            <a:normAutofit fontScale="85000" lnSpcReduction="10000"/>
-          </a:bodyPr>
-          <a:lstStyle/>
-          <a:p>
-            <a:r>
-              <a:rPr lang="de-DE" dirty="0" smtClean="0"/>
-              <a:t>Wir wollten herausfinden, ob wir durch den Versandt eines Newsletters an Nutzer, die potentiell CK Club Nutzer sein könnten, eine Häufung von </a:t>
-            </a:r>
-            <a:r>
-              <a:rPr lang="de-DE" dirty="0" err="1" smtClean="0"/>
-              <a:t>Conversions</a:t>
-            </a:r>
-            <a:r>
-              <a:rPr lang="de-DE" dirty="0" smtClean="0"/>
-              <a:t> beobachten können.</a:t>
-            </a:r>
-          </a:p>
-          <a:p>
-            <a:r>
-              <a:rPr lang="de-DE" dirty="0" smtClean="0"/>
-              <a:t>Um zu testen, haben wir anhand eines Random </a:t>
-            </a:r>
-            <a:r>
-              <a:rPr lang="de-DE" dirty="0" err="1" smtClean="0"/>
-              <a:t>Forests</a:t>
-            </a:r>
-            <a:r>
-              <a:rPr lang="de-DE" dirty="0" smtClean="0"/>
-              <a:t> (</a:t>
-            </a:r>
-            <a:r>
-              <a:rPr lang="de-DE" dirty="0" err="1" smtClean="0"/>
-              <a:t>Klassifikator</a:t>
-            </a:r>
-            <a:r>
-              <a:rPr lang="de-DE" dirty="0" smtClean="0"/>
-              <a:t> aus dem </a:t>
-            </a:r>
-            <a:r>
-              <a:rPr lang="de-DE" dirty="0" err="1" smtClean="0"/>
-              <a:t>Machine</a:t>
-            </a:r>
-            <a:r>
-              <a:rPr lang="de-DE" dirty="0" smtClean="0"/>
-              <a:t> Learning) drei Gruppen von Newsletter-Empfängern erstellt und diese dazu eingeladen, dem CK Club beizutreten.</a:t>
-            </a:r>
-          </a:p>
-          <a:p>
-            <a:r>
-              <a:rPr lang="de-DE" dirty="0" smtClean="0"/>
-              <a:t>Die Gruppen waren dabei </a:t>
-            </a:r>
-          </a:p>
-          <a:p>
-            <a:pPr lvl="1"/>
-            <a:r>
-              <a:rPr lang="de-DE" dirty="0" smtClean="0"/>
-              <a:t>Nutzer, die sich nach einem Random </a:t>
-            </a:r>
-            <a:r>
-              <a:rPr lang="de-DE" dirty="0" err="1" smtClean="0"/>
-              <a:t>Forest</a:t>
-            </a:r>
-            <a:r>
-              <a:rPr lang="de-DE" dirty="0" smtClean="0"/>
-              <a:t> Modell als CK Club Nutzer „eignen“,</a:t>
-            </a:r>
-          </a:p>
-          <a:p>
-            <a:pPr lvl="1"/>
-            <a:r>
-              <a:rPr lang="de-DE" dirty="0" smtClean="0"/>
-              <a:t>Nutzer, die sich nach demselben Modell besonders wenig als CK Club Nutzer eignen,</a:t>
-            </a:r>
-          </a:p>
-          <a:p>
-            <a:pPr lvl="1"/>
-            <a:r>
-              <a:rPr lang="de-DE" dirty="0" smtClean="0"/>
-              <a:t>Nutzer, die als Vergleichsgruppe randomisiert aus allen CK Nutzern gezogen wurden,</a:t>
-            </a:r>
-          </a:p>
-        </p:txBody>
-      </p:sp>
-    </p:spTree>
-    <p:extLst>
-      <p:ext uri="{BB962C8B-B14F-4D97-AF65-F5344CB8AC3E}">
-        <p14:creationId xmlns:p14="http://schemas.microsoft.com/office/powerpoint/2010/main" val="3619320274"/>
-      </p:ext>
-    </p:extLst>
-  </p:cSld>
-  <p:clrMapOvr>
-    <a:masterClrMapping/>
-  </p:clrMapOvr>
-  <p:timing>
-    <p:tnLst>
-      <p:par>
-        <p:cTn id="1" dur="indefinite" restart="never" nodeType="tmRoot"/>
-      </p:par>
-    </p:tnLst>
-  </p:timing>
-</p:sld>
-</file>
-
-<file path=ppt/slides/slide3.xml><?xml version="1.0" encoding="utf-8"?>
-<p:sld xmlns:a="http://schemas.openxmlformats.org/drawingml/2006/main" xmlns:r="http://schemas.openxmlformats.org/officeDocument/2006/relationships" xmlns:p="http://schemas.openxmlformats.org/presentationml/2006/main">
-  <p:cSld>
-    <p:spTree>
-      <p:nvGrpSpPr>
-        <p:cNvPr id="1" name=""/>
-        <p:cNvGrpSpPr/>
-        <p:nvPr/>
-      </p:nvGrpSpPr>
-      <p:grpSpPr>
-        <a:xfrm>
-          <a:off x="0" y="0"/>
-          <a:ext cx="0" cy="0"/>
-          <a:chOff x="0" y="0"/>
-          <a:chExt cx="0" cy="0"/>
-        </a:xfrm>
-      </p:grpSpPr>
-      <p:sp>
-        <p:nvSpPr>
-          <p:cNvPr id="2" name="Titel 1"/>
-          <p:cNvSpPr>
-            <a:spLocks noGrp="1"/>
-          </p:cNvSpPr>
-          <p:nvPr>
-            <p:ph type="title"/>
-          </p:nvPr>
-        </p:nvSpPr>
-        <p:spPr/>
-        <p:txBody>
-          <a:bodyPr/>
-          <a:lstStyle/>
-          <a:p>
-            <a:r>
-              <a:rPr lang="de-DE" dirty="0" smtClean="0"/>
-              <a:t>Aufgabenverteilung</a:t>
-            </a:r>
-            <a:endParaRPr lang="de-DE" dirty="0"/>
-          </a:p>
-        </p:txBody>
-      </p:sp>
-      <p:sp>
-        <p:nvSpPr>
-          <p:cNvPr id="3" name="Inhaltsplatzhalter 2"/>
-          <p:cNvSpPr>
-            <a:spLocks noGrp="1"/>
-          </p:cNvSpPr>
-          <p:nvPr>
-            <p:ph idx="1"/>
-          </p:nvPr>
-        </p:nvSpPr>
-        <p:spPr/>
-        <p:txBody>
-          <a:bodyPr>
-            <a:normAutofit fontScale="92500" lnSpcReduction="10000"/>
-          </a:bodyPr>
-          <a:lstStyle/>
-          <a:p>
-            <a:r>
-              <a:rPr lang="de-DE" dirty="0" smtClean="0"/>
-              <a:t>BI: </a:t>
-            </a:r>
-          </a:p>
-          <a:p>
-            <a:pPr lvl="1"/>
-            <a:r>
-              <a:rPr lang="de-DE" dirty="0" smtClean="0"/>
-              <a:t>Training des Random </a:t>
-            </a:r>
-            <a:r>
-              <a:rPr lang="de-DE" dirty="0" err="1" smtClean="0"/>
-              <a:t>Forest</a:t>
-            </a:r>
-            <a:r>
-              <a:rPr lang="de-DE" dirty="0" smtClean="0"/>
-              <a:t> Modells.</a:t>
-            </a:r>
-          </a:p>
-          <a:p>
-            <a:pPr lvl="1"/>
-            <a:r>
-              <a:rPr lang="de-DE" dirty="0" smtClean="0"/>
-              <a:t>Erstellung der Gruppen von Nutzern </a:t>
-            </a:r>
-            <a:r>
-              <a:rPr lang="de-DE" dirty="0"/>
-              <a:t>in verschiedenen Affinitätsgruppen</a:t>
-            </a:r>
-            <a:r>
-              <a:rPr lang="de-DE" dirty="0" smtClean="0"/>
-              <a:t> anhand dieses Modells und der Datenbank.</a:t>
-            </a:r>
-          </a:p>
-          <a:p>
-            <a:pPr lvl="1"/>
-            <a:r>
-              <a:rPr lang="de-DE" dirty="0" smtClean="0"/>
-              <a:t>Aufnahme neuer Custom </a:t>
-            </a:r>
-            <a:r>
-              <a:rPr lang="de-DE" dirty="0" err="1" smtClean="0"/>
-              <a:t>Dimensions</a:t>
-            </a:r>
-            <a:r>
-              <a:rPr lang="de-DE" dirty="0" smtClean="0"/>
-              <a:t> und Nutzersegmente in das Tracking/Reporting durch Google Analytics.</a:t>
-            </a:r>
-          </a:p>
-          <a:p>
-            <a:r>
-              <a:rPr lang="de-DE" dirty="0" smtClean="0"/>
-              <a:t>SEO:</a:t>
-            </a:r>
-          </a:p>
-          <a:p>
-            <a:pPr lvl="1"/>
-            <a:r>
-              <a:rPr lang="de-DE" dirty="0" smtClean="0"/>
-              <a:t>Newsletter-Kampagne und Versandt an identifizierte Nutzergruppen.</a:t>
-            </a:r>
-          </a:p>
-          <a:p>
-            <a:pPr lvl="1"/>
-            <a:r>
-              <a:rPr lang="de-DE" dirty="0" smtClean="0"/>
-              <a:t>Auswertung der (vorläufigen) Ergebnisse.</a:t>
-            </a:r>
-            <a:endParaRPr lang="de-DE" dirty="0"/>
-          </a:p>
-        </p:txBody>
-      </p:sp>
-    </p:spTree>
-    <p:extLst>
-      <p:ext uri="{BB962C8B-B14F-4D97-AF65-F5344CB8AC3E}">
-        <p14:creationId xmlns:p14="http://schemas.microsoft.com/office/powerpoint/2010/main" val="4071863050"/>
-      </p:ext>
-    </p:extLst>
-  </p:cSld>
-  <p:clrMapOvr>
-    <a:masterClrMapping/>
-  </p:clrMapOvr>
-  <p:timing>
-    <p:tnLst>
-      <p:par>
-        <p:cTn id="1" dur="indefinite" restart="never" nodeType="tmRoot"/>
-      </p:par>
-    </p:tnLst>
-  </p:timing>
-</p:sld>
-</file>
-
-<file path=ppt/slides/slide4.xml><?xml version="1.0" encoding="utf-8"?>
-<p:sld xmlns:a="http://schemas.openxmlformats.org/drawingml/2006/main" xmlns:r="http://schemas.openxmlformats.org/officeDocument/2006/relationships" xmlns:p="http://schemas.openxmlformats.org/presentationml/2006/main">
-  <p:cSld>
-    <p:spTree>
-      <p:nvGrpSpPr>
-        <p:cNvPr id="1" name=""/>
-        <p:cNvGrpSpPr/>
-        <p:nvPr/>
-      </p:nvGrpSpPr>
-      <p:grpSpPr>
-        <a:xfrm>
-          <a:off x="0" y="0"/>
-          <a:ext cx="0" cy="0"/>
-          <a:chOff x="0" y="0"/>
-          <a:chExt cx="0" cy="0"/>
-        </a:xfrm>
-      </p:grpSpPr>
-      <p:sp>
-        <p:nvSpPr>
-          <p:cNvPr id="2" name="Titel 1"/>
-          <p:cNvSpPr>
-            <a:spLocks noGrp="1"/>
-          </p:cNvSpPr>
-          <p:nvPr>
-            <p:ph type="title"/>
-          </p:nvPr>
-        </p:nvSpPr>
-        <p:spPr/>
-        <p:txBody>
-          <a:bodyPr/>
-          <a:lstStyle/>
-          <a:p>
-            <a:r>
-              <a:rPr lang="de-DE" dirty="0" smtClean="0"/>
-              <a:t>Klassifikation</a:t>
-            </a:r>
-            <a:endParaRPr lang="de-DE" dirty="0"/>
-          </a:p>
-        </p:txBody>
-      </p:sp>
-      <p:sp>
-        <p:nvSpPr>
-          <p:cNvPr id="3" name="Inhaltsplatzhalter 2"/>
-          <p:cNvSpPr>
-            <a:spLocks noGrp="1"/>
-          </p:cNvSpPr>
-          <p:nvPr>
-            <p:ph idx="1"/>
-          </p:nvPr>
-        </p:nvSpPr>
-        <p:spPr/>
-        <p:txBody>
-          <a:bodyPr>
-            <a:normAutofit lnSpcReduction="10000"/>
-          </a:bodyPr>
-          <a:lstStyle/>
-          <a:p>
-            <a:r>
-              <a:rPr lang="de-DE" dirty="0" smtClean="0"/>
-              <a:t>Ein Modell zur Klassifikation wird aufgebaut aus Daten mit bekannten Klassen-Labels (sogenannte „</a:t>
-            </a:r>
-            <a:r>
-              <a:rPr lang="de-DE" dirty="0" err="1" smtClean="0"/>
-              <a:t>Ground</a:t>
-            </a:r>
-            <a:r>
-              <a:rPr lang="de-DE" dirty="0" smtClean="0"/>
-              <a:t> </a:t>
-            </a:r>
-            <a:r>
-              <a:rPr lang="de-DE" dirty="0" err="1" smtClean="0"/>
-              <a:t>Truth</a:t>
-            </a:r>
-            <a:r>
-              <a:rPr lang="de-DE" dirty="0" smtClean="0"/>
-              <a:t>“).</a:t>
-            </a:r>
-          </a:p>
-          <a:p>
-            <a:pPr lvl="1"/>
-            <a:r>
-              <a:rPr lang="de-DE" dirty="0" smtClean="0"/>
-              <a:t>In unserem Fall: alle </a:t>
-            </a:r>
-            <a:r>
-              <a:rPr lang="de-DE" dirty="0"/>
-              <a:t>Nutzer werden unterteilt in solche, </a:t>
-            </a:r>
-          </a:p>
-          <a:p>
-            <a:pPr lvl="2"/>
-            <a:r>
-              <a:rPr lang="de-DE" dirty="0"/>
-              <a:t>die bereits Mitglieder im CK Club sind oder </a:t>
-            </a:r>
-            <a:r>
-              <a:rPr lang="de-DE" dirty="0" smtClean="0"/>
-              <a:t>waren, und solche,</a:t>
-            </a:r>
-            <a:endParaRPr lang="de-DE" dirty="0"/>
-          </a:p>
-          <a:p>
-            <a:pPr lvl="2"/>
-            <a:r>
-              <a:rPr lang="de-DE" dirty="0"/>
-              <a:t>die nicht Mitglieder im CK Club sind oder </a:t>
-            </a:r>
-            <a:r>
-              <a:rPr lang="de-DE" dirty="0" smtClean="0"/>
-              <a:t>waren.</a:t>
-            </a:r>
-            <a:endParaRPr lang="de-DE" dirty="0"/>
-          </a:p>
-          <a:p>
-            <a:pPr lvl="1"/>
-            <a:endParaRPr lang="de-DE" dirty="0" smtClean="0"/>
-          </a:p>
-          <a:p>
-            <a:r>
-              <a:rPr lang="de-DE" dirty="0" smtClean="0"/>
-              <a:t>Das entstandene Modell kann dann zur Vorhersage für noch nicht gesehene Daten verwendet werden.</a:t>
-            </a:r>
-          </a:p>
-          <a:p>
-            <a:endParaRPr lang="de-DE" dirty="0" smtClean="0"/>
-          </a:p>
-          <a:p>
-            <a:endParaRPr lang="de-DE" dirty="0"/>
-          </a:p>
-        </p:txBody>
-      </p:sp>
-    </p:spTree>
-    <p:extLst>
-      <p:ext uri="{BB962C8B-B14F-4D97-AF65-F5344CB8AC3E}">
-        <p14:creationId xmlns:p14="http://schemas.microsoft.com/office/powerpoint/2010/main" val="2242586415"/>
-      </p:ext>
-    </p:extLst>
-  </p:cSld>
-  <p:clrMapOvr>
-    <a:masterClrMapping/>
-  </p:clrMapOvr>
-  <p:timing>
-    <p:tnLst>
-      <p:par>
-        <p:cTn id="1" dur="indefinite" restart="never" nodeType="tmRoot"/>
-      </p:par>
-    </p:tnLst>
-  </p:timing>
-</p:sld>
-</file>
-
-<file path=ppt/slides/slide5.xml><?xml version="1.0" encoding="utf-8"?>
-<p:sld xmlns:a="http://schemas.openxmlformats.org/drawingml/2006/main" xmlns:r="http://schemas.openxmlformats.org/officeDocument/2006/relationships" xmlns:p="http://schemas.openxmlformats.org/presentationml/2006/main">
-  <p:cSld>
-    <p:spTree>
-      <p:nvGrpSpPr>
-        <p:cNvPr id="1" name=""/>
-        <p:cNvGrpSpPr/>
-        <p:nvPr/>
-      </p:nvGrpSpPr>
-      <p:grpSpPr>
-        <a:xfrm>
-          <a:off x="0" y="0"/>
-          <a:ext cx="0" cy="0"/>
-          <a:chOff x="0" y="0"/>
-          <a:chExt cx="0" cy="0"/>
-        </a:xfrm>
-      </p:grpSpPr>
-      <p:sp>
-        <p:nvSpPr>
-          <p:cNvPr id="2" name="Titel 1"/>
-          <p:cNvSpPr>
-            <a:spLocks noGrp="1"/>
-          </p:cNvSpPr>
-          <p:nvPr>
-            <p:ph type="title"/>
-          </p:nvPr>
-        </p:nvSpPr>
-        <p:spPr/>
-        <p:txBody>
-          <a:bodyPr/>
-          <a:lstStyle/>
-          <a:p>
-            <a:r>
-              <a:rPr lang="de-DE" dirty="0" smtClean="0"/>
-              <a:t>Random </a:t>
-            </a:r>
-            <a:r>
-              <a:rPr lang="de-DE" dirty="0" err="1" smtClean="0"/>
-              <a:t>Forest</a:t>
-            </a:r>
-            <a:endParaRPr lang="de-DE" dirty="0"/>
-          </a:p>
-        </p:txBody>
-      </p:sp>
-      <p:sp>
-        <p:nvSpPr>
-          <p:cNvPr id="3" name="Inhaltsplatzhalter 2"/>
-          <p:cNvSpPr>
-            <a:spLocks noGrp="1"/>
-          </p:cNvSpPr>
-          <p:nvPr>
-            <p:ph idx="1"/>
-          </p:nvPr>
-        </p:nvSpPr>
-        <p:spPr>
-          <a:xfrm>
-            <a:off x="1141413" y="2249487"/>
-            <a:ext cx="6935788" cy="3541714"/>
-          </a:xfrm>
-        </p:spPr>
-        <p:txBody>
-          <a:bodyPr>
-            <a:normAutofit fontScale="92500" lnSpcReduction="20000"/>
-          </a:bodyPr>
-          <a:lstStyle/>
-          <a:p>
-            <a:r>
-              <a:rPr lang="de-DE" dirty="0" smtClean="0"/>
-              <a:t>Random </a:t>
-            </a:r>
-            <a:r>
-              <a:rPr lang="de-DE" dirty="0" err="1" smtClean="0"/>
-              <a:t>Forest</a:t>
-            </a:r>
-            <a:r>
-              <a:rPr lang="de-DE" dirty="0" smtClean="0"/>
-              <a:t> (Leo </a:t>
-            </a:r>
-            <a:r>
-              <a:rPr lang="de-DE" dirty="0" err="1" smtClean="0"/>
-              <a:t>Breiman</a:t>
-            </a:r>
-            <a:r>
-              <a:rPr lang="de-DE" dirty="0" smtClean="0"/>
-              <a:t>, 1999) ist ein Klassifikationsverfahren, das Voraussagen über (wahrscheinliche) nächste Nachbarn trifft.</a:t>
-            </a:r>
-          </a:p>
-          <a:p>
-            <a:r>
-              <a:rPr lang="de-DE" dirty="0" smtClean="0"/>
-              <a:t>Ein Random </a:t>
-            </a:r>
-            <a:r>
-              <a:rPr lang="de-DE" dirty="0" err="1" smtClean="0"/>
-              <a:t>Forest</a:t>
-            </a:r>
-            <a:r>
-              <a:rPr lang="de-DE" dirty="0" smtClean="0"/>
-              <a:t> modelliert die (vermutete) Beziehung zwischen beobachteten Daten und einer Funktion oder Darstellung (siehe rechts).</a:t>
-            </a:r>
-          </a:p>
-          <a:p>
-            <a:r>
-              <a:rPr lang="de-DE" dirty="0"/>
-              <a:t>Wie in so vielen Fällen besteht ein Wald aus Bäumen. Erstmal muss man also wissen, was Entscheidungsbäume </a:t>
-            </a:r>
-            <a:r>
-              <a:rPr lang="de-DE" dirty="0" smtClean="0"/>
-              <a:t>sind.</a:t>
-            </a:r>
-            <a:endParaRPr lang="de-DE" dirty="0"/>
-          </a:p>
-          <a:p>
-            <a:endParaRPr lang="de-DE" dirty="0" smtClean="0"/>
-          </a:p>
-        </p:txBody>
-      </p:sp>
-      <p:pic>
-        <p:nvPicPr>
-          <p:cNvPr id="1028" name="Picture 4" descr="Random Forest classifiers"/>
-          <p:cNvPicPr>
-            <a:picLocks noChangeAspect="1" noChangeArrowheads="1"/>
-          </p:cNvPicPr>
-          <p:nvPr/>
-        </p:nvPicPr>
-        <p:blipFill>
-          <a:blip r:embed="rId2">
-            <a:extLst>
-              <a:ext uri="{28A0092B-C50C-407E-A947-70E740481C1C}">
-                <a14:useLocalDpi xmlns:a14="http://schemas.microsoft.com/office/drawing/2010/main" val="0"/>
-              </a:ext>
-            </a:extLst>
-          </a:blip>
-          <a:srcRect/>
-          <a:stretch>
-            <a:fillRect/>
-          </a:stretch>
-        </p:blipFill>
-        <p:spPr bwMode="auto">
-          <a:xfrm>
-            <a:off x="8373458" y="2882900"/>
-            <a:ext cx="3077201" cy="2368550"/>
-          </a:xfrm>
-          <a:prstGeom prst="rect">
-            <a:avLst/>
-          </a:prstGeom>
-          <a:noFill/>
-          <a:extLst>
-            <a:ext uri="{909E8E84-426E-40DD-AFC4-6F175D3DCCD1}">
-              <a14:hiddenFill xmlns:a14="http://schemas.microsoft.com/office/drawing/2010/main">
-                <a:solidFill>
-                  <a:srgbClr val="FFFFFF"/>
-                </a:solidFill>
-              </a14:hiddenFill>
-            </a:ext>
-          </a:extLst>
-        </p:spPr>
-      </p:pic>
-      <p:grpSp>
-        <p:nvGrpSpPr>
-          <p:cNvPr id="6" name="Gruppieren 5"/>
-          <p:cNvGrpSpPr/>
-          <p:nvPr/>
-        </p:nvGrpSpPr>
-        <p:grpSpPr>
-          <a:xfrm>
-            <a:off x="5130800" y="611662"/>
-            <a:ext cx="1612516" cy="1178562"/>
-            <a:chOff x="8963767" y="669257"/>
-            <a:chExt cx="2275108" cy="1580230"/>
-          </a:xfrm>
-        </p:grpSpPr>
-        <p:pic>
-          <p:nvPicPr>
-            <p:cNvPr id="1030" name="Picture 6" descr="http://www.dewitzphotography.com/wp-content/uploads/2013/12/Red-Riding-Hood-Running-Scared.jpg"/>
-            <p:cNvPicPr>
-              <a:picLocks noChangeAspect="1" noChangeArrowheads="1"/>
-            </p:cNvPicPr>
-            <p:nvPr/>
-          </p:nvPicPr>
-          <p:blipFill>
-            <a:blip r:embed="rId3">
-              <a:extLst>
-                <a:ext uri="{28A0092B-C50C-407E-A947-70E740481C1C}">
-                  <a14:useLocalDpi xmlns:a14="http://schemas.microsoft.com/office/drawing/2010/main" val="0"/>
-                </a:ext>
-              </a:extLst>
-            </a:blip>
-            <a:srcRect/>
-            <a:stretch>
-              <a:fillRect/>
-            </a:stretch>
-          </p:blipFill>
-          <p:spPr bwMode="auto">
-            <a:xfrm>
-              <a:off x="8963767" y="731990"/>
-              <a:ext cx="2275108" cy="1517497"/>
-            </a:xfrm>
-            <a:prstGeom prst="rect">
-              <a:avLst/>
-            </a:prstGeom>
-            <a:noFill/>
-            <a:extLst>
-              <a:ext uri="{909E8E84-426E-40DD-AFC4-6F175D3DCCD1}">
-                <a14:hiddenFill xmlns:a14="http://schemas.microsoft.com/office/drawing/2010/main">
-                  <a:solidFill>
-                    <a:srgbClr val="FFFFFF"/>
-                  </a:solidFill>
-                </a14:hiddenFill>
-              </a:ext>
-            </a:extLst>
-          </p:spPr>
-        </p:pic>
-        <p:sp>
-          <p:nvSpPr>
-            <p:cNvPr id="4" name="Textfeld 3"/>
-            <p:cNvSpPr txBox="1"/>
-            <p:nvPr/>
-          </p:nvSpPr>
-          <p:spPr>
-            <a:xfrm>
-              <a:off x="10326997" y="669257"/>
-              <a:ext cx="676495" cy="1015663"/>
-            </a:xfrm>
-            <a:prstGeom prst="rect">
-              <a:avLst/>
-            </a:prstGeom>
-            <a:noFill/>
-          </p:spPr>
-          <p:txBody>
-            <a:bodyPr wrap="square" rtlCol="0">
-              <a:spAutoFit/>
-            </a:bodyPr>
-            <a:lstStyle/>
-            <a:p>
-              <a:r>
-                <a:rPr lang="de-DE" sz="6000" dirty="0" smtClean="0">
-                  <a:solidFill>
-                    <a:schemeClr val="bg1"/>
-                  </a:solidFill>
-                  <a:latin typeface="Arial Black" panose="020B0A04020102020204" pitchFamily="34" charset="0"/>
-                </a:rPr>
-                <a:t>?</a:t>
-              </a:r>
-              <a:endParaRPr lang="de-DE" sz="6000" dirty="0">
-                <a:solidFill>
-                  <a:schemeClr val="bg1"/>
-                </a:solidFill>
-                <a:latin typeface="Arial Black" panose="020B0A04020102020204" pitchFamily="34" charset="0"/>
-              </a:endParaRPr>
-            </a:p>
-          </p:txBody>
-        </p:sp>
-      </p:grpSp>
-    </p:spTree>
-    <p:extLst>
-      <p:ext uri="{BB962C8B-B14F-4D97-AF65-F5344CB8AC3E}">
-        <p14:creationId xmlns:p14="http://schemas.microsoft.com/office/powerpoint/2010/main" val="3885510616"/>
-      </p:ext>
-    </p:extLst>
-  </p:cSld>
-  <p:clrMapOvr>
-    <a:masterClrMapping/>
-  </p:clrMapOvr>
-  <p:timing>
-    <p:tnLst>
-      <p:par>
-        <p:cTn id="1" dur="indefinite" restart="never" nodeType="tmRoot"/>
-      </p:par>
-    </p:tnLst>
-  </p:timing>
-</p:sld>
-</file>
-
-<file path=ppt/slides/slide6.xml><?xml version="1.0" encoding="utf-8"?>
-<p:sld xmlns:a="http://schemas.openxmlformats.org/drawingml/2006/main" xmlns:r="http://schemas.openxmlformats.org/officeDocument/2006/relationships" xmlns:p="http://schemas.openxmlformats.org/presentationml/2006/main" show="0">
-  <p:cSld>
-    <p:spTree>
-      <p:nvGrpSpPr>
-        <p:cNvPr id="1" name=""/>
-        <p:cNvGrpSpPr/>
-        <p:nvPr/>
-      </p:nvGrpSpPr>
-      <p:grpSpPr>
-        <a:xfrm>
-          <a:off x="0" y="0"/>
-          <a:ext cx="0" cy="0"/>
-          <a:chOff x="0" y="0"/>
-          <a:chExt cx="0" cy="0"/>
-        </a:xfrm>
-      </p:grpSpPr>
-      <p:sp>
-        <p:nvSpPr>
-          <p:cNvPr id="2" name="Titel 1"/>
-          <p:cNvSpPr>
-            <a:spLocks noGrp="1"/>
-          </p:cNvSpPr>
-          <p:nvPr>
-            <p:ph type="title"/>
-          </p:nvPr>
-        </p:nvSpPr>
-        <p:spPr/>
-        <p:txBody>
-          <a:bodyPr/>
-          <a:lstStyle/>
-          <a:p>
-            <a:r>
-              <a:rPr lang="de-DE" dirty="0" smtClean="0"/>
-              <a:t>Funktionsweise nach L. </a:t>
-            </a:r>
-            <a:r>
-              <a:rPr lang="de-DE" dirty="0" err="1" smtClean="0"/>
-              <a:t>Breiman</a:t>
-            </a:r>
-            <a:endParaRPr lang="de-DE" dirty="0"/>
-          </a:p>
-        </p:txBody>
-      </p:sp>
-      <p:sp>
-        <p:nvSpPr>
-          <p:cNvPr id="3" name="Inhaltsplatzhalter 2"/>
-          <p:cNvSpPr>
-            <a:spLocks noGrp="1"/>
-          </p:cNvSpPr>
-          <p:nvPr>
-            <p:ph idx="1"/>
-          </p:nvPr>
-        </p:nvSpPr>
-        <p:spPr/>
-        <p:txBody>
-          <a:bodyPr>
-            <a:normAutofit fontScale="92500" lnSpcReduction="10000"/>
-          </a:bodyPr>
-          <a:lstStyle/>
-          <a:p>
-            <a:r>
-              <a:rPr lang="de-DE" dirty="0"/>
-              <a:t>Bei </a:t>
-            </a:r>
-            <a:r>
-              <a:rPr lang="de-DE" i="1" dirty="0"/>
-              <a:t>N</a:t>
-            </a:r>
-            <a:r>
-              <a:rPr lang="de-DE" dirty="0"/>
-              <a:t> Beobachtungen in der Trainingsmenge werden </a:t>
-            </a:r>
-            <a:r>
-              <a:rPr lang="de-DE" i="1" dirty="0"/>
-              <a:t>n</a:t>
-            </a:r>
-            <a:r>
-              <a:rPr lang="de-DE" dirty="0"/>
-              <a:t> Objekte zufällig </a:t>
-            </a:r>
-            <a:r>
-              <a:rPr lang="de-DE" dirty="0" smtClean="0"/>
-              <a:t>mit</a:t>
-            </a:r>
-            <a:r>
-              <a:rPr lang="de-DE" dirty="0"/>
-              <a:t> </a:t>
-            </a:r>
-            <a:r>
-              <a:rPr lang="de-DE" dirty="0" smtClean="0"/>
-              <a:t>Zurücklegen</a:t>
-            </a:r>
-            <a:r>
-              <a:rPr lang="de-DE" dirty="0"/>
-              <a:t> gezogen.</a:t>
-            </a:r>
-          </a:p>
-          <a:p>
-            <a:r>
-              <a:rPr lang="de-DE" dirty="0" smtClean="0"/>
-              <a:t>Bei M Merkmalen </a:t>
-            </a:r>
-            <a:r>
-              <a:rPr lang="de-DE" dirty="0"/>
-              <a:t>(Features oder Dimensionen) der Beispiele werden an jedem Knoten im </a:t>
-            </a:r>
-            <a:r>
-              <a:rPr lang="de-DE" dirty="0" smtClean="0"/>
-              <a:t>Baum m&lt;M </a:t>
-            </a:r>
-            <a:r>
-              <a:rPr lang="de-DE" dirty="0"/>
-              <a:t>Merkmale zufällig gewählt, die zur Betrachtung des Schnitts (Split) genommen werden</a:t>
-            </a:r>
-            <a:r>
-              <a:rPr lang="de-DE" dirty="0" smtClean="0"/>
-              <a:t>.</a:t>
-            </a:r>
-          </a:p>
-          <a:p>
-            <a:r>
-              <a:rPr lang="de-DE" dirty="0"/>
-              <a:t>Der Baum wird voll ausgebaut und nicht zurückgeschnitten (</a:t>
-            </a:r>
-            <a:r>
-              <a:rPr lang="de-DE" dirty="0" err="1" smtClean="0"/>
-              <a:t>Pruning</a:t>
-            </a:r>
-            <a:r>
-              <a:rPr lang="de-DE" dirty="0" smtClean="0"/>
-              <a:t>).</a:t>
-            </a:r>
-            <a:endParaRPr lang="de-DE" dirty="0"/>
-          </a:p>
-          <a:p>
-            <a:r>
-              <a:rPr lang="de-DE" dirty="0"/>
-              <a:t>Zur Klassifikation wird nun ein Beispiel in jedem Baum ausgewertet. Jene Klasse, welche am häufigsten gewählt wurde ist die Klassifikation des Random </a:t>
-            </a:r>
-            <a:r>
-              <a:rPr lang="de-DE" dirty="0" err="1"/>
-              <a:t>Forest</a:t>
-            </a:r>
-            <a:r>
-              <a:rPr lang="de-DE" dirty="0"/>
-              <a:t>.</a:t>
-            </a:r>
-          </a:p>
-          <a:p>
-            <a:endParaRPr lang="de-DE" dirty="0"/>
-          </a:p>
-        </p:txBody>
-      </p:sp>
-    </p:spTree>
-    <p:extLst>
-      <p:ext uri="{BB962C8B-B14F-4D97-AF65-F5344CB8AC3E}">
-        <p14:creationId xmlns:p14="http://schemas.microsoft.com/office/powerpoint/2010/main" val="4084859879"/>
-      </p:ext>
-    </p:extLst>
-  </p:cSld>
-  <p:clrMapOvr>
-    <a:masterClrMapping/>
-  </p:clrMapOvr>
-  <mc:AlternateContent xmlns:mc="http://schemas.openxmlformats.org/markup-compatibility/2006">
-    <mc:Choice xmlns:p14="http://schemas.microsoft.com/office/powerpoint/2010/main" Requires="p14">
-      <p:transition spd="slow" p14:dur="2000"/>
-    </mc:Choice>
-    <mc:Fallback>
-      <p:transition spd="slow"/>
-    </mc:Fallback>
-  </mc:AlternateContent>
-  <p:timing>
-    <p:tnLst>
-      <p:par>
-        <p:cTn id="1" dur="indefinite" restart="never" nodeType="tmRoot"/>
-      </p:par>
-    </p:tnLst>
-  </p:timing>
-</p:sld>
-</file>
-
-<file path=ppt/slides/slide7.xml><?xml version="1.0" encoding="utf-8"?>
 <p:sld xmlns:a="http://schemas.openxmlformats.org/drawingml/2006/main" xmlns:r="http://schemas.openxmlformats.org/officeDocument/2006/relationships" xmlns:p="http://schemas.openxmlformats.org/presentationml/2006/main">
   <p:cSld>
     <p:spTree>
@@ -16276,6 +13958,3585 @@
 </p:sld>
 </file>
 
+<file path=ppt/slides/slide11.xml><?xml version="1.0" encoding="utf-8"?>
+<p:sld xmlns:a="http://schemas.openxmlformats.org/drawingml/2006/main" xmlns:r="http://schemas.openxmlformats.org/officeDocument/2006/relationships" xmlns:p="http://schemas.openxmlformats.org/presentationml/2006/main">
+  <p:cSld>
+    <p:spTree>
+      <p:nvGrpSpPr>
+        <p:cNvPr id="1" name=""/>
+        <p:cNvGrpSpPr/>
+        <p:nvPr/>
+      </p:nvGrpSpPr>
+      <p:grpSpPr>
+        <a:xfrm>
+          <a:off x="0" y="0"/>
+          <a:ext cx="0" cy="0"/>
+          <a:chOff x="0" y="0"/>
+          <a:chExt cx="0" cy="0"/>
+        </a:xfrm>
+      </p:grpSpPr>
+      <p:sp>
+        <p:nvSpPr>
+          <p:cNvPr id="2" name="Titel 1"/>
+          <p:cNvSpPr>
+            <a:spLocks noGrp="1"/>
+          </p:cNvSpPr>
+          <p:nvPr>
+            <p:ph type="title"/>
+          </p:nvPr>
+        </p:nvSpPr>
+        <p:spPr/>
+        <p:txBody>
+          <a:bodyPr/>
+          <a:lstStyle/>
+          <a:p>
+            <a:r>
+              <a:rPr lang="de-DE" dirty="0" smtClean="0"/>
+              <a:t>Entscheidungsbäume</a:t>
+            </a:r>
+            <a:endParaRPr lang="de-DE" dirty="0"/>
+          </a:p>
+        </p:txBody>
+      </p:sp>
+      <p:sp>
+        <p:nvSpPr>
+          <p:cNvPr id="3" name="Inhaltsplatzhalter 2"/>
+          <p:cNvSpPr>
+            <a:spLocks noGrp="1"/>
+          </p:cNvSpPr>
+          <p:nvPr>
+            <p:ph idx="1"/>
+          </p:nvPr>
+        </p:nvSpPr>
+        <p:spPr/>
+        <p:txBody>
+          <a:bodyPr>
+            <a:normAutofit fontScale="92500" lnSpcReduction="10000"/>
+          </a:bodyPr>
+          <a:lstStyle/>
+          <a:p>
+            <a:r>
+              <a:rPr lang="de-DE" dirty="0"/>
+              <a:t>Ausprägungen können Zahlen (wie etwa die Temperatur) sein oder Kategorien (wie z. B. </a:t>
+            </a:r>
+            <a:r>
+              <a:rPr lang="de-DE" dirty="0" smtClean="0"/>
+              <a:t>die Bezeichnung für das </a:t>
+            </a:r>
+            <a:r>
+              <a:rPr lang="de-DE" dirty="0"/>
+              <a:t>Wetter</a:t>
+            </a:r>
+            <a:r>
+              <a:rPr lang="de-DE" dirty="0" smtClean="0"/>
+              <a:t>).</a:t>
+            </a:r>
+          </a:p>
+          <a:p>
+            <a:r>
+              <a:rPr lang="de-DE" dirty="0" smtClean="0"/>
+              <a:t>Es kann auch mehr als zwei Ausprägungen je Attribut geben (Regen, Sonne, Nebel…)</a:t>
+            </a:r>
+          </a:p>
+          <a:p>
+            <a:r>
+              <a:rPr lang="de-DE" dirty="0" smtClean="0"/>
+              <a:t>Die Entscheidungsbäume im Random </a:t>
+            </a:r>
+            <a:r>
+              <a:rPr lang="de-DE" dirty="0" err="1" smtClean="0"/>
+              <a:t>Forest</a:t>
+            </a:r>
+            <a:r>
+              <a:rPr lang="de-DE" dirty="0" smtClean="0"/>
+              <a:t> machen je </a:t>
+            </a:r>
+            <a:r>
+              <a:rPr lang="de-DE" dirty="0" err="1" smtClean="0"/>
+              <a:t>unkorreliert</a:t>
+            </a:r>
+            <a:r>
+              <a:rPr lang="de-DE" dirty="0" smtClean="0"/>
+              <a:t> voneinander eine Vorhersage.</a:t>
+            </a:r>
+          </a:p>
+          <a:p>
+            <a:r>
+              <a:rPr lang="en-US" dirty="0"/>
+              <a:t>Das </a:t>
+            </a:r>
+            <a:r>
+              <a:rPr lang="en-US" dirty="0" err="1"/>
+              <a:t>Ergebnis</a:t>
+            </a:r>
+            <a:r>
+              <a:rPr lang="en-US" dirty="0"/>
+              <a:t> der </a:t>
+            </a:r>
+            <a:r>
+              <a:rPr lang="en-US" dirty="0" err="1"/>
+              <a:t>gesamten</a:t>
+            </a:r>
+            <a:r>
+              <a:rPr lang="en-US" dirty="0"/>
+              <a:t> </a:t>
+            </a:r>
+            <a:r>
+              <a:rPr lang="en-US" dirty="0" err="1"/>
+              <a:t>Klassifikation</a:t>
+            </a:r>
+            <a:r>
+              <a:rPr lang="en-US" dirty="0"/>
+              <a:t> </a:t>
+            </a:r>
+            <a:r>
+              <a:rPr lang="en-US" dirty="0" err="1"/>
+              <a:t>wird</a:t>
+            </a:r>
+            <a:r>
+              <a:rPr lang="en-US" dirty="0"/>
+              <a:t> </a:t>
+            </a:r>
+            <a:r>
+              <a:rPr lang="en-US" dirty="0" err="1"/>
+              <a:t>dann</a:t>
+            </a:r>
+            <a:r>
+              <a:rPr lang="en-US" dirty="0"/>
+              <a:t> </a:t>
+            </a:r>
+            <a:r>
+              <a:rPr lang="en-US" dirty="0" err="1"/>
+              <a:t>aus</a:t>
+            </a:r>
+            <a:r>
+              <a:rPr lang="en-US" dirty="0"/>
+              <a:t> den </a:t>
+            </a:r>
+            <a:r>
+              <a:rPr lang="en-US" dirty="0" err="1"/>
+              <a:t>Ergebnissen</a:t>
+            </a:r>
+            <a:r>
+              <a:rPr lang="en-US" dirty="0"/>
+              <a:t> der </a:t>
+            </a:r>
+            <a:r>
+              <a:rPr lang="en-US" dirty="0" err="1"/>
+              <a:t>einzelnen</a:t>
+            </a:r>
+            <a:r>
+              <a:rPr lang="en-US" dirty="0"/>
+              <a:t> </a:t>
+            </a:r>
+            <a:r>
+              <a:rPr lang="en-US" dirty="0" err="1"/>
+              <a:t>Entscheidungsbäume</a:t>
+            </a:r>
+            <a:r>
+              <a:rPr lang="en-US" dirty="0"/>
+              <a:t> </a:t>
+            </a:r>
+            <a:r>
+              <a:rPr lang="en-US" dirty="0" err="1"/>
+              <a:t>berechnet</a:t>
+            </a:r>
+            <a:r>
+              <a:rPr lang="en-US" dirty="0"/>
+              <a:t> – </a:t>
+            </a:r>
+            <a:r>
+              <a:rPr lang="en-US" dirty="0" err="1"/>
+              <a:t>als</a:t>
+            </a:r>
+            <a:r>
+              <a:rPr lang="en-US" dirty="0"/>
+              <a:t> (</a:t>
+            </a:r>
+            <a:r>
+              <a:rPr lang="en-US" dirty="0" err="1"/>
+              <a:t>gewichtetes</a:t>
+            </a:r>
+            <a:r>
+              <a:rPr lang="en-US" dirty="0"/>
+              <a:t>) </a:t>
+            </a:r>
+            <a:r>
+              <a:rPr lang="en-US" dirty="0" err="1"/>
+              <a:t>Mittel</a:t>
+            </a:r>
+            <a:r>
+              <a:rPr lang="en-US" dirty="0"/>
+              <a:t> </a:t>
+            </a:r>
+            <a:r>
+              <a:rPr lang="en-US" dirty="0" err="1"/>
+              <a:t>aller</a:t>
+            </a:r>
+            <a:r>
+              <a:rPr lang="en-US" dirty="0"/>
+              <a:t> </a:t>
+            </a:r>
+            <a:r>
+              <a:rPr lang="en-US" dirty="0" err="1"/>
+              <a:t>Endknoten</a:t>
+            </a:r>
+            <a:r>
+              <a:rPr lang="en-US" dirty="0"/>
+              <a:t> (</a:t>
+            </a:r>
+            <a:r>
+              <a:rPr lang="en-US" dirty="0" err="1"/>
+              <a:t>oder</a:t>
+            </a:r>
+            <a:r>
+              <a:rPr lang="en-US" dirty="0"/>
+              <a:t> </a:t>
+            </a:r>
+            <a:r>
+              <a:rPr lang="en-US" dirty="0" err="1"/>
+              <a:t>als</a:t>
+            </a:r>
+            <a:r>
+              <a:rPr lang="en-US" dirty="0"/>
+              <a:t> </a:t>
+            </a:r>
+            <a:r>
+              <a:rPr lang="en-US" dirty="0" err="1"/>
+              <a:t>Mehrheit</a:t>
+            </a:r>
+            <a:r>
+              <a:rPr lang="en-US" dirty="0"/>
+              <a:t> </a:t>
+            </a:r>
+            <a:r>
+              <a:rPr lang="en-US" dirty="0" err="1"/>
+              <a:t>aller</a:t>
+            </a:r>
+            <a:r>
+              <a:rPr lang="en-US" dirty="0"/>
+              <a:t> </a:t>
+            </a:r>
+            <a:r>
+              <a:rPr lang="en-US" dirty="0" err="1"/>
+              <a:t>Einzelentscheidungen</a:t>
+            </a:r>
+            <a:r>
+              <a:rPr lang="en-US" dirty="0" smtClean="0"/>
+              <a:t>).</a:t>
+            </a:r>
+            <a:endParaRPr lang="en-US" dirty="0"/>
+          </a:p>
+          <a:p>
+            <a:endParaRPr lang="de-DE" dirty="0" smtClean="0"/>
+          </a:p>
+        </p:txBody>
+      </p:sp>
+    </p:spTree>
+    <p:extLst>
+      <p:ext uri="{BB962C8B-B14F-4D97-AF65-F5344CB8AC3E}">
+        <p14:creationId xmlns:p14="http://schemas.microsoft.com/office/powerpoint/2010/main" val="3240131292"/>
+      </p:ext>
+    </p:extLst>
+  </p:cSld>
+  <p:clrMapOvr>
+    <a:masterClrMapping/>
+  </p:clrMapOvr>
+  <p:timing>
+    <p:tnLst>
+      <p:par>
+        <p:cTn id="1" dur="indefinite" restart="never" nodeType="tmRoot"/>
+      </p:par>
+    </p:tnLst>
+  </p:timing>
+</p:sld>
+</file>
+
+<file path=ppt/slides/slide12.xml><?xml version="1.0" encoding="utf-8"?>
+<p:sld xmlns:a="http://schemas.openxmlformats.org/drawingml/2006/main" xmlns:r="http://schemas.openxmlformats.org/officeDocument/2006/relationships" xmlns:p="http://schemas.openxmlformats.org/presentationml/2006/main">
+  <p:cSld>
+    <p:spTree>
+      <p:nvGrpSpPr>
+        <p:cNvPr id="1" name=""/>
+        <p:cNvGrpSpPr/>
+        <p:nvPr/>
+      </p:nvGrpSpPr>
+      <p:grpSpPr>
+        <a:xfrm>
+          <a:off x="0" y="0"/>
+          <a:ext cx="0" cy="0"/>
+          <a:chOff x="0" y="0"/>
+          <a:chExt cx="0" cy="0"/>
+        </a:xfrm>
+      </p:grpSpPr>
+      <p:sp>
+        <p:nvSpPr>
+          <p:cNvPr id="2" name="Titel 1"/>
+          <p:cNvSpPr>
+            <a:spLocks noGrp="1"/>
+          </p:cNvSpPr>
+          <p:nvPr>
+            <p:ph type="title"/>
+          </p:nvPr>
+        </p:nvSpPr>
+        <p:spPr/>
+        <p:txBody>
+          <a:bodyPr/>
+          <a:lstStyle/>
+          <a:p>
+            <a:r>
+              <a:rPr lang="de-DE" dirty="0" smtClean="0"/>
+              <a:t>Attribute bzw. Features</a:t>
+            </a:r>
+            <a:endParaRPr lang="de-DE" dirty="0"/>
+          </a:p>
+        </p:txBody>
+      </p:sp>
+      <p:sp>
+        <p:nvSpPr>
+          <p:cNvPr id="3" name="Inhaltsplatzhalter 2"/>
+          <p:cNvSpPr>
+            <a:spLocks noGrp="1"/>
+          </p:cNvSpPr>
+          <p:nvPr>
+            <p:ph idx="1"/>
+          </p:nvPr>
+        </p:nvSpPr>
+        <p:spPr/>
+        <p:txBody>
+          <a:bodyPr>
+            <a:normAutofit fontScale="92500"/>
+          </a:bodyPr>
+          <a:lstStyle/>
+          <a:p>
+            <a:r>
+              <a:rPr lang="de-DE" dirty="0" smtClean="0"/>
+              <a:t>In unserem Fall lautet die Frage an den Random </a:t>
+            </a:r>
+            <a:r>
+              <a:rPr lang="de-DE" dirty="0" err="1" smtClean="0"/>
+              <a:t>Forest</a:t>
+            </a:r>
+            <a:r>
+              <a:rPr lang="de-DE" dirty="0" smtClean="0"/>
+              <a:t>: „schau Dir einen unserer User an und sag uns anhand der folgenden Attribute, ob er ein CK Club Mitglied ist“:</a:t>
+            </a:r>
+          </a:p>
+          <a:p>
+            <a:pPr lvl="1"/>
+            <a:r>
+              <a:rPr lang="en-US" dirty="0" err="1"/>
+              <a:t>Geschlecht</a:t>
+            </a:r>
+            <a:r>
+              <a:rPr lang="en-US" dirty="0"/>
+              <a:t>, Alter, Knowhow, </a:t>
+            </a:r>
+            <a:r>
+              <a:rPr lang="en-US" dirty="0" err="1" smtClean="0"/>
+              <a:t>Punkte</a:t>
+            </a:r>
+            <a:r>
+              <a:rPr lang="en-US" dirty="0" smtClean="0"/>
+              <a:t>, </a:t>
+            </a:r>
+            <a:r>
+              <a:rPr lang="en-US" dirty="0" err="1" smtClean="0"/>
+              <a:t>Anzahl</a:t>
+            </a:r>
+            <a:r>
+              <a:rPr lang="en-US" dirty="0" smtClean="0"/>
+              <a:t> der </a:t>
+            </a:r>
+            <a:r>
+              <a:rPr lang="en-US" dirty="0" err="1" smtClean="0"/>
+              <a:t>Tage</a:t>
+            </a:r>
+            <a:r>
+              <a:rPr lang="en-US" dirty="0" smtClean="0"/>
+              <a:t> </a:t>
+            </a:r>
+            <a:r>
+              <a:rPr lang="en-US" dirty="0" err="1" smtClean="0"/>
+              <a:t>seit</a:t>
+            </a:r>
+            <a:r>
+              <a:rPr lang="en-US" dirty="0" smtClean="0"/>
+              <a:t> der </a:t>
+            </a:r>
+            <a:r>
+              <a:rPr lang="en-US" dirty="0" err="1" smtClean="0"/>
+              <a:t>Registrierung</a:t>
+            </a:r>
+            <a:r>
+              <a:rPr lang="en-US" dirty="0"/>
+              <a:t> </a:t>
+            </a:r>
+            <a:r>
+              <a:rPr lang="en-US" dirty="0" err="1" smtClean="0"/>
+              <a:t>sowie</a:t>
+            </a:r>
+            <a:r>
+              <a:rPr lang="en-US" dirty="0" smtClean="0"/>
+              <a:t> </a:t>
+            </a:r>
+            <a:r>
+              <a:rPr lang="en-US" dirty="0" err="1" smtClean="0"/>
+              <a:t>dem</a:t>
+            </a:r>
+            <a:r>
+              <a:rPr lang="en-US" dirty="0" smtClean="0"/>
+              <a:t> </a:t>
+            </a:r>
+            <a:r>
+              <a:rPr lang="en-US" dirty="0" err="1" smtClean="0"/>
+              <a:t>letzten</a:t>
+            </a:r>
+            <a:r>
+              <a:rPr lang="en-US" dirty="0" smtClean="0"/>
+              <a:t> Login.</a:t>
+            </a:r>
+          </a:p>
+          <a:p>
+            <a:pPr lvl="1"/>
+            <a:r>
+              <a:rPr lang="en-US" dirty="0" err="1" smtClean="0"/>
+              <a:t>Jeweils</a:t>
+            </a:r>
+            <a:r>
+              <a:rPr lang="en-US" dirty="0" smtClean="0"/>
+              <a:t> die </a:t>
+            </a:r>
+            <a:r>
+              <a:rPr lang="en-US" dirty="0" err="1" smtClean="0"/>
+              <a:t>Anzahl</a:t>
+            </a:r>
+            <a:r>
+              <a:rPr lang="en-US" dirty="0" smtClean="0"/>
+              <a:t> der </a:t>
+            </a:r>
+            <a:r>
+              <a:rPr lang="en-US" dirty="0" err="1" smtClean="0"/>
+              <a:t>Profilbesuche</a:t>
+            </a:r>
+            <a:r>
+              <a:rPr lang="en-US" dirty="0" smtClean="0"/>
+              <a:t>, </a:t>
+            </a:r>
+            <a:r>
+              <a:rPr lang="en-US" dirty="0" err="1" smtClean="0"/>
+              <a:t>Rezepte</a:t>
+            </a:r>
+            <a:r>
+              <a:rPr lang="en-US" dirty="0" smtClean="0"/>
+              <a:t> (</a:t>
+            </a:r>
+            <a:r>
+              <a:rPr lang="en-US" dirty="0" err="1" smtClean="0"/>
+              <a:t>öffentlich</a:t>
+            </a:r>
+            <a:r>
+              <a:rPr lang="en-US" dirty="0" smtClean="0"/>
+              <a:t>, </a:t>
+            </a:r>
+            <a:r>
+              <a:rPr lang="en-US" dirty="0" err="1" smtClean="0"/>
+              <a:t>Kochbuch</a:t>
+            </a:r>
+            <a:r>
+              <a:rPr lang="en-US" dirty="0" smtClean="0"/>
+              <a:t>), </a:t>
+            </a:r>
+            <a:r>
+              <a:rPr lang="en-US" dirty="0" err="1" smtClean="0"/>
+              <a:t>Bilder</a:t>
+            </a:r>
+            <a:r>
+              <a:rPr lang="en-US" dirty="0" smtClean="0"/>
+              <a:t>, </a:t>
+            </a:r>
+            <a:r>
+              <a:rPr lang="en-US" dirty="0" err="1" smtClean="0"/>
+              <a:t>Kommentare</a:t>
+            </a:r>
+            <a:r>
+              <a:rPr lang="en-US" dirty="0" smtClean="0"/>
+              <a:t> (</a:t>
+            </a:r>
+            <a:r>
+              <a:rPr lang="en-US" dirty="0" err="1" smtClean="0"/>
+              <a:t>Rezept</a:t>
+            </a:r>
+            <a:r>
+              <a:rPr lang="en-US" dirty="0" smtClean="0"/>
+              <a:t>, </a:t>
+            </a:r>
+            <a:r>
+              <a:rPr lang="en-US" dirty="0" err="1" smtClean="0"/>
+              <a:t>Artikel</a:t>
+            </a:r>
+            <a:r>
+              <a:rPr lang="en-US" dirty="0" smtClean="0"/>
+              <a:t>), </a:t>
+            </a:r>
+            <a:r>
+              <a:rPr lang="en-US" dirty="0" err="1" smtClean="0"/>
+              <a:t>Rezeptbilder</a:t>
+            </a:r>
+            <a:r>
+              <a:rPr lang="en-US" dirty="0" smtClean="0"/>
+              <a:t>, </a:t>
+            </a:r>
+            <a:r>
+              <a:rPr lang="en-US" dirty="0" err="1" smtClean="0"/>
+              <a:t>Bewertungen</a:t>
+            </a:r>
+            <a:r>
+              <a:rPr lang="en-US" dirty="0" smtClean="0"/>
+              <a:t> (</a:t>
+            </a:r>
+            <a:r>
+              <a:rPr lang="en-US" dirty="0" err="1" smtClean="0"/>
+              <a:t>Rezept</a:t>
+            </a:r>
+            <a:r>
+              <a:rPr lang="en-US" dirty="0" smtClean="0"/>
+              <a:t>, </a:t>
+            </a:r>
+            <a:r>
+              <a:rPr lang="en-US" dirty="0" err="1" smtClean="0"/>
+              <a:t>Rezeptbilder</a:t>
+            </a:r>
+            <a:r>
+              <a:rPr lang="en-US" dirty="0" smtClean="0"/>
+              <a:t>), Posts (Forum, </a:t>
+            </a:r>
+            <a:r>
+              <a:rPr lang="en-US" dirty="0" err="1" smtClean="0"/>
+              <a:t>Gruppe</a:t>
+            </a:r>
+            <a:r>
+              <a:rPr lang="en-US" dirty="0" smtClean="0"/>
+              <a:t>), Threads, </a:t>
+            </a:r>
+            <a:r>
+              <a:rPr lang="en-US" dirty="0" err="1" smtClean="0"/>
+              <a:t>Gruppen</a:t>
+            </a:r>
+            <a:r>
+              <a:rPr lang="en-US" dirty="0" smtClean="0"/>
+              <a:t>, </a:t>
+            </a:r>
+            <a:r>
+              <a:rPr lang="en-US" dirty="0" err="1" smtClean="0"/>
+              <a:t>Rezeptsammlungen</a:t>
+            </a:r>
+            <a:r>
+              <a:rPr lang="en-US" dirty="0" smtClean="0"/>
+              <a:t> (</a:t>
+            </a:r>
+            <a:r>
+              <a:rPr lang="en-US" dirty="0" err="1" smtClean="0"/>
+              <a:t>privat</a:t>
+            </a:r>
+            <a:r>
+              <a:rPr lang="en-US" dirty="0" smtClean="0"/>
+              <a:t>, </a:t>
+            </a:r>
+            <a:r>
+              <a:rPr lang="en-US" dirty="0" err="1" smtClean="0"/>
+              <a:t>öffentlich</a:t>
+            </a:r>
+            <a:r>
+              <a:rPr lang="en-US" dirty="0" smtClean="0"/>
+              <a:t>), </a:t>
+            </a:r>
+            <a:r>
+              <a:rPr lang="en-US" dirty="0" err="1" smtClean="0"/>
+              <a:t>Foto-Alben</a:t>
+            </a:r>
+            <a:r>
+              <a:rPr lang="en-US" dirty="0" smtClean="0"/>
+              <a:t> (</a:t>
+            </a:r>
+            <a:r>
+              <a:rPr lang="en-US" dirty="0" err="1" smtClean="0"/>
+              <a:t>privat</a:t>
+            </a:r>
+            <a:r>
+              <a:rPr lang="en-US" dirty="0" smtClean="0"/>
+              <a:t>, </a:t>
+            </a:r>
+            <a:r>
+              <a:rPr lang="en-US" dirty="0" err="1" smtClean="0"/>
+              <a:t>öffentlich</a:t>
+            </a:r>
+            <a:r>
+              <a:rPr lang="en-US" dirty="0" smtClean="0"/>
+              <a:t>).</a:t>
+            </a:r>
+            <a:endParaRPr lang="en-US" dirty="0"/>
+          </a:p>
+          <a:p>
+            <a:pPr lvl="1"/>
+            <a:r>
+              <a:rPr lang="en-US" dirty="0" smtClean="0"/>
+              <a:t>Ob </a:t>
+            </a:r>
+            <a:r>
+              <a:rPr lang="en-US" dirty="0" err="1" smtClean="0"/>
+              <a:t>Hobbys</a:t>
+            </a:r>
+            <a:r>
+              <a:rPr lang="en-US" dirty="0" smtClean="0"/>
+              <a:t>, </a:t>
+            </a:r>
+            <a:r>
+              <a:rPr lang="en-US" dirty="0" err="1" smtClean="0"/>
+              <a:t>Vorlieben</a:t>
+            </a:r>
+            <a:r>
+              <a:rPr lang="en-US" dirty="0" smtClean="0"/>
+              <a:t> und </a:t>
+            </a:r>
+            <a:r>
+              <a:rPr lang="en-US" dirty="0" err="1" smtClean="0"/>
+              <a:t>Abneigungen</a:t>
+            </a:r>
+            <a:r>
+              <a:rPr lang="en-US" dirty="0" smtClean="0"/>
+              <a:t> </a:t>
+            </a:r>
+            <a:r>
+              <a:rPr lang="en-US" dirty="0" err="1" smtClean="0"/>
+              <a:t>angegeben</a:t>
+            </a:r>
+            <a:r>
+              <a:rPr lang="en-US" dirty="0" smtClean="0"/>
+              <a:t> </a:t>
+            </a:r>
+            <a:r>
+              <a:rPr lang="en-US" dirty="0" err="1" smtClean="0"/>
+              <a:t>wurden</a:t>
+            </a:r>
+            <a:r>
+              <a:rPr lang="en-US" dirty="0" smtClean="0"/>
+              <a:t>.</a:t>
+            </a:r>
+            <a:endParaRPr lang="en-US" dirty="0"/>
+          </a:p>
+        </p:txBody>
+      </p:sp>
+    </p:spTree>
+    <p:extLst>
+      <p:ext uri="{BB962C8B-B14F-4D97-AF65-F5344CB8AC3E}">
+        <p14:creationId xmlns:p14="http://schemas.microsoft.com/office/powerpoint/2010/main" val="552878974"/>
+      </p:ext>
+    </p:extLst>
+  </p:cSld>
+  <p:clrMapOvr>
+    <a:masterClrMapping/>
+  </p:clrMapOvr>
+  <p:timing>
+    <p:tnLst>
+      <p:par>
+        <p:cTn id="1" dur="indefinite" restart="never" nodeType="tmRoot"/>
+      </p:par>
+    </p:tnLst>
+  </p:timing>
+</p:sld>
+</file>
+
+<file path=ppt/slides/slide13.xml><?xml version="1.0" encoding="utf-8"?>
+<p:sld xmlns:a="http://schemas.openxmlformats.org/drawingml/2006/main" xmlns:r="http://schemas.openxmlformats.org/officeDocument/2006/relationships" xmlns:p="http://schemas.openxmlformats.org/presentationml/2006/main">
+  <p:cSld>
+    <p:spTree>
+      <p:nvGrpSpPr>
+        <p:cNvPr id="1" name=""/>
+        <p:cNvGrpSpPr/>
+        <p:nvPr/>
+      </p:nvGrpSpPr>
+      <p:grpSpPr>
+        <a:xfrm>
+          <a:off x="0" y="0"/>
+          <a:ext cx="0" cy="0"/>
+          <a:chOff x="0" y="0"/>
+          <a:chExt cx="0" cy="0"/>
+        </a:xfrm>
+      </p:grpSpPr>
+      <p:sp>
+        <p:nvSpPr>
+          <p:cNvPr id="2" name="Titel 1"/>
+          <p:cNvSpPr>
+            <a:spLocks noGrp="1"/>
+          </p:cNvSpPr>
+          <p:nvPr>
+            <p:ph type="title"/>
+          </p:nvPr>
+        </p:nvSpPr>
+        <p:spPr/>
+        <p:txBody>
+          <a:bodyPr/>
+          <a:lstStyle/>
+          <a:p>
+            <a:r>
+              <a:rPr lang="de-DE" dirty="0" smtClean="0"/>
+              <a:t>Fehlermaße und Relevante Features</a:t>
+            </a:r>
+            <a:endParaRPr lang="de-DE" dirty="0"/>
+          </a:p>
+        </p:txBody>
+      </p:sp>
+      <p:sp>
+        <p:nvSpPr>
+          <p:cNvPr id="3" name="Inhaltsplatzhalter 2"/>
+          <p:cNvSpPr>
+            <a:spLocks noGrp="1"/>
+          </p:cNvSpPr>
+          <p:nvPr>
+            <p:ph idx="1"/>
+          </p:nvPr>
+        </p:nvSpPr>
+        <p:spPr>
+          <a:xfrm>
+            <a:off x="1141413" y="2249487"/>
+            <a:ext cx="7234238" cy="3541714"/>
+          </a:xfrm>
+        </p:spPr>
+        <p:txBody>
+          <a:bodyPr>
+            <a:normAutofit fontScale="92500" lnSpcReduction="20000"/>
+          </a:bodyPr>
+          <a:lstStyle/>
+          <a:p>
+            <a:r>
+              <a:rPr lang="en-US" dirty="0" err="1" smtClean="0"/>
+              <a:t>Zusätzlich</a:t>
+            </a:r>
+            <a:r>
+              <a:rPr lang="en-US" dirty="0" smtClean="0"/>
+              <a:t> </a:t>
+            </a:r>
+            <a:r>
+              <a:rPr lang="en-US" dirty="0" err="1" smtClean="0"/>
+              <a:t>zur</a:t>
+            </a:r>
+            <a:r>
+              <a:rPr lang="en-US" dirty="0" smtClean="0"/>
+              <a:t> </a:t>
+            </a:r>
+            <a:r>
+              <a:rPr lang="en-US" dirty="0" err="1" smtClean="0"/>
+              <a:t>Klassifikation</a:t>
+            </a:r>
+            <a:r>
+              <a:rPr lang="en-US" dirty="0" smtClean="0"/>
+              <a:t> </a:t>
+            </a:r>
+            <a:r>
+              <a:rPr lang="en-US" dirty="0" err="1" smtClean="0"/>
+              <a:t>werden</a:t>
+            </a:r>
+            <a:r>
+              <a:rPr lang="en-US" dirty="0" smtClean="0"/>
+              <a:t> </a:t>
+            </a:r>
+            <a:r>
+              <a:rPr lang="en-US" dirty="0" err="1" smtClean="0"/>
+              <a:t>noch</a:t>
+            </a:r>
+            <a:r>
+              <a:rPr lang="en-US" dirty="0" smtClean="0"/>
+              <a:t> </a:t>
+            </a:r>
+            <a:r>
+              <a:rPr lang="en-US" dirty="0" err="1" smtClean="0"/>
+              <a:t>bestimmte</a:t>
+            </a:r>
+            <a:r>
+              <a:rPr lang="en-US" dirty="0" smtClean="0"/>
+              <a:t> </a:t>
+            </a:r>
+            <a:r>
+              <a:rPr lang="en-US" dirty="0" err="1" smtClean="0"/>
+              <a:t>Fehlermaße</a:t>
+            </a:r>
+            <a:r>
+              <a:rPr lang="en-US" dirty="0" smtClean="0"/>
+              <a:t> </a:t>
+            </a:r>
+            <a:r>
+              <a:rPr lang="en-US" dirty="0" err="1" smtClean="0"/>
+              <a:t>berechnet</a:t>
+            </a:r>
+            <a:r>
+              <a:rPr lang="en-US" dirty="0" smtClean="0"/>
+              <a:t>, also </a:t>
+            </a:r>
+            <a:r>
+              <a:rPr lang="en-US" dirty="0" err="1" smtClean="0"/>
+              <a:t>wie</a:t>
+            </a:r>
+            <a:r>
+              <a:rPr lang="en-US" dirty="0" smtClean="0"/>
+              <a:t> gut der </a:t>
+            </a:r>
+            <a:r>
+              <a:rPr lang="en-US" dirty="0" err="1" smtClean="0"/>
+              <a:t>Algorithmus</a:t>
+            </a:r>
+            <a:r>
+              <a:rPr lang="en-US" dirty="0" smtClean="0"/>
+              <a:t> </a:t>
+            </a:r>
+            <a:r>
+              <a:rPr lang="en-US" dirty="0" err="1" smtClean="0"/>
+              <a:t>funktioniert</a:t>
+            </a:r>
+            <a:r>
+              <a:rPr lang="en-US" dirty="0" smtClean="0"/>
+              <a:t> hat.</a:t>
+            </a:r>
+          </a:p>
+          <a:p>
+            <a:r>
+              <a:rPr lang="de-DE" dirty="0" smtClean="0"/>
+              <a:t>Beispiele: Precision (</a:t>
+            </a:r>
+            <a:r>
+              <a:rPr lang="en-US" dirty="0" err="1" smtClean="0"/>
+              <a:t>Verhältnis</a:t>
+            </a:r>
+            <a:r>
+              <a:rPr lang="en-US" dirty="0" smtClean="0"/>
+              <a:t> der </a:t>
+            </a:r>
+            <a:r>
+              <a:rPr lang="en-US" dirty="0" err="1" smtClean="0"/>
+              <a:t>richtigen</a:t>
+            </a:r>
+            <a:r>
+              <a:rPr lang="en-US" dirty="0" smtClean="0"/>
+              <a:t> </a:t>
+            </a:r>
+            <a:r>
+              <a:rPr lang="en-US" dirty="0" err="1" smtClean="0"/>
+              <a:t>Vorhersagen</a:t>
+            </a:r>
+            <a:r>
+              <a:rPr lang="en-US" dirty="0" smtClean="0"/>
+              <a:t> </a:t>
+            </a:r>
+            <a:r>
+              <a:rPr lang="en-US" dirty="0" err="1" smtClean="0"/>
+              <a:t>zu</a:t>
+            </a:r>
+            <a:r>
+              <a:rPr lang="en-US" dirty="0" smtClean="0"/>
+              <a:t> </a:t>
+            </a:r>
+            <a:r>
+              <a:rPr lang="en-US" dirty="0" err="1" smtClean="0"/>
+              <a:t>allen</a:t>
+            </a:r>
+            <a:r>
+              <a:rPr lang="en-US" dirty="0" smtClean="0"/>
+              <a:t> </a:t>
+            </a:r>
+            <a:r>
+              <a:rPr lang="en-US" dirty="0" err="1" smtClean="0"/>
+              <a:t>Vorhersagen</a:t>
+            </a:r>
+            <a:r>
+              <a:rPr lang="de-DE" dirty="0" smtClean="0"/>
+              <a:t>) und Recall (das Verhältnis der richtigen Vorhersagen zu allen richtigen Aussagen).</a:t>
+            </a:r>
+          </a:p>
+          <a:p>
+            <a:r>
+              <a:rPr lang="de-DE" dirty="0" smtClean="0"/>
+              <a:t>Es gibt auch noch die Möglichkeit, die „Feature </a:t>
+            </a:r>
+            <a:r>
+              <a:rPr lang="de-DE" dirty="0" err="1" smtClean="0"/>
+              <a:t>Importance</a:t>
+            </a:r>
+            <a:r>
+              <a:rPr lang="de-DE" dirty="0" smtClean="0"/>
+              <a:t>“, also den Beitrag der einzelnen Attribute zur Klassifikation, zu errechnen.</a:t>
+            </a:r>
+            <a:endParaRPr lang="de-DE" dirty="0"/>
+          </a:p>
+          <a:p>
+            <a:endParaRPr lang="de-DE" dirty="0"/>
+          </a:p>
+        </p:txBody>
+      </p:sp>
+      <p:pic>
+        <p:nvPicPr>
+          <p:cNvPr id="5122" name="Picture 2" descr="https://upload.wikimedia.org/wikipedia/commons/thumb/2/26/Precisionrecall.svg/440px-Precisionrecall.svg.png"/>
+          <p:cNvPicPr>
+            <a:picLocks noChangeAspect="1" noChangeArrowheads="1"/>
+          </p:cNvPicPr>
+          <p:nvPr/>
+        </p:nvPicPr>
+        <p:blipFill>
+          <a:blip r:embed="rId2">
+            <a:extLst>
+              <a:ext uri="{28A0092B-C50C-407E-A947-70E740481C1C}">
+                <a14:useLocalDpi xmlns:a14="http://schemas.microsoft.com/office/drawing/2010/main" val="0"/>
+              </a:ext>
+            </a:extLst>
+          </a:blip>
+          <a:srcRect/>
+          <a:stretch>
+            <a:fillRect/>
+          </a:stretch>
+        </p:blipFill>
+        <p:spPr bwMode="auto">
+          <a:xfrm>
+            <a:off x="8899525" y="1530351"/>
+            <a:ext cx="2343468" cy="4260850"/>
+          </a:xfrm>
+          <a:prstGeom prst="rect">
+            <a:avLst/>
+          </a:prstGeom>
+          <a:noFill/>
+          <a:extLst>
+            <a:ext uri="{909E8E84-426E-40DD-AFC4-6F175D3DCCD1}">
+              <a14:hiddenFill xmlns:a14="http://schemas.microsoft.com/office/drawing/2010/main">
+                <a:solidFill>
+                  <a:srgbClr val="FFFFFF"/>
+                </a:solidFill>
+              </a14:hiddenFill>
+            </a:ext>
+          </a:extLst>
+        </p:spPr>
+      </p:pic>
+    </p:spTree>
+    <p:extLst>
+      <p:ext uri="{BB962C8B-B14F-4D97-AF65-F5344CB8AC3E}">
+        <p14:creationId xmlns:p14="http://schemas.microsoft.com/office/powerpoint/2010/main" val="2956300951"/>
+      </p:ext>
+    </p:extLst>
+  </p:cSld>
+  <p:clrMapOvr>
+    <a:masterClrMapping/>
+  </p:clrMapOvr>
+  <p:timing>
+    <p:tnLst>
+      <p:par>
+        <p:cTn id="1" dur="indefinite" restart="never" nodeType="tmRoot"/>
+      </p:par>
+    </p:tnLst>
+  </p:timing>
+</p:sld>
+</file>
+
+<file path=ppt/slides/slide14.xml><?xml version="1.0" encoding="utf-8"?>
+<p:sld xmlns:a="http://schemas.openxmlformats.org/drawingml/2006/main" xmlns:r="http://schemas.openxmlformats.org/officeDocument/2006/relationships" xmlns:p="http://schemas.openxmlformats.org/presentationml/2006/main">
+  <p:cSld>
+    <p:spTree>
+      <p:nvGrpSpPr>
+        <p:cNvPr id="1" name=""/>
+        <p:cNvGrpSpPr/>
+        <p:nvPr/>
+      </p:nvGrpSpPr>
+      <p:grpSpPr>
+        <a:xfrm>
+          <a:off x="0" y="0"/>
+          <a:ext cx="0" cy="0"/>
+          <a:chOff x="0" y="0"/>
+          <a:chExt cx="0" cy="0"/>
+        </a:xfrm>
+      </p:grpSpPr>
+      <p:sp>
+        <p:nvSpPr>
+          <p:cNvPr id="2" name="Titel 1"/>
+          <p:cNvSpPr>
+            <a:spLocks noGrp="1"/>
+          </p:cNvSpPr>
+          <p:nvPr>
+            <p:ph type="title"/>
+          </p:nvPr>
+        </p:nvSpPr>
+        <p:spPr/>
+        <p:txBody>
+          <a:bodyPr/>
+          <a:lstStyle/>
+          <a:p>
+            <a:r>
+              <a:rPr lang="de-DE" dirty="0" smtClean="0"/>
+              <a:t>Verwendete Daten</a:t>
+            </a:r>
+            <a:endParaRPr lang="de-DE" dirty="0"/>
+          </a:p>
+        </p:txBody>
+      </p:sp>
+      <p:sp>
+        <p:nvSpPr>
+          <p:cNvPr id="3" name="Inhaltsplatzhalter 2"/>
+          <p:cNvSpPr>
+            <a:spLocks noGrp="1"/>
+          </p:cNvSpPr>
+          <p:nvPr>
+            <p:ph idx="1"/>
+          </p:nvPr>
+        </p:nvSpPr>
+        <p:spPr/>
+        <p:txBody>
+          <a:bodyPr/>
+          <a:lstStyle/>
+          <a:p>
+            <a:r>
+              <a:rPr lang="de-DE" dirty="0" smtClean="0"/>
+              <a:t>Daten zu den verwendeten Daten (Profildaten von etwas mehr als 1500 CK Club Nutzern sowie derselben Menge von zufällig gesampelten Nutzern, die nicht im CK Club sind oder waren)</a:t>
+            </a:r>
+          </a:p>
+          <a:p>
+            <a:r>
+              <a:rPr lang="de-DE" dirty="0" smtClean="0"/>
+              <a:t>Fehlerquoten im Training des Modells:</a:t>
+            </a:r>
+          </a:p>
+          <a:p>
+            <a:pPr lvl="1"/>
+            <a:r>
+              <a:rPr lang="de-DE" dirty="0" smtClean="0"/>
+              <a:t>TODO</a:t>
+            </a:r>
+          </a:p>
+          <a:p>
+            <a:pPr marL="0" indent="0">
+              <a:buNone/>
+            </a:pPr>
+            <a:endParaRPr lang="de-DE" dirty="0"/>
+          </a:p>
+        </p:txBody>
+      </p:sp>
+      <p:graphicFrame>
+        <p:nvGraphicFramePr>
+          <p:cNvPr id="4" name="Tabelle 3"/>
+          <p:cNvGraphicFramePr>
+            <a:graphicFrameLocks noGrp="1"/>
+          </p:cNvGraphicFramePr>
+          <p:nvPr>
+            <p:extLst>
+              <p:ext uri="{D42A27DB-BD31-4B8C-83A1-F6EECF244321}">
+                <p14:modId xmlns:p14="http://schemas.microsoft.com/office/powerpoint/2010/main" val="1382604159"/>
+              </p:ext>
+            </p:extLst>
+          </p:nvPr>
+        </p:nvGraphicFramePr>
+        <p:xfrm>
+          <a:off x="1363661" y="4936014"/>
+          <a:ext cx="5276850" cy="1483360"/>
+        </p:xfrm>
+        <a:graphic>
+          <a:graphicData uri="http://schemas.openxmlformats.org/drawingml/2006/table">
+            <a:tbl>
+              <a:tblPr firstRow="1" bandRow="1">
+                <a:tableStyleId>{5C22544A-7EE6-4342-B048-85BDC9FD1C3A}</a:tableStyleId>
+              </a:tblPr>
+              <a:tblGrid>
+                <a:gridCol w="2638425"/>
+                <a:gridCol w="2638425"/>
+              </a:tblGrid>
+              <a:tr h="370840">
+                <a:tc>
+                  <a:txBody>
+                    <a:bodyPr/>
+                    <a:lstStyle/>
+                    <a:p>
+                      <a:r>
+                        <a:rPr lang="de-DE" dirty="0" smtClean="0"/>
+                        <a:t>Fehlermaß</a:t>
+                      </a:r>
+                      <a:endParaRPr lang="de-DE" dirty="0"/>
+                    </a:p>
+                  </a:txBody>
+                  <a:tcPr>
+                    <a:solidFill>
+                      <a:schemeClr val="tx2">
+                        <a:lumMod val="50000"/>
+                      </a:schemeClr>
+                    </a:solidFill>
+                  </a:tcPr>
+                </a:tc>
+                <a:tc>
+                  <a:txBody>
+                    <a:bodyPr/>
+                    <a:lstStyle/>
+                    <a:p>
+                      <a:r>
+                        <a:rPr lang="de-DE" dirty="0" smtClean="0"/>
+                        <a:t>Messwert</a:t>
+                      </a:r>
+                      <a:endParaRPr lang="de-DE" dirty="0"/>
+                    </a:p>
+                  </a:txBody>
+                  <a:tcPr>
+                    <a:solidFill>
+                      <a:schemeClr val="tx2">
+                        <a:lumMod val="50000"/>
+                      </a:schemeClr>
+                    </a:solidFill>
+                  </a:tcPr>
+                </a:tc>
+              </a:tr>
+              <a:tr h="370840">
+                <a:tc>
+                  <a:txBody>
+                    <a:bodyPr/>
+                    <a:lstStyle/>
+                    <a:p>
+                      <a:endParaRPr lang="de-DE"/>
+                    </a:p>
+                  </a:txBody>
+                  <a:tcPr/>
+                </a:tc>
+                <a:tc>
+                  <a:txBody>
+                    <a:bodyPr/>
+                    <a:lstStyle/>
+                    <a:p>
+                      <a:endParaRPr lang="de-DE"/>
+                    </a:p>
+                  </a:txBody>
+                  <a:tcPr/>
+                </a:tc>
+              </a:tr>
+              <a:tr h="370840">
+                <a:tc>
+                  <a:txBody>
+                    <a:bodyPr/>
+                    <a:lstStyle/>
+                    <a:p>
+                      <a:endParaRPr lang="de-DE"/>
+                    </a:p>
+                  </a:txBody>
+                  <a:tcPr/>
+                </a:tc>
+                <a:tc>
+                  <a:txBody>
+                    <a:bodyPr/>
+                    <a:lstStyle/>
+                    <a:p>
+                      <a:endParaRPr lang="de-DE"/>
+                    </a:p>
+                  </a:txBody>
+                  <a:tcPr/>
+                </a:tc>
+              </a:tr>
+              <a:tr h="370840">
+                <a:tc>
+                  <a:txBody>
+                    <a:bodyPr/>
+                    <a:lstStyle/>
+                    <a:p>
+                      <a:endParaRPr lang="de-DE"/>
+                    </a:p>
+                  </a:txBody>
+                  <a:tcPr/>
+                </a:tc>
+                <a:tc>
+                  <a:txBody>
+                    <a:bodyPr/>
+                    <a:lstStyle/>
+                    <a:p>
+                      <a:endParaRPr lang="de-DE" dirty="0"/>
+                    </a:p>
+                  </a:txBody>
+                  <a:tcPr/>
+                </a:tc>
+              </a:tr>
+            </a:tbl>
+          </a:graphicData>
+        </a:graphic>
+      </p:graphicFrame>
+    </p:spTree>
+    <p:extLst>
+      <p:ext uri="{BB962C8B-B14F-4D97-AF65-F5344CB8AC3E}">
+        <p14:creationId xmlns:p14="http://schemas.microsoft.com/office/powerpoint/2010/main" val="362388635"/>
+      </p:ext>
+    </p:extLst>
+  </p:cSld>
+  <p:clrMapOvr>
+    <a:masterClrMapping/>
+  </p:clrMapOvr>
+  <p:timing>
+    <p:tnLst>
+      <p:par>
+        <p:cTn id="1" dur="indefinite" restart="never" nodeType="tmRoot"/>
+      </p:par>
+    </p:tnLst>
+  </p:timing>
+</p:sld>
+</file>
+
+<file path=ppt/slides/slide15.xml><?xml version="1.0" encoding="utf-8"?>
+<p:sld xmlns:a="http://schemas.openxmlformats.org/drawingml/2006/main" xmlns:r="http://schemas.openxmlformats.org/officeDocument/2006/relationships" xmlns:p="http://schemas.openxmlformats.org/presentationml/2006/main">
+  <p:cSld>
+    <p:spTree>
+      <p:nvGrpSpPr>
+        <p:cNvPr id="1" name=""/>
+        <p:cNvGrpSpPr/>
+        <p:nvPr/>
+      </p:nvGrpSpPr>
+      <p:grpSpPr>
+        <a:xfrm>
+          <a:off x="0" y="0"/>
+          <a:ext cx="0" cy="0"/>
+          <a:chOff x="0" y="0"/>
+          <a:chExt cx="0" cy="0"/>
+        </a:xfrm>
+      </p:grpSpPr>
+      <p:sp>
+        <p:nvSpPr>
+          <p:cNvPr id="2" name="Titel 1"/>
+          <p:cNvSpPr>
+            <a:spLocks noGrp="1"/>
+          </p:cNvSpPr>
+          <p:nvPr>
+            <p:ph type="title"/>
+          </p:nvPr>
+        </p:nvSpPr>
+        <p:spPr/>
+        <p:txBody>
+          <a:bodyPr/>
+          <a:lstStyle/>
+          <a:p>
+            <a:r>
+              <a:rPr lang="de-DE" dirty="0" err="1" smtClean="0"/>
+              <a:t>Learnings</a:t>
+            </a:r>
+            <a:r>
+              <a:rPr lang="de-DE" dirty="0" smtClean="0"/>
+              <a:t> über die Profile der CK Club Nutzer</a:t>
+            </a:r>
+            <a:endParaRPr lang="de-DE" dirty="0"/>
+          </a:p>
+        </p:txBody>
+      </p:sp>
+      <p:sp>
+        <p:nvSpPr>
+          <p:cNvPr id="3" name="Inhaltsplatzhalter 2"/>
+          <p:cNvSpPr>
+            <a:spLocks noGrp="1"/>
+          </p:cNvSpPr>
+          <p:nvPr>
+            <p:ph idx="1"/>
+          </p:nvPr>
+        </p:nvSpPr>
+        <p:spPr/>
+        <p:txBody>
+          <a:bodyPr>
+            <a:normAutofit/>
+          </a:bodyPr>
+          <a:lstStyle/>
+          <a:p>
+            <a:pPr marL="0" indent="0">
+              <a:buNone/>
+            </a:pPr>
+            <a:r>
+              <a:rPr lang="en-US" dirty="0" err="1" smtClean="0"/>
+              <a:t>Beiträge</a:t>
+            </a:r>
+            <a:r>
+              <a:rPr lang="en-US" dirty="0" smtClean="0"/>
+              <a:t> </a:t>
+            </a:r>
+            <a:r>
+              <a:rPr lang="en-US" dirty="0" err="1" smtClean="0"/>
+              <a:t>einzelner</a:t>
+            </a:r>
+            <a:r>
+              <a:rPr lang="en-US" dirty="0" smtClean="0"/>
+              <a:t> Attribute </a:t>
+            </a:r>
+            <a:r>
+              <a:rPr lang="en-US" dirty="0" err="1" smtClean="0"/>
+              <a:t>zum</a:t>
+            </a:r>
+            <a:r>
+              <a:rPr lang="en-US" dirty="0" smtClean="0"/>
+              <a:t> Modell </a:t>
+            </a:r>
+            <a:r>
+              <a:rPr lang="en-US" dirty="0" err="1" smtClean="0"/>
+              <a:t>sowie</a:t>
+            </a:r>
+            <a:r>
+              <a:rPr lang="en-US" dirty="0" smtClean="0"/>
+              <a:t> </a:t>
+            </a:r>
+            <a:r>
+              <a:rPr lang="en-US" dirty="0" err="1" smtClean="0"/>
+              <a:t>ihre</a:t>
+            </a:r>
+            <a:r>
+              <a:rPr lang="en-US" dirty="0" smtClean="0"/>
+              <a:t> </a:t>
+            </a:r>
+            <a:r>
+              <a:rPr lang="en-US" dirty="0" err="1" smtClean="0"/>
+              <a:t>Korrelationen</a:t>
+            </a:r>
+            <a:endParaRPr lang="en-US" dirty="0" smtClean="0"/>
+          </a:p>
+          <a:p>
+            <a:pPr marL="0" indent="0">
+              <a:buNone/>
+            </a:pPr>
+            <a:endParaRPr lang="en-US" dirty="0" smtClean="0"/>
+          </a:p>
+          <a:p>
+            <a:pPr marL="0" indent="0">
+              <a:buNone/>
+            </a:pPr>
+            <a:endParaRPr lang="en-US" dirty="0"/>
+          </a:p>
+        </p:txBody>
+      </p:sp>
+      <p:graphicFrame>
+        <p:nvGraphicFramePr>
+          <p:cNvPr id="5" name="Tabelle 4"/>
+          <p:cNvGraphicFramePr>
+            <a:graphicFrameLocks noGrp="1"/>
+          </p:cNvGraphicFramePr>
+          <p:nvPr>
+            <p:extLst>
+              <p:ext uri="{D42A27DB-BD31-4B8C-83A1-F6EECF244321}">
+                <p14:modId xmlns:p14="http://schemas.microsoft.com/office/powerpoint/2010/main" val="3983883442"/>
+              </p:ext>
+            </p:extLst>
+          </p:nvPr>
+        </p:nvGraphicFramePr>
+        <p:xfrm>
+          <a:off x="1204915" y="2923592"/>
+          <a:ext cx="5753100" cy="2961640"/>
+        </p:xfrm>
+        <a:graphic>
+          <a:graphicData uri="http://schemas.openxmlformats.org/drawingml/2006/table">
+            <a:tbl>
+              <a:tblPr firstRow="1" bandRow="1">
+                <a:tableStyleId>{5C22544A-7EE6-4342-B048-85BDC9FD1C3A}</a:tableStyleId>
+              </a:tblPr>
+              <a:tblGrid>
+                <a:gridCol w="4064000"/>
+                <a:gridCol w="1689100"/>
+              </a:tblGrid>
+              <a:tr h="334856">
+                <a:tc>
+                  <a:txBody>
+                    <a:bodyPr/>
+                    <a:lstStyle/>
+                    <a:p>
+                      <a:r>
+                        <a:rPr lang="de-DE" dirty="0" smtClean="0"/>
+                        <a:t>Attribut</a:t>
+                      </a:r>
+                      <a:endParaRPr lang="de-DE" dirty="0"/>
+                    </a:p>
+                  </a:txBody>
+                  <a:tcPr>
+                    <a:solidFill>
+                      <a:schemeClr val="tx2">
+                        <a:lumMod val="50000"/>
+                      </a:schemeClr>
+                    </a:solidFill>
+                  </a:tcPr>
+                </a:tc>
+                <a:tc>
+                  <a:txBody>
+                    <a:bodyPr/>
+                    <a:lstStyle/>
+                    <a:p>
+                      <a:r>
+                        <a:rPr lang="de-DE" dirty="0" smtClean="0"/>
+                        <a:t>Beitrag (in %)</a:t>
+                      </a:r>
+                      <a:endParaRPr lang="de-DE" dirty="0"/>
+                    </a:p>
+                  </a:txBody>
+                  <a:tcPr>
+                    <a:solidFill>
+                      <a:schemeClr val="tx2">
+                        <a:lumMod val="50000"/>
+                      </a:schemeClr>
+                    </a:solidFill>
+                  </a:tcPr>
+                </a:tc>
+              </a:tr>
+              <a:tr h="370840">
+                <a:tc>
+                  <a:txBody>
+                    <a:bodyPr/>
+                    <a:lstStyle/>
+                    <a:p>
+                      <a:r>
+                        <a:rPr lang="de-DE" dirty="0" smtClean="0"/>
+                        <a:t>Profilbesuche</a:t>
+                      </a:r>
+                      <a:endParaRPr lang="de-DE" dirty="0"/>
+                    </a:p>
+                  </a:txBody>
+                  <a:tcPr/>
+                </a:tc>
+                <a:tc>
+                  <a:txBody>
+                    <a:bodyPr/>
+                    <a:lstStyle/>
+                    <a:p>
+                      <a:r>
+                        <a:rPr lang="de-DE" dirty="0" smtClean="0"/>
+                        <a:t>29.10</a:t>
+                      </a:r>
+                      <a:endParaRPr lang="de-DE" dirty="0"/>
+                    </a:p>
+                  </a:txBody>
+                  <a:tcPr/>
+                </a:tc>
+              </a:tr>
+              <a:tr h="370840">
+                <a:tc>
+                  <a:txBody>
+                    <a:bodyPr/>
+                    <a:lstStyle/>
+                    <a:p>
+                      <a:r>
+                        <a:rPr lang="de-DE" dirty="0" smtClean="0"/>
+                        <a:t>Anzahl Kommentare</a:t>
+                      </a:r>
+                      <a:r>
+                        <a:rPr lang="de-DE" baseline="0" dirty="0" smtClean="0"/>
+                        <a:t> (Rezept)</a:t>
+                      </a:r>
+                      <a:endParaRPr lang="de-DE" dirty="0"/>
+                    </a:p>
+                  </a:txBody>
+                  <a:tcPr/>
+                </a:tc>
+                <a:tc>
+                  <a:txBody>
+                    <a:bodyPr/>
+                    <a:lstStyle/>
+                    <a:p>
+                      <a:r>
+                        <a:rPr lang="de-DE" dirty="0" smtClean="0"/>
+                        <a:t>16.40</a:t>
+                      </a:r>
+                      <a:endParaRPr lang="de-DE" dirty="0"/>
+                    </a:p>
+                  </a:txBody>
+                  <a:tcPr/>
+                </a:tc>
+              </a:tr>
+              <a:tr h="370840">
+                <a:tc>
+                  <a:txBody>
+                    <a:bodyPr/>
+                    <a:lstStyle/>
+                    <a:p>
+                      <a:r>
+                        <a:rPr lang="de-DE" dirty="0" err="1" smtClean="0"/>
+                        <a:t>Know-How</a:t>
+                      </a:r>
+                      <a:r>
+                        <a:rPr lang="de-DE" dirty="0" smtClean="0"/>
+                        <a:t> </a:t>
+                      </a:r>
+                      <a:endParaRPr lang="de-DE" dirty="0"/>
+                    </a:p>
+                  </a:txBody>
+                  <a:tcPr/>
+                </a:tc>
+                <a:tc>
+                  <a:txBody>
+                    <a:bodyPr/>
+                    <a:lstStyle/>
+                    <a:p>
+                      <a:r>
+                        <a:rPr lang="de-DE" dirty="0" smtClean="0"/>
+                        <a:t>15.96</a:t>
+                      </a:r>
+                      <a:endParaRPr lang="de-DE" dirty="0"/>
+                    </a:p>
+                  </a:txBody>
+                  <a:tcPr/>
+                </a:tc>
+              </a:tr>
+              <a:tr h="370840">
+                <a:tc>
+                  <a:txBody>
+                    <a:bodyPr/>
+                    <a:lstStyle/>
+                    <a:p>
+                      <a:r>
+                        <a:rPr lang="de-DE" dirty="0" smtClean="0"/>
+                        <a:t>Anzahl Bewertungen (Rezept)</a:t>
+                      </a:r>
+                      <a:endParaRPr lang="de-DE" dirty="0"/>
+                    </a:p>
+                  </a:txBody>
+                  <a:tcPr/>
+                </a:tc>
+                <a:tc>
+                  <a:txBody>
+                    <a:bodyPr/>
+                    <a:lstStyle/>
+                    <a:p>
+                      <a:r>
+                        <a:rPr lang="de-DE" dirty="0" smtClean="0"/>
+                        <a:t>15.70</a:t>
+                      </a:r>
+                      <a:endParaRPr lang="de-DE" dirty="0"/>
+                    </a:p>
+                  </a:txBody>
+                  <a:tcPr/>
+                </a:tc>
+              </a:tr>
+              <a:tr h="370840">
+                <a:tc>
+                  <a:txBody>
+                    <a:bodyPr/>
+                    <a:lstStyle/>
+                    <a:p>
+                      <a:r>
+                        <a:rPr lang="de-DE" dirty="0" smtClean="0"/>
+                        <a:t>Alter</a:t>
+                      </a:r>
+                      <a:endParaRPr lang="de-DE" dirty="0"/>
+                    </a:p>
+                  </a:txBody>
+                  <a:tcPr/>
+                </a:tc>
+                <a:tc>
+                  <a:txBody>
+                    <a:bodyPr/>
+                    <a:lstStyle/>
+                    <a:p>
+                      <a:r>
+                        <a:rPr lang="de-DE" dirty="0" smtClean="0"/>
+                        <a:t>11.38</a:t>
+                      </a:r>
+                      <a:endParaRPr lang="de-DE" dirty="0"/>
+                    </a:p>
+                  </a:txBody>
+                  <a:tcPr/>
+                </a:tc>
+              </a:tr>
+              <a:tr h="370840">
+                <a:tc>
+                  <a:txBody>
+                    <a:bodyPr/>
+                    <a:lstStyle/>
+                    <a:p>
+                      <a:r>
+                        <a:rPr lang="de-DE" dirty="0" smtClean="0"/>
+                        <a:t>Anzahl Rezeptbilder</a:t>
+                      </a:r>
+                      <a:endParaRPr lang="de-DE" dirty="0"/>
+                    </a:p>
+                  </a:txBody>
+                  <a:tcPr/>
+                </a:tc>
+                <a:tc>
+                  <a:txBody>
+                    <a:bodyPr/>
+                    <a:lstStyle/>
+                    <a:p>
+                      <a:r>
+                        <a:rPr lang="de-DE" dirty="0" smtClean="0"/>
+                        <a:t>5.23</a:t>
+                      </a:r>
+                      <a:endParaRPr lang="de-DE" dirty="0"/>
+                    </a:p>
+                  </a:txBody>
+                  <a:tcPr/>
+                </a:tc>
+              </a:tr>
+              <a:tr h="370840">
+                <a:tc>
+                  <a:txBody>
+                    <a:bodyPr/>
+                    <a:lstStyle/>
+                    <a:p>
+                      <a:r>
+                        <a:rPr lang="de-DE" dirty="0" smtClean="0"/>
+                        <a:t>Anzahl</a:t>
+                      </a:r>
+                      <a:r>
+                        <a:rPr lang="de-DE" baseline="0" dirty="0" smtClean="0"/>
+                        <a:t> Rezepte</a:t>
+                      </a:r>
+                      <a:endParaRPr lang="de-DE" dirty="0"/>
+                    </a:p>
+                  </a:txBody>
+                  <a:tcPr/>
+                </a:tc>
+                <a:tc>
+                  <a:txBody>
+                    <a:bodyPr/>
+                    <a:lstStyle/>
+                    <a:p>
+                      <a:r>
+                        <a:rPr lang="de-DE" dirty="0" smtClean="0"/>
+                        <a:t>4.92</a:t>
+                      </a:r>
+                      <a:endParaRPr lang="de-DE" dirty="0"/>
+                    </a:p>
+                  </a:txBody>
+                  <a:tcPr/>
+                </a:tc>
+              </a:tr>
+            </a:tbl>
+          </a:graphicData>
+        </a:graphic>
+      </p:graphicFrame>
+      <p:pic>
+        <p:nvPicPr>
+          <p:cNvPr id="6" name="Inhaltsplatzhalter 3"/>
+          <p:cNvPicPr>
+            <a:picLocks noChangeAspect="1"/>
+          </p:cNvPicPr>
+          <p:nvPr/>
+        </p:nvPicPr>
+        <p:blipFill rotWithShape="1">
+          <a:blip r:embed="rId2">
+            <a:extLst>
+              <a:ext uri="{28A0092B-C50C-407E-A947-70E740481C1C}">
+                <a14:useLocalDpi xmlns:a14="http://schemas.microsoft.com/office/drawing/2010/main" val="0"/>
+              </a:ext>
+            </a:extLst>
+          </a:blip>
+          <a:srcRect b="16523"/>
+          <a:stretch/>
+        </p:blipFill>
+        <p:spPr>
+          <a:xfrm>
+            <a:off x="7021518" y="2923592"/>
+            <a:ext cx="3541712" cy="2961640"/>
+          </a:xfrm>
+          <a:prstGeom prst="rect">
+            <a:avLst/>
+          </a:prstGeom>
+        </p:spPr>
+      </p:pic>
+    </p:spTree>
+    <p:extLst>
+      <p:ext uri="{BB962C8B-B14F-4D97-AF65-F5344CB8AC3E}">
+        <p14:creationId xmlns:p14="http://schemas.microsoft.com/office/powerpoint/2010/main" val="4066338256"/>
+      </p:ext>
+    </p:extLst>
+  </p:cSld>
+  <p:clrMapOvr>
+    <a:masterClrMapping/>
+  </p:clrMapOvr>
+  <p:timing>
+    <p:tnLst>
+      <p:par>
+        <p:cTn id="1" dur="indefinite" restart="never" nodeType="tmRoot"/>
+      </p:par>
+    </p:tnLst>
+  </p:timing>
+</p:sld>
+</file>
+
+<file path=ppt/slides/slide16.xml><?xml version="1.0" encoding="utf-8"?>
+<p:sld xmlns:a="http://schemas.openxmlformats.org/drawingml/2006/main" xmlns:r="http://schemas.openxmlformats.org/officeDocument/2006/relationships" xmlns:p="http://schemas.openxmlformats.org/presentationml/2006/main">
+  <p:cSld>
+    <p:spTree>
+      <p:nvGrpSpPr>
+        <p:cNvPr id="1" name=""/>
+        <p:cNvGrpSpPr/>
+        <p:nvPr/>
+      </p:nvGrpSpPr>
+      <p:grpSpPr>
+        <a:xfrm>
+          <a:off x="0" y="0"/>
+          <a:ext cx="0" cy="0"/>
+          <a:chOff x="0" y="0"/>
+          <a:chExt cx="0" cy="0"/>
+        </a:xfrm>
+      </p:grpSpPr>
+      <p:sp>
+        <p:nvSpPr>
+          <p:cNvPr id="2" name="Titel 1"/>
+          <p:cNvSpPr>
+            <a:spLocks noGrp="1"/>
+          </p:cNvSpPr>
+          <p:nvPr>
+            <p:ph type="title"/>
+          </p:nvPr>
+        </p:nvSpPr>
+        <p:spPr/>
+        <p:txBody>
+          <a:bodyPr/>
+          <a:lstStyle/>
+          <a:p>
+            <a:r>
+              <a:rPr lang="de-DE" dirty="0" smtClean="0"/>
+              <a:t>Übrigens…</a:t>
+            </a:r>
+            <a:endParaRPr lang="de-DE" dirty="0"/>
+          </a:p>
+        </p:txBody>
+      </p:sp>
+      <p:sp>
+        <p:nvSpPr>
+          <p:cNvPr id="3" name="Inhaltsplatzhalter 2"/>
+          <p:cNvSpPr>
+            <a:spLocks noGrp="1"/>
+          </p:cNvSpPr>
+          <p:nvPr>
+            <p:ph idx="1"/>
+          </p:nvPr>
+        </p:nvSpPr>
+        <p:spPr/>
+        <p:txBody>
+          <a:bodyPr/>
+          <a:lstStyle/>
+          <a:p>
+            <a:r>
+              <a:rPr lang="de-DE" dirty="0" smtClean="0"/>
+              <a:t>Bei dieser Aktion kamen keine Bäume zu Schaden… Dem Random </a:t>
+            </a:r>
+            <a:r>
+              <a:rPr lang="de-DE" dirty="0" err="1" smtClean="0"/>
+              <a:t>Forest</a:t>
+            </a:r>
+            <a:r>
+              <a:rPr lang="de-DE" dirty="0" smtClean="0"/>
+              <a:t> macht es nichts aus, wenn die Attribute für die Klassifikation nicht unabhängig sind!</a:t>
+            </a:r>
+          </a:p>
+          <a:p>
+            <a:r>
+              <a:rPr lang="de-DE" dirty="0" smtClean="0"/>
+              <a:t>Normalerweise testet man das Modell mit bisher ungesehenen Daten. Das können wir nach der Aktion mit den Neuzugängen machen </a:t>
+            </a:r>
+            <a:r>
+              <a:rPr lang="de-DE" dirty="0" smtClean="0">
+                <a:sym typeface="Wingdings" panose="05000000000000000000" pitchFamily="2" charset="2"/>
+              </a:rPr>
+              <a:t></a:t>
+            </a:r>
+            <a:endParaRPr lang="de-DE" dirty="0"/>
+          </a:p>
+        </p:txBody>
+      </p:sp>
+      <p:pic>
+        <p:nvPicPr>
+          <p:cNvPr id="4098" name="Picture 2" descr="Bildergebnis für bild baum umarmen"/>
+          <p:cNvPicPr>
+            <a:picLocks noChangeAspect="1" noChangeArrowheads="1"/>
+          </p:cNvPicPr>
+          <p:nvPr/>
+        </p:nvPicPr>
+        <p:blipFill>
+          <a:blip r:embed="rId2">
+            <a:extLst>
+              <a:ext uri="{28A0092B-C50C-407E-A947-70E740481C1C}">
+                <a14:useLocalDpi xmlns:a14="http://schemas.microsoft.com/office/drawing/2010/main" val="0"/>
+              </a:ext>
+            </a:extLst>
+          </a:blip>
+          <a:srcRect/>
+          <a:stretch>
+            <a:fillRect/>
+          </a:stretch>
+        </p:blipFill>
+        <p:spPr bwMode="auto">
+          <a:xfrm>
+            <a:off x="8018461" y="582613"/>
+            <a:ext cx="3028950" cy="1514475"/>
+          </a:xfrm>
+          <a:prstGeom prst="rect">
+            <a:avLst/>
+          </a:prstGeom>
+          <a:noFill/>
+          <a:extLst>
+            <a:ext uri="{909E8E84-426E-40DD-AFC4-6F175D3DCCD1}">
+              <a14:hiddenFill xmlns:a14="http://schemas.microsoft.com/office/drawing/2010/main">
+                <a:solidFill>
+                  <a:srgbClr val="FFFFFF"/>
+                </a:solidFill>
+              </a14:hiddenFill>
+            </a:ext>
+          </a:extLst>
+        </p:spPr>
+      </p:pic>
+    </p:spTree>
+    <p:extLst>
+      <p:ext uri="{BB962C8B-B14F-4D97-AF65-F5344CB8AC3E}">
+        <p14:creationId xmlns:p14="http://schemas.microsoft.com/office/powerpoint/2010/main" val="2880556416"/>
+      </p:ext>
+    </p:extLst>
+  </p:cSld>
+  <p:clrMapOvr>
+    <a:masterClrMapping/>
+  </p:clrMapOvr>
+  <p:timing>
+    <p:tnLst>
+      <p:par>
+        <p:cTn id="1" dur="indefinite" restart="never" nodeType="tmRoot"/>
+      </p:par>
+    </p:tnLst>
+  </p:timing>
+</p:sld>
+</file>
+
+<file path=ppt/slides/slide17.xml><?xml version="1.0" encoding="utf-8"?>
+<p:sld xmlns:a="http://schemas.openxmlformats.org/drawingml/2006/main" xmlns:r="http://schemas.openxmlformats.org/officeDocument/2006/relationships" xmlns:p="http://schemas.openxmlformats.org/presentationml/2006/main">
+  <p:cSld>
+    <p:spTree>
+      <p:nvGrpSpPr>
+        <p:cNvPr id="1" name=""/>
+        <p:cNvGrpSpPr/>
+        <p:nvPr/>
+      </p:nvGrpSpPr>
+      <p:grpSpPr>
+        <a:xfrm>
+          <a:off x="0" y="0"/>
+          <a:ext cx="0" cy="0"/>
+          <a:chOff x="0" y="0"/>
+          <a:chExt cx="0" cy="0"/>
+        </a:xfrm>
+      </p:grpSpPr>
+      <p:sp>
+        <p:nvSpPr>
+          <p:cNvPr id="2" name="Titel 1"/>
+          <p:cNvSpPr>
+            <a:spLocks noGrp="1"/>
+          </p:cNvSpPr>
+          <p:nvPr>
+            <p:ph type="title"/>
+          </p:nvPr>
+        </p:nvSpPr>
+        <p:spPr/>
+        <p:txBody>
+          <a:bodyPr/>
+          <a:lstStyle/>
+          <a:p>
+            <a:r>
+              <a:rPr lang="de-DE" dirty="0" smtClean="0"/>
+              <a:t>Erstellung der </a:t>
+            </a:r>
+            <a:r>
+              <a:rPr lang="de-DE" dirty="0" err="1" smtClean="0"/>
+              <a:t>TestGruppen</a:t>
+            </a:r>
+            <a:endParaRPr lang="de-DE" dirty="0"/>
+          </a:p>
+        </p:txBody>
+      </p:sp>
+      <p:sp>
+        <p:nvSpPr>
+          <p:cNvPr id="3" name="Inhaltsplatzhalter 2"/>
+          <p:cNvSpPr>
+            <a:spLocks noGrp="1"/>
+          </p:cNvSpPr>
+          <p:nvPr>
+            <p:ph idx="1"/>
+          </p:nvPr>
+        </p:nvSpPr>
+        <p:spPr/>
+        <p:txBody>
+          <a:bodyPr/>
+          <a:lstStyle/>
+          <a:p>
+            <a:r>
+              <a:rPr lang="de-DE" dirty="0" smtClean="0"/>
+              <a:t>Hier schließen die Folien von BI (Olaf) an</a:t>
+            </a:r>
+            <a:endParaRPr lang="de-DE" dirty="0"/>
+          </a:p>
+        </p:txBody>
+      </p:sp>
+    </p:spTree>
+    <p:extLst>
+      <p:ext uri="{BB962C8B-B14F-4D97-AF65-F5344CB8AC3E}">
+        <p14:creationId xmlns:p14="http://schemas.microsoft.com/office/powerpoint/2010/main" val="1750106895"/>
+      </p:ext>
+    </p:extLst>
+  </p:cSld>
+  <p:clrMapOvr>
+    <a:masterClrMapping/>
+  </p:clrMapOvr>
+  <p:timing>
+    <p:tnLst>
+      <p:par>
+        <p:cTn id="1" dur="indefinite" restart="never" nodeType="tmRoot"/>
+      </p:par>
+    </p:tnLst>
+  </p:timing>
+</p:sld>
+</file>
+
+<file path=ppt/slides/slide18.xml><?xml version="1.0" encoding="utf-8"?>
+<p:sld xmlns:a="http://schemas.openxmlformats.org/drawingml/2006/main" xmlns:r="http://schemas.openxmlformats.org/officeDocument/2006/relationships" xmlns:p="http://schemas.openxmlformats.org/presentationml/2006/main">
+  <p:cSld>
+    <p:spTree>
+      <p:nvGrpSpPr>
+        <p:cNvPr id="1" name=""/>
+        <p:cNvGrpSpPr/>
+        <p:nvPr/>
+      </p:nvGrpSpPr>
+      <p:grpSpPr>
+        <a:xfrm>
+          <a:off x="0" y="0"/>
+          <a:ext cx="0" cy="0"/>
+          <a:chOff x="0" y="0"/>
+          <a:chExt cx="0" cy="0"/>
+        </a:xfrm>
+      </p:grpSpPr>
+      <p:sp>
+        <p:nvSpPr>
+          <p:cNvPr id="2" name="Titel 1"/>
+          <p:cNvSpPr>
+            <a:spLocks noGrp="1"/>
+          </p:cNvSpPr>
+          <p:nvPr>
+            <p:ph type="title"/>
+          </p:nvPr>
+        </p:nvSpPr>
+        <p:spPr/>
+        <p:txBody>
+          <a:bodyPr/>
+          <a:lstStyle/>
+          <a:p>
+            <a:r>
+              <a:rPr lang="de-DE" dirty="0" smtClean="0"/>
+              <a:t>Newsletter Kampagne</a:t>
+            </a:r>
+            <a:endParaRPr lang="de-DE" dirty="0"/>
+          </a:p>
+        </p:txBody>
+      </p:sp>
+      <p:sp>
+        <p:nvSpPr>
+          <p:cNvPr id="3" name="Inhaltsplatzhalter 2"/>
+          <p:cNvSpPr>
+            <a:spLocks noGrp="1"/>
+          </p:cNvSpPr>
+          <p:nvPr>
+            <p:ph idx="1"/>
+          </p:nvPr>
+        </p:nvSpPr>
+        <p:spPr/>
+        <p:txBody>
+          <a:bodyPr/>
+          <a:lstStyle/>
+          <a:p>
+            <a:r>
+              <a:rPr lang="de-DE" dirty="0" smtClean="0"/>
+              <a:t>Und dann noch die Folien von Alex…</a:t>
+            </a:r>
+            <a:endParaRPr lang="de-DE" dirty="0"/>
+          </a:p>
+        </p:txBody>
+      </p:sp>
+    </p:spTree>
+    <p:extLst>
+      <p:ext uri="{BB962C8B-B14F-4D97-AF65-F5344CB8AC3E}">
+        <p14:creationId xmlns:p14="http://schemas.microsoft.com/office/powerpoint/2010/main" val="1028342488"/>
+      </p:ext>
+    </p:extLst>
+  </p:cSld>
+  <p:clrMapOvr>
+    <a:masterClrMapping/>
+  </p:clrMapOvr>
+  <p:timing>
+    <p:tnLst>
+      <p:par>
+        <p:cTn id="1" dur="indefinite" restart="never" nodeType="tmRoot"/>
+      </p:par>
+    </p:tnLst>
+  </p:timing>
+</p:sld>
+</file>
+
+<file path=ppt/slides/slide19.xml><?xml version="1.0" encoding="utf-8"?>
+<p:sld xmlns:a="http://schemas.openxmlformats.org/drawingml/2006/main" xmlns:r="http://schemas.openxmlformats.org/officeDocument/2006/relationships" xmlns:p="http://schemas.openxmlformats.org/presentationml/2006/main">
+  <p:cSld>
+    <p:spTree>
+      <p:nvGrpSpPr>
+        <p:cNvPr id="1" name=""/>
+        <p:cNvGrpSpPr/>
+        <p:nvPr/>
+      </p:nvGrpSpPr>
+      <p:grpSpPr>
+        <a:xfrm>
+          <a:off x="0" y="0"/>
+          <a:ext cx="0" cy="0"/>
+          <a:chOff x="0" y="0"/>
+          <a:chExt cx="0" cy="0"/>
+        </a:xfrm>
+      </p:grpSpPr>
+      <p:sp>
+        <p:nvSpPr>
+          <p:cNvPr id="2" name="Titel 1"/>
+          <p:cNvSpPr>
+            <a:spLocks noGrp="1"/>
+          </p:cNvSpPr>
+          <p:nvPr>
+            <p:ph type="title"/>
+          </p:nvPr>
+        </p:nvSpPr>
+        <p:spPr/>
+        <p:txBody>
+          <a:bodyPr/>
+          <a:lstStyle/>
+          <a:p>
+            <a:r>
+              <a:rPr lang="de-DE" dirty="0" smtClean="0"/>
+              <a:t>Fazit</a:t>
+            </a:r>
+            <a:endParaRPr lang="de-DE" dirty="0"/>
+          </a:p>
+        </p:txBody>
+      </p:sp>
+      <p:sp>
+        <p:nvSpPr>
+          <p:cNvPr id="3" name="Inhaltsplatzhalter 2"/>
+          <p:cNvSpPr>
+            <a:spLocks noGrp="1"/>
+          </p:cNvSpPr>
+          <p:nvPr>
+            <p:ph idx="1"/>
+          </p:nvPr>
+        </p:nvSpPr>
+        <p:spPr/>
+        <p:txBody>
+          <a:bodyPr/>
+          <a:lstStyle/>
+          <a:p>
+            <a:r>
+              <a:rPr lang="de-DE" dirty="0" smtClean="0"/>
+              <a:t>Wir haben das Modell validiert</a:t>
+            </a:r>
+          </a:p>
+          <a:p>
+            <a:r>
+              <a:rPr lang="de-DE" dirty="0" smtClean="0"/>
+              <a:t>Wir haben den Prozess für die Newsletter-Kampagne aufgesetzt</a:t>
+            </a:r>
+          </a:p>
+          <a:p>
+            <a:r>
+              <a:rPr lang="de-DE" dirty="0" smtClean="0"/>
+              <a:t>Damit können wir jetzt Problem </a:t>
+            </a:r>
+            <a:r>
+              <a:rPr lang="de-DE" smtClean="0"/>
+              <a:t>A angehen</a:t>
+            </a:r>
+            <a:endParaRPr lang="de-DE" dirty="0" smtClean="0"/>
+          </a:p>
+          <a:p>
+            <a:pPr marL="0" indent="0">
+              <a:buNone/>
+            </a:pPr>
+            <a:endParaRPr lang="de-DE" dirty="0" smtClean="0"/>
+          </a:p>
+          <a:p>
+            <a:endParaRPr lang="de-DE" dirty="0"/>
+          </a:p>
+        </p:txBody>
+      </p:sp>
+    </p:spTree>
+    <p:extLst>
+      <p:ext uri="{BB962C8B-B14F-4D97-AF65-F5344CB8AC3E}">
+        <p14:creationId xmlns:p14="http://schemas.microsoft.com/office/powerpoint/2010/main" val="2129156004"/>
+      </p:ext>
+    </p:extLst>
+  </p:cSld>
+  <p:clrMapOvr>
+    <a:masterClrMapping/>
+  </p:clrMapOvr>
+  <p:timing>
+    <p:tnLst>
+      <p:par>
+        <p:cTn id="1" dur="indefinite" restart="never" nodeType="tmRoot"/>
+      </p:par>
+    </p:tnLst>
+  </p:timing>
+</p:sld>
+</file>
+
+<file path=ppt/slides/slide2.xml><?xml version="1.0" encoding="utf-8"?>
+<p:sld xmlns:a="http://schemas.openxmlformats.org/drawingml/2006/main" xmlns:r="http://schemas.openxmlformats.org/officeDocument/2006/relationships" xmlns:p="http://schemas.openxmlformats.org/presentationml/2006/main">
+  <p:cSld>
+    <p:spTree>
+      <p:nvGrpSpPr>
+        <p:cNvPr id="1" name=""/>
+        <p:cNvGrpSpPr/>
+        <p:nvPr/>
+      </p:nvGrpSpPr>
+      <p:grpSpPr>
+        <a:xfrm>
+          <a:off x="0" y="0"/>
+          <a:ext cx="0" cy="0"/>
+          <a:chOff x="0" y="0"/>
+          <a:chExt cx="0" cy="0"/>
+        </a:xfrm>
+      </p:grpSpPr>
+      <p:sp>
+        <p:nvSpPr>
+          <p:cNvPr id="2" name="Titel 1"/>
+          <p:cNvSpPr>
+            <a:spLocks noGrp="1"/>
+          </p:cNvSpPr>
+          <p:nvPr>
+            <p:ph type="title"/>
+          </p:nvPr>
+        </p:nvSpPr>
+        <p:spPr/>
+        <p:txBody>
+          <a:bodyPr/>
+          <a:lstStyle/>
+          <a:p>
+            <a:r>
+              <a:rPr lang="de-DE" dirty="0" smtClean="0"/>
+              <a:t>Problem Statements</a:t>
+            </a:r>
+            <a:endParaRPr lang="de-DE" dirty="0"/>
+          </a:p>
+        </p:txBody>
+      </p:sp>
+      <p:sp>
+        <p:nvSpPr>
+          <p:cNvPr id="3" name="Inhaltsplatzhalter 2"/>
+          <p:cNvSpPr>
+            <a:spLocks noGrp="1"/>
+          </p:cNvSpPr>
+          <p:nvPr>
+            <p:ph idx="1"/>
+          </p:nvPr>
+        </p:nvSpPr>
+        <p:spPr/>
+        <p:txBody>
+          <a:bodyPr/>
+          <a:lstStyle/>
+          <a:p>
+            <a:r>
+              <a:rPr lang="de-DE" dirty="0" smtClean="0"/>
+              <a:t>Beobachtung: Nutzergruppe wie z. B. CK Club Nutzer sind noch sehr ausbaufähig.</a:t>
+            </a:r>
+          </a:p>
+          <a:p>
+            <a:pPr marL="0" indent="0">
+              <a:buNone/>
+            </a:pPr>
+            <a:r>
+              <a:rPr lang="de-DE" dirty="0" smtClean="0"/>
+              <a:t>Davon unabhängig:</a:t>
+            </a:r>
+          </a:p>
+          <a:p>
+            <a:r>
+              <a:rPr lang="de-DE" dirty="0" smtClean="0"/>
+              <a:t>Frage: Wie können Newsletter als </a:t>
+            </a:r>
+            <a:r>
+              <a:rPr lang="de-DE" dirty="0" err="1" smtClean="0"/>
+              <a:t>Sales</a:t>
+            </a:r>
+            <a:r>
+              <a:rPr lang="de-DE" dirty="0" smtClean="0"/>
+              <a:t>-Träger genutzt werden?</a:t>
+            </a:r>
+            <a:endParaRPr lang="de-DE" dirty="0"/>
+          </a:p>
+        </p:txBody>
+      </p:sp>
+    </p:spTree>
+    <p:extLst>
+      <p:ext uri="{BB962C8B-B14F-4D97-AF65-F5344CB8AC3E}">
+        <p14:creationId xmlns:p14="http://schemas.microsoft.com/office/powerpoint/2010/main" val="3295086952"/>
+      </p:ext>
+    </p:extLst>
+  </p:cSld>
+  <p:clrMapOvr>
+    <a:masterClrMapping/>
+  </p:clrMapOvr>
+</p:sld>
+</file>
+
+<file path=ppt/slides/slide3.xml><?xml version="1.0" encoding="utf-8"?>
+<p:sld xmlns:a="http://schemas.openxmlformats.org/drawingml/2006/main" xmlns:r="http://schemas.openxmlformats.org/officeDocument/2006/relationships" xmlns:p="http://schemas.openxmlformats.org/presentationml/2006/main">
+  <p:cSld>
+    <p:spTree>
+      <p:nvGrpSpPr>
+        <p:cNvPr id="1" name=""/>
+        <p:cNvGrpSpPr/>
+        <p:nvPr/>
+      </p:nvGrpSpPr>
+      <p:grpSpPr>
+        <a:xfrm>
+          <a:off x="0" y="0"/>
+          <a:ext cx="0" cy="0"/>
+          <a:chOff x="0" y="0"/>
+          <a:chExt cx="0" cy="0"/>
+        </a:xfrm>
+      </p:grpSpPr>
+      <p:sp>
+        <p:nvSpPr>
+          <p:cNvPr id="2" name="Titel 1"/>
+          <p:cNvSpPr>
+            <a:spLocks noGrp="1"/>
+          </p:cNvSpPr>
+          <p:nvPr>
+            <p:ph type="title"/>
+          </p:nvPr>
+        </p:nvSpPr>
+        <p:spPr/>
+        <p:txBody>
+          <a:bodyPr/>
+          <a:lstStyle/>
+          <a:p>
+            <a:r>
+              <a:rPr lang="de-DE" dirty="0" smtClean="0"/>
+              <a:t>Unsere Ansätze</a:t>
+            </a:r>
+            <a:endParaRPr lang="de-DE" dirty="0"/>
+          </a:p>
+        </p:txBody>
+      </p:sp>
+      <p:sp>
+        <p:nvSpPr>
+          <p:cNvPr id="3" name="Inhaltsplatzhalter 2"/>
+          <p:cNvSpPr>
+            <a:spLocks noGrp="1"/>
+          </p:cNvSpPr>
+          <p:nvPr>
+            <p:ph idx="1"/>
+          </p:nvPr>
+        </p:nvSpPr>
+        <p:spPr/>
+        <p:txBody>
+          <a:bodyPr/>
+          <a:lstStyle/>
+          <a:p>
+            <a:r>
+              <a:rPr lang="de-DE" dirty="0" smtClean="0"/>
+              <a:t>Validierung eines Modells zur Identifizierung von interessanten Nutzergruppen am Beispiel der CK Club Nutzern.</a:t>
+            </a:r>
+          </a:p>
+          <a:p>
+            <a:r>
+              <a:rPr lang="de-DE" dirty="0" smtClean="0"/>
+              <a:t>Aufsetzen eines Prozesses zum gezielten Versand von Newslettern an interessanten Nutzergruppen am Beispiel einer Einladung zum CK Club.</a:t>
+            </a:r>
+            <a:endParaRPr lang="de-DE" dirty="0"/>
+          </a:p>
+        </p:txBody>
+      </p:sp>
+    </p:spTree>
+    <p:extLst>
+      <p:ext uri="{BB962C8B-B14F-4D97-AF65-F5344CB8AC3E}">
+        <p14:creationId xmlns:p14="http://schemas.microsoft.com/office/powerpoint/2010/main" val="1288974043"/>
+      </p:ext>
+    </p:extLst>
+  </p:cSld>
+  <p:clrMapOvr>
+    <a:masterClrMapping/>
+  </p:clrMapOvr>
+</p:sld>
+</file>
+
+<file path=ppt/slides/slide4.xml><?xml version="1.0" encoding="utf-8"?>
+<p:sld xmlns:a="http://schemas.openxmlformats.org/drawingml/2006/main" xmlns:r="http://schemas.openxmlformats.org/officeDocument/2006/relationships" xmlns:p="http://schemas.openxmlformats.org/presentationml/2006/main">
+  <p:cSld>
+    <p:spTree>
+      <p:nvGrpSpPr>
+        <p:cNvPr id="1" name=""/>
+        <p:cNvGrpSpPr/>
+        <p:nvPr/>
+      </p:nvGrpSpPr>
+      <p:grpSpPr>
+        <a:xfrm>
+          <a:off x="0" y="0"/>
+          <a:ext cx="0" cy="0"/>
+          <a:chOff x="0" y="0"/>
+          <a:chExt cx="0" cy="0"/>
+        </a:xfrm>
+      </p:grpSpPr>
+      <p:sp>
+        <p:nvSpPr>
+          <p:cNvPr id="2" name="Titel 1"/>
+          <p:cNvSpPr>
+            <a:spLocks noGrp="1"/>
+          </p:cNvSpPr>
+          <p:nvPr>
+            <p:ph type="title"/>
+          </p:nvPr>
+        </p:nvSpPr>
+        <p:spPr/>
+        <p:txBody>
+          <a:bodyPr/>
+          <a:lstStyle/>
+          <a:p>
+            <a:r>
+              <a:rPr lang="de-DE" dirty="0" smtClean="0"/>
+              <a:t>Unsere Pipeline</a:t>
+            </a:r>
+            <a:endParaRPr lang="de-DE" dirty="0"/>
+          </a:p>
+        </p:txBody>
+      </p:sp>
+      <p:sp>
+        <p:nvSpPr>
+          <p:cNvPr id="15" name="Rechteck 14"/>
+          <p:cNvSpPr/>
+          <p:nvPr/>
+        </p:nvSpPr>
+        <p:spPr>
+          <a:xfrm>
+            <a:off x="3908385" y="3223549"/>
+            <a:ext cx="2224748" cy="914400"/>
+          </a:xfrm>
+          <a:prstGeom prst="rect">
+            <a:avLst/>
+          </a:prstGeom>
+          <a:solidFill>
+            <a:schemeClr val="accent5">
+              <a:lumMod val="50000"/>
+            </a:schemeClr>
+          </a:solidFill>
+          <a:ln>
+            <a:noFill/>
+          </a:ln>
+        </p:spPr>
+        <p:style>
+          <a:lnRef idx="2">
+            <a:schemeClr val="accent1">
+              <a:shade val="50000"/>
+            </a:schemeClr>
+          </a:lnRef>
+          <a:fillRef idx="1">
+            <a:schemeClr val="accent1"/>
+          </a:fillRef>
+          <a:effectRef idx="0">
+            <a:schemeClr val="accent1"/>
+          </a:effectRef>
+          <a:fontRef idx="minor">
+            <a:schemeClr val="lt1"/>
+          </a:fontRef>
+        </p:style>
+        <p:txBody>
+          <a:bodyPr rtlCol="0" anchor="ctr"/>
+          <a:lstStyle/>
+          <a:p>
+            <a:pPr algn="ctr"/>
+            <a:r>
+              <a:rPr lang="de-DE" dirty="0" smtClean="0"/>
+              <a:t>Identifikation der verschiedenen </a:t>
+            </a:r>
+            <a:r>
+              <a:rPr lang="de-DE" dirty="0"/>
+              <a:t>Affinitätsgruppen</a:t>
+            </a:r>
+          </a:p>
+        </p:txBody>
+      </p:sp>
+      <p:sp>
+        <p:nvSpPr>
+          <p:cNvPr id="19" name="Rechteck 18"/>
+          <p:cNvSpPr/>
+          <p:nvPr/>
+        </p:nvSpPr>
+        <p:spPr>
+          <a:xfrm>
+            <a:off x="9664861" y="2579296"/>
+            <a:ext cx="1990846" cy="914400"/>
+          </a:xfrm>
+          <a:prstGeom prst="rect">
+            <a:avLst/>
+          </a:prstGeom>
+          <a:solidFill>
+            <a:srgbClr val="FFC000"/>
+          </a:solidFill>
+          <a:ln>
+            <a:noFill/>
+          </a:ln>
+        </p:spPr>
+        <p:style>
+          <a:lnRef idx="2">
+            <a:schemeClr val="accent1">
+              <a:shade val="50000"/>
+            </a:schemeClr>
+          </a:lnRef>
+          <a:fillRef idx="1">
+            <a:schemeClr val="accent1"/>
+          </a:fillRef>
+          <a:effectRef idx="0">
+            <a:schemeClr val="accent1"/>
+          </a:effectRef>
+          <a:fontRef idx="minor">
+            <a:schemeClr val="lt1"/>
+          </a:fontRef>
+        </p:style>
+        <p:txBody>
+          <a:bodyPr rtlCol="0" anchor="ctr"/>
+          <a:lstStyle/>
+          <a:p>
+            <a:pPr algn="ctr"/>
+            <a:r>
+              <a:rPr lang="de-DE" dirty="0" smtClean="0"/>
+              <a:t>Auswertung der vorläufigen Ergebnisse</a:t>
+            </a:r>
+            <a:endParaRPr lang="de-DE" dirty="0"/>
+          </a:p>
+        </p:txBody>
+      </p:sp>
+      <p:sp>
+        <p:nvSpPr>
+          <p:cNvPr id="22" name="Pfeil nach rechts 21"/>
+          <p:cNvSpPr/>
+          <p:nvPr/>
+        </p:nvSpPr>
+        <p:spPr>
+          <a:xfrm>
+            <a:off x="3100668" y="3591676"/>
+            <a:ext cx="899255" cy="484632"/>
+          </a:xfrm>
+          <a:prstGeom prst="rightArrow">
+            <a:avLst/>
+          </a:prstGeom>
+          <a:ln>
+            <a:noFill/>
+          </a:ln>
+        </p:spPr>
+        <p:style>
+          <a:lnRef idx="2">
+            <a:schemeClr val="accent1">
+              <a:shade val="50000"/>
+            </a:schemeClr>
+          </a:lnRef>
+          <a:fillRef idx="1">
+            <a:schemeClr val="accent1"/>
+          </a:fillRef>
+          <a:effectRef idx="0">
+            <a:schemeClr val="accent1"/>
+          </a:effectRef>
+          <a:fontRef idx="minor">
+            <a:schemeClr val="lt1"/>
+          </a:fontRef>
+        </p:style>
+        <p:txBody>
+          <a:bodyPr rtlCol="0" anchor="ctr"/>
+          <a:lstStyle/>
+          <a:p>
+            <a:pPr algn="ctr"/>
+            <a:endParaRPr lang="de-DE"/>
+          </a:p>
+        </p:txBody>
+      </p:sp>
+      <p:sp>
+        <p:nvSpPr>
+          <p:cNvPr id="26" name="Pfeil nach rechts 25"/>
+          <p:cNvSpPr/>
+          <p:nvPr/>
+        </p:nvSpPr>
+        <p:spPr>
+          <a:xfrm>
+            <a:off x="8796651" y="2951487"/>
+            <a:ext cx="1019199" cy="484632"/>
+          </a:xfrm>
+          <a:prstGeom prst="rightArrow">
+            <a:avLst/>
+          </a:prstGeom>
+          <a:ln>
+            <a:noFill/>
+          </a:ln>
+        </p:spPr>
+        <p:style>
+          <a:lnRef idx="2">
+            <a:schemeClr val="accent1">
+              <a:shade val="50000"/>
+            </a:schemeClr>
+          </a:lnRef>
+          <a:fillRef idx="1">
+            <a:schemeClr val="accent1"/>
+          </a:fillRef>
+          <a:effectRef idx="0">
+            <a:schemeClr val="accent1"/>
+          </a:effectRef>
+          <a:fontRef idx="minor">
+            <a:schemeClr val="lt1"/>
+          </a:fontRef>
+        </p:style>
+        <p:txBody>
+          <a:bodyPr rtlCol="0" anchor="ctr"/>
+          <a:lstStyle/>
+          <a:p>
+            <a:pPr algn="ctr"/>
+            <a:endParaRPr lang="de-DE"/>
+          </a:p>
+        </p:txBody>
+      </p:sp>
+      <p:sp>
+        <p:nvSpPr>
+          <p:cNvPr id="17" name="Rechteck 16"/>
+          <p:cNvSpPr/>
+          <p:nvPr/>
+        </p:nvSpPr>
+        <p:spPr>
+          <a:xfrm>
+            <a:off x="7509077" y="2579296"/>
+            <a:ext cx="1403429" cy="914400"/>
+          </a:xfrm>
+          <a:prstGeom prst="rect">
+            <a:avLst/>
+          </a:prstGeom>
+          <a:solidFill>
+            <a:srgbClr val="FFC000"/>
+          </a:solidFill>
+          <a:ln>
+            <a:noFill/>
+          </a:ln>
+        </p:spPr>
+        <p:style>
+          <a:lnRef idx="2">
+            <a:schemeClr val="accent1">
+              <a:shade val="50000"/>
+            </a:schemeClr>
+          </a:lnRef>
+          <a:fillRef idx="1">
+            <a:schemeClr val="accent1"/>
+          </a:fillRef>
+          <a:effectRef idx="0">
+            <a:schemeClr val="accent1"/>
+          </a:effectRef>
+          <a:fontRef idx="minor">
+            <a:schemeClr val="lt1"/>
+          </a:fontRef>
+        </p:style>
+        <p:txBody>
+          <a:bodyPr rtlCol="0" anchor="ctr"/>
+          <a:lstStyle/>
+          <a:p>
+            <a:pPr algn="ctr"/>
+            <a:r>
+              <a:rPr lang="de-DE" dirty="0" smtClean="0"/>
+              <a:t>Versand des Newsletters</a:t>
+            </a:r>
+            <a:endParaRPr lang="de-DE" dirty="0"/>
+          </a:p>
+        </p:txBody>
+      </p:sp>
+      <p:sp>
+        <p:nvSpPr>
+          <p:cNvPr id="27" name="Pfeil nach rechts 26"/>
+          <p:cNvSpPr/>
+          <p:nvPr/>
+        </p:nvSpPr>
+        <p:spPr>
+          <a:xfrm rot="18898494">
+            <a:off x="9267028" y="3525028"/>
+            <a:ext cx="920406" cy="484632"/>
+          </a:xfrm>
+          <a:prstGeom prst="rightArrow">
+            <a:avLst/>
+          </a:prstGeom>
+          <a:ln>
+            <a:noFill/>
+          </a:ln>
+        </p:spPr>
+        <p:style>
+          <a:lnRef idx="2">
+            <a:schemeClr val="accent1">
+              <a:shade val="50000"/>
+            </a:schemeClr>
+          </a:lnRef>
+          <a:fillRef idx="1">
+            <a:schemeClr val="accent1"/>
+          </a:fillRef>
+          <a:effectRef idx="0">
+            <a:schemeClr val="accent1"/>
+          </a:effectRef>
+          <a:fontRef idx="minor">
+            <a:schemeClr val="lt1"/>
+          </a:fontRef>
+        </p:style>
+        <p:txBody>
+          <a:bodyPr rtlCol="0" anchor="ctr"/>
+          <a:lstStyle/>
+          <a:p>
+            <a:pPr algn="ctr"/>
+            <a:endParaRPr lang="de-DE"/>
+          </a:p>
+        </p:txBody>
+      </p:sp>
+      <p:sp>
+        <p:nvSpPr>
+          <p:cNvPr id="25" name="Pfeil nach rechts 24"/>
+          <p:cNvSpPr/>
+          <p:nvPr/>
+        </p:nvSpPr>
+        <p:spPr>
+          <a:xfrm rot="19036944">
+            <a:off x="5862218" y="3669510"/>
+            <a:ext cx="1994109" cy="484632"/>
+          </a:xfrm>
+          <a:prstGeom prst="rightArrow">
+            <a:avLst/>
+          </a:prstGeom>
+          <a:ln>
+            <a:noFill/>
+          </a:ln>
+        </p:spPr>
+        <p:style>
+          <a:lnRef idx="2">
+            <a:schemeClr val="accent1">
+              <a:shade val="50000"/>
+            </a:schemeClr>
+          </a:lnRef>
+          <a:fillRef idx="1">
+            <a:schemeClr val="accent1"/>
+          </a:fillRef>
+          <a:effectRef idx="0">
+            <a:schemeClr val="accent1"/>
+          </a:effectRef>
+          <a:fontRef idx="minor">
+            <a:schemeClr val="lt1"/>
+          </a:fontRef>
+        </p:style>
+        <p:txBody>
+          <a:bodyPr rtlCol="0" anchor="ctr"/>
+          <a:lstStyle/>
+          <a:p>
+            <a:pPr algn="ctr"/>
+            <a:endParaRPr lang="de-DE"/>
+          </a:p>
+        </p:txBody>
+      </p:sp>
+      <p:sp>
+        <p:nvSpPr>
+          <p:cNvPr id="18" name="Rechteck 17"/>
+          <p:cNvSpPr/>
+          <p:nvPr/>
+        </p:nvSpPr>
+        <p:spPr>
+          <a:xfrm>
+            <a:off x="7509077" y="3893319"/>
+            <a:ext cx="2034249" cy="914400"/>
+          </a:xfrm>
+          <a:prstGeom prst="rect">
+            <a:avLst/>
+          </a:prstGeom>
+          <a:solidFill>
+            <a:schemeClr val="accent5">
+              <a:lumMod val="50000"/>
+            </a:schemeClr>
+          </a:solidFill>
+          <a:ln>
+            <a:noFill/>
+          </a:ln>
+        </p:spPr>
+        <p:style>
+          <a:lnRef idx="2">
+            <a:schemeClr val="accent1">
+              <a:shade val="50000"/>
+            </a:schemeClr>
+          </a:lnRef>
+          <a:fillRef idx="1">
+            <a:schemeClr val="accent1"/>
+          </a:fillRef>
+          <a:effectRef idx="0">
+            <a:schemeClr val="accent1"/>
+          </a:effectRef>
+          <a:fontRef idx="minor">
+            <a:schemeClr val="lt1"/>
+          </a:fontRef>
+        </p:style>
+        <p:txBody>
+          <a:bodyPr rtlCol="0" anchor="ctr"/>
+          <a:lstStyle/>
+          <a:p>
+            <a:pPr algn="ctr"/>
+            <a:r>
+              <a:rPr lang="de-DE" dirty="0" smtClean="0"/>
+              <a:t>Erstellung eines Custom Reports in Google Analytics</a:t>
+            </a:r>
+            <a:endParaRPr lang="de-DE" dirty="0"/>
+          </a:p>
+        </p:txBody>
+      </p:sp>
+      <p:sp>
+        <p:nvSpPr>
+          <p:cNvPr id="16" name="Rechteck 15"/>
+          <p:cNvSpPr/>
+          <p:nvPr/>
+        </p:nvSpPr>
+        <p:spPr>
+          <a:xfrm>
+            <a:off x="4710893" y="4433104"/>
+            <a:ext cx="2231985" cy="914400"/>
+          </a:xfrm>
+          <a:prstGeom prst="rect">
+            <a:avLst/>
+          </a:prstGeom>
+          <a:solidFill>
+            <a:srgbClr val="FFC000"/>
+          </a:solidFill>
+          <a:ln>
+            <a:noFill/>
+          </a:ln>
+        </p:spPr>
+        <p:style>
+          <a:lnRef idx="2">
+            <a:schemeClr val="accent1">
+              <a:shade val="50000"/>
+            </a:schemeClr>
+          </a:lnRef>
+          <a:fillRef idx="1">
+            <a:schemeClr val="accent1"/>
+          </a:fillRef>
+          <a:effectRef idx="0">
+            <a:schemeClr val="accent1"/>
+          </a:effectRef>
+          <a:fontRef idx="minor">
+            <a:schemeClr val="lt1"/>
+          </a:fontRef>
+        </p:style>
+        <p:txBody>
+          <a:bodyPr rtlCol="0" anchor="ctr"/>
+          <a:lstStyle/>
+          <a:p>
+            <a:pPr algn="ctr"/>
+            <a:r>
+              <a:rPr lang="de-DE" dirty="0" smtClean="0"/>
+              <a:t>Erstellung von Zielgruppen in </a:t>
+            </a:r>
+            <a:r>
+              <a:rPr lang="de-DE" dirty="0" err="1" smtClean="0"/>
+              <a:t>Promio</a:t>
+            </a:r>
+            <a:endParaRPr lang="de-DE" dirty="0"/>
+          </a:p>
+        </p:txBody>
+      </p:sp>
+      <p:sp>
+        <p:nvSpPr>
+          <p:cNvPr id="24" name="Pfeil nach rechts 23"/>
+          <p:cNvSpPr/>
+          <p:nvPr/>
+        </p:nvSpPr>
+        <p:spPr>
+          <a:xfrm rot="5400000">
+            <a:off x="4368798" y="4169614"/>
+            <a:ext cx="621560" cy="484632"/>
+          </a:xfrm>
+          <a:prstGeom prst="rightArrow">
+            <a:avLst/>
+          </a:prstGeom>
+          <a:ln>
+            <a:noFill/>
+          </a:ln>
+        </p:spPr>
+        <p:style>
+          <a:lnRef idx="2">
+            <a:schemeClr val="accent1">
+              <a:shade val="50000"/>
+            </a:schemeClr>
+          </a:lnRef>
+          <a:fillRef idx="1">
+            <a:schemeClr val="accent1"/>
+          </a:fillRef>
+          <a:effectRef idx="0">
+            <a:schemeClr val="accent1"/>
+          </a:effectRef>
+          <a:fontRef idx="minor">
+            <a:schemeClr val="lt1"/>
+          </a:fontRef>
+        </p:style>
+        <p:txBody>
+          <a:bodyPr rtlCol="0" anchor="ctr"/>
+          <a:lstStyle/>
+          <a:p>
+            <a:pPr algn="ctr"/>
+            <a:r>
+              <a:rPr lang="de-DE" dirty="0" smtClean="0">
+                <a:solidFill>
+                  <a:srgbClr val="FF0000"/>
+                </a:solidFill>
+              </a:rPr>
+              <a:t>?</a:t>
+            </a:r>
+            <a:endParaRPr lang="de-DE" dirty="0">
+              <a:solidFill>
+                <a:srgbClr val="FF0000"/>
+              </a:solidFill>
+            </a:endParaRPr>
+          </a:p>
+        </p:txBody>
+      </p:sp>
+      <p:sp>
+        <p:nvSpPr>
+          <p:cNvPr id="23" name="Pfeil nach rechts 22"/>
+          <p:cNvSpPr/>
+          <p:nvPr/>
+        </p:nvSpPr>
+        <p:spPr>
+          <a:xfrm>
+            <a:off x="3139550" y="5052164"/>
+            <a:ext cx="1653251" cy="484632"/>
+          </a:xfrm>
+          <a:prstGeom prst="rightArrow">
+            <a:avLst/>
+          </a:prstGeom>
+          <a:ln>
+            <a:noFill/>
+          </a:ln>
+        </p:spPr>
+        <p:style>
+          <a:lnRef idx="2">
+            <a:schemeClr val="accent1">
+              <a:shade val="50000"/>
+            </a:schemeClr>
+          </a:lnRef>
+          <a:fillRef idx="1">
+            <a:schemeClr val="accent1"/>
+          </a:fillRef>
+          <a:effectRef idx="0">
+            <a:schemeClr val="accent1"/>
+          </a:effectRef>
+          <a:fontRef idx="minor">
+            <a:schemeClr val="lt1"/>
+          </a:fontRef>
+        </p:style>
+        <p:txBody>
+          <a:bodyPr rtlCol="0" anchor="ctr"/>
+          <a:lstStyle/>
+          <a:p>
+            <a:pPr algn="ctr"/>
+            <a:endParaRPr lang="de-DE"/>
+          </a:p>
+        </p:txBody>
+      </p:sp>
+      <p:sp>
+        <p:nvSpPr>
+          <p:cNvPr id="13" name="Rechteck 12"/>
+          <p:cNvSpPr/>
+          <p:nvPr/>
+        </p:nvSpPr>
+        <p:spPr>
+          <a:xfrm>
+            <a:off x="1886094" y="5113696"/>
+            <a:ext cx="1475772" cy="914400"/>
+          </a:xfrm>
+          <a:prstGeom prst="rect">
+            <a:avLst/>
+          </a:prstGeom>
+          <a:solidFill>
+            <a:srgbClr val="FFC000"/>
+          </a:solidFill>
+          <a:ln>
+            <a:noFill/>
+          </a:ln>
+        </p:spPr>
+        <p:style>
+          <a:lnRef idx="2">
+            <a:schemeClr val="accent1">
+              <a:shade val="50000"/>
+            </a:schemeClr>
+          </a:lnRef>
+          <a:fillRef idx="1">
+            <a:schemeClr val="accent1"/>
+          </a:fillRef>
+          <a:effectRef idx="0">
+            <a:schemeClr val="accent1"/>
+          </a:effectRef>
+          <a:fontRef idx="minor">
+            <a:schemeClr val="lt1"/>
+          </a:fontRef>
+        </p:style>
+        <p:txBody>
+          <a:bodyPr rtlCol="0" anchor="ctr"/>
+          <a:lstStyle/>
+          <a:p>
+            <a:pPr algn="ctr"/>
+            <a:r>
+              <a:rPr lang="de-DE" dirty="0" smtClean="0"/>
+              <a:t>Konzeption des Creatives</a:t>
+            </a:r>
+            <a:endParaRPr lang="de-DE" dirty="0"/>
+          </a:p>
+        </p:txBody>
+      </p:sp>
+      <p:sp>
+        <p:nvSpPr>
+          <p:cNvPr id="14" name="Rechteck 13"/>
+          <p:cNvSpPr/>
+          <p:nvPr/>
+        </p:nvSpPr>
+        <p:spPr>
+          <a:xfrm>
+            <a:off x="733062" y="3436119"/>
+            <a:ext cx="2422968" cy="914400"/>
+          </a:xfrm>
+          <a:prstGeom prst="rect">
+            <a:avLst/>
+          </a:prstGeom>
+          <a:solidFill>
+            <a:schemeClr val="accent5">
+              <a:lumMod val="50000"/>
+            </a:schemeClr>
+          </a:solidFill>
+          <a:ln>
+            <a:noFill/>
+          </a:ln>
+        </p:spPr>
+        <p:style>
+          <a:lnRef idx="2">
+            <a:schemeClr val="accent1">
+              <a:shade val="50000"/>
+            </a:schemeClr>
+          </a:lnRef>
+          <a:fillRef idx="1">
+            <a:schemeClr val="accent1"/>
+          </a:fillRef>
+          <a:effectRef idx="0">
+            <a:schemeClr val="accent1"/>
+          </a:effectRef>
+          <a:fontRef idx="minor">
+            <a:schemeClr val="lt1"/>
+          </a:fontRef>
+        </p:style>
+        <p:txBody>
+          <a:bodyPr rtlCol="0" anchor="ctr"/>
+          <a:lstStyle/>
+          <a:p>
+            <a:pPr algn="ctr"/>
+            <a:r>
+              <a:rPr lang="de-DE" dirty="0" smtClean="0"/>
+              <a:t>Training eines Random </a:t>
+            </a:r>
+            <a:r>
+              <a:rPr lang="de-DE" dirty="0" err="1" smtClean="0"/>
+              <a:t>Forest</a:t>
+            </a:r>
+            <a:r>
+              <a:rPr lang="de-DE" dirty="0" smtClean="0"/>
+              <a:t> Modells</a:t>
+            </a:r>
+            <a:endParaRPr lang="de-DE" dirty="0"/>
+          </a:p>
+        </p:txBody>
+      </p:sp>
+      <p:sp>
+        <p:nvSpPr>
+          <p:cNvPr id="21" name="Pfeil nach rechts 20"/>
+          <p:cNvSpPr/>
+          <p:nvPr/>
+        </p:nvSpPr>
+        <p:spPr>
+          <a:xfrm rot="5400000">
+            <a:off x="2070884" y="3038580"/>
+            <a:ext cx="621560" cy="484632"/>
+          </a:xfrm>
+          <a:prstGeom prst="rightArrow">
+            <a:avLst/>
+          </a:prstGeom>
+          <a:ln>
+            <a:noFill/>
+          </a:ln>
+        </p:spPr>
+        <p:style>
+          <a:lnRef idx="2">
+            <a:schemeClr val="accent1">
+              <a:shade val="50000"/>
+            </a:schemeClr>
+          </a:lnRef>
+          <a:fillRef idx="1">
+            <a:schemeClr val="accent1"/>
+          </a:fillRef>
+          <a:effectRef idx="0">
+            <a:schemeClr val="accent1"/>
+          </a:effectRef>
+          <a:fontRef idx="minor">
+            <a:schemeClr val="lt1"/>
+          </a:fontRef>
+        </p:style>
+        <p:txBody>
+          <a:bodyPr rtlCol="0" anchor="ctr"/>
+          <a:lstStyle/>
+          <a:p>
+            <a:pPr algn="ctr"/>
+            <a:endParaRPr lang="de-DE"/>
+          </a:p>
+        </p:txBody>
+      </p:sp>
+      <p:sp>
+        <p:nvSpPr>
+          <p:cNvPr id="12" name="Rechteck 11"/>
+          <p:cNvSpPr/>
+          <p:nvPr/>
+        </p:nvSpPr>
+        <p:spPr>
+          <a:xfrm>
+            <a:off x="411864" y="2122096"/>
+            <a:ext cx="2422968" cy="914400"/>
+          </a:xfrm>
+          <a:prstGeom prst="rect">
+            <a:avLst/>
+          </a:prstGeom>
+          <a:solidFill>
+            <a:schemeClr val="accent5">
+              <a:lumMod val="50000"/>
+            </a:schemeClr>
+          </a:solidFill>
+          <a:ln>
+            <a:noFill/>
+          </a:ln>
+        </p:spPr>
+        <p:style>
+          <a:lnRef idx="2">
+            <a:schemeClr val="accent1">
+              <a:shade val="50000"/>
+            </a:schemeClr>
+          </a:lnRef>
+          <a:fillRef idx="1">
+            <a:schemeClr val="accent1"/>
+          </a:fillRef>
+          <a:effectRef idx="0">
+            <a:schemeClr val="accent1"/>
+          </a:effectRef>
+          <a:fontRef idx="minor">
+            <a:schemeClr val="lt1"/>
+          </a:fontRef>
+        </p:style>
+        <p:txBody>
+          <a:bodyPr rtlCol="0" anchor="ctr"/>
+          <a:lstStyle/>
+          <a:p>
+            <a:pPr algn="ctr"/>
+            <a:r>
+              <a:rPr lang="de-DE" dirty="0" smtClean="0"/>
+              <a:t>Extraktion von Features aus Rohdaten</a:t>
+            </a:r>
+            <a:endParaRPr lang="de-DE" dirty="0"/>
+          </a:p>
+        </p:txBody>
+      </p:sp>
+    </p:spTree>
+    <p:extLst>
+      <p:ext uri="{BB962C8B-B14F-4D97-AF65-F5344CB8AC3E}">
+        <p14:creationId xmlns:p14="http://schemas.microsoft.com/office/powerpoint/2010/main" val="3401582315"/>
+      </p:ext>
+    </p:extLst>
+  </p:cSld>
+  <p:clrMapOvr>
+    <a:masterClrMapping/>
+  </p:clrMapOvr>
+</p:sld>
+</file>
+
+<file path=ppt/slides/slide5.xml><?xml version="1.0" encoding="utf-8"?>
+<p:sld xmlns:a="http://schemas.openxmlformats.org/drawingml/2006/main" xmlns:r="http://schemas.openxmlformats.org/officeDocument/2006/relationships" xmlns:p="http://schemas.openxmlformats.org/presentationml/2006/main">
+  <p:cSld>
+    <p:spTree>
+      <p:nvGrpSpPr>
+        <p:cNvPr id="1" name=""/>
+        <p:cNvGrpSpPr/>
+        <p:nvPr/>
+      </p:nvGrpSpPr>
+      <p:grpSpPr>
+        <a:xfrm>
+          <a:off x="0" y="0"/>
+          <a:ext cx="0" cy="0"/>
+          <a:chOff x="0" y="0"/>
+          <a:chExt cx="0" cy="0"/>
+        </a:xfrm>
+      </p:grpSpPr>
+      <p:sp>
+        <p:nvSpPr>
+          <p:cNvPr id="2" name="Titel 1"/>
+          <p:cNvSpPr>
+            <a:spLocks noGrp="1"/>
+          </p:cNvSpPr>
+          <p:nvPr>
+            <p:ph type="title"/>
+          </p:nvPr>
+        </p:nvSpPr>
+        <p:spPr/>
+        <p:txBody>
+          <a:bodyPr/>
+          <a:lstStyle/>
+          <a:p>
+            <a:r>
+              <a:rPr lang="de-DE" dirty="0" smtClean="0"/>
+              <a:t>Aufgabenverteilung</a:t>
+            </a:r>
+            <a:endParaRPr lang="de-DE" dirty="0"/>
+          </a:p>
+        </p:txBody>
+      </p:sp>
+      <p:sp>
+        <p:nvSpPr>
+          <p:cNvPr id="3" name="Inhaltsplatzhalter 2"/>
+          <p:cNvSpPr>
+            <a:spLocks noGrp="1"/>
+          </p:cNvSpPr>
+          <p:nvPr>
+            <p:ph idx="1"/>
+          </p:nvPr>
+        </p:nvSpPr>
+        <p:spPr/>
+        <p:txBody>
+          <a:bodyPr>
+            <a:normAutofit fontScale="77500" lnSpcReduction="20000"/>
+          </a:bodyPr>
+          <a:lstStyle/>
+          <a:p>
+            <a:r>
+              <a:rPr lang="de-DE" dirty="0" smtClean="0"/>
+              <a:t>BI: </a:t>
+            </a:r>
+          </a:p>
+          <a:p>
+            <a:pPr lvl="1"/>
+            <a:r>
+              <a:rPr lang="de-DE" dirty="0" smtClean="0"/>
+              <a:t>Training </a:t>
+            </a:r>
+            <a:r>
+              <a:rPr lang="de-DE" dirty="0" smtClean="0"/>
+              <a:t>des Modells (Random </a:t>
+            </a:r>
+            <a:r>
+              <a:rPr lang="de-DE" dirty="0" err="1" smtClean="0"/>
+              <a:t>Forest</a:t>
+            </a:r>
+            <a:r>
+              <a:rPr lang="de-DE" dirty="0" smtClean="0"/>
+              <a:t> </a:t>
+            </a:r>
+            <a:r>
+              <a:rPr lang="de-DE" dirty="0" smtClean="0"/>
+              <a:t>Modell).</a:t>
+            </a:r>
+            <a:endParaRPr lang="de-DE" dirty="0" smtClean="0"/>
+          </a:p>
+          <a:p>
+            <a:pPr lvl="1"/>
+            <a:r>
+              <a:rPr lang="de-DE" dirty="0" smtClean="0"/>
+              <a:t>Erstellung der Gruppen von Nutzern </a:t>
+            </a:r>
+            <a:r>
+              <a:rPr lang="de-DE" dirty="0"/>
+              <a:t>in verschiedenen Affinitätsgruppen</a:t>
+            </a:r>
+            <a:r>
+              <a:rPr lang="de-DE" dirty="0" smtClean="0"/>
+              <a:t> anhand dieses Modells und der Datenbank.</a:t>
+            </a:r>
+          </a:p>
+          <a:p>
+            <a:pPr lvl="1"/>
+            <a:r>
+              <a:rPr lang="de-DE" dirty="0" smtClean="0"/>
+              <a:t>Aufnahme neuer Custom </a:t>
+            </a:r>
+            <a:r>
+              <a:rPr lang="de-DE" dirty="0" err="1" smtClean="0"/>
+              <a:t>Dimensions</a:t>
+            </a:r>
+            <a:r>
+              <a:rPr lang="de-DE" dirty="0" smtClean="0"/>
+              <a:t> und Nutzersegmente in das Tracking/Reporting durch Google Analytics.</a:t>
+            </a:r>
+          </a:p>
+          <a:p>
+            <a:r>
+              <a:rPr lang="de-DE" dirty="0" smtClean="0"/>
+              <a:t>Online Marketing/Design/Redaktion:</a:t>
+            </a:r>
+          </a:p>
+          <a:p>
+            <a:pPr lvl="1"/>
+            <a:r>
+              <a:rPr lang="de-DE" dirty="0" smtClean="0"/>
+              <a:t>Zielgruppenerstellung in </a:t>
+            </a:r>
+            <a:r>
+              <a:rPr lang="de-DE" dirty="0" err="1" smtClean="0"/>
+              <a:t>Promio</a:t>
+            </a:r>
+            <a:endParaRPr lang="de-DE" dirty="0" smtClean="0"/>
+          </a:p>
+          <a:p>
+            <a:pPr lvl="1"/>
+            <a:r>
+              <a:rPr lang="de-DE" dirty="0" smtClean="0"/>
+              <a:t>Creative produziert</a:t>
+            </a:r>
+          </a:p>
+          <a:p>
+            <a:pPr lvl="1"/>
+            <a:r>
+              <a:rPr lang="de-DE" dirty="0" smtClean="0"/>
+              <a:t>Newsletter-Kampagne und </a:t>
+            </a:r>
+            <a:r>
+              <a:rPr lang="de-DE" dirty="0" smtClean="0"/>
+              <a:t>Versand </a:t>
+            </a:r>
+            <a:r>
+              <a:rPr lang="de-DE" dirty="0" smtClean="0"/>
+              <a:t>an identifizierte Nutzergruppen.</a:t>
+            </a:r>
+          </a:p>
+          <a:p>
+            <a:pPr lvl="1"/>
+            <a:r>
+              <a:rPr lang="de-DE" dirty="0" smtClean="0"/>
+              <a:t>Auswertung der (vorläufigen) Ergebnisse.</a:t>
+            </a:r>
+            <a:endParaRPr lang="de-DE" dirty="0"/>
+          </a:p>
+        </p:txBody>
+      </p:sp>
+    </p:spTree>
+    <p:extLst>
+      <p:ext uri="{BB962C8B-B14F-4D97-AF65-F5344CB8AC3E}">
+        <p14:creationId xmlns:p14="http://schemas.microsoft.com/office/powerpoint/2010/main" val="4071863050"/>
+      </p:ext>
+    </p:extLst>
+  </p:cSld>
+  <p:clrMapOvr>
+    <a:masterClrMapping/>
+  </p:clrMapOvr>
+  <p:timing>
+    <p:tnLst>
+      <p:par>
+        <p:cTn id="1" dur="indefinite" restart="never" nodeType="tmRoot"/>
+      </p:par>
+    </p:tnLst>
+  </p:timing>
+</p:sld>
+</file>
+
+<file path=ppt/slides/slide6.xml><?xml version="1.0" encoding="utf-8"?>
+<p:sld xmlns:a="http://schemas.openxmlformats.org/drawingml/2006/main" xmlns:r="http://schemas.openxmlformats.org/officeDocument/2006/relationships" xmlns:p="http://schemas.openxmlformats.org/presentationml/2006/main">
+  <p:cSld>
+    <p:spTree>
+      <p:nvGrpSpPr>
+        <p:cNvPr id="1" name=""/>
+        <p:cNvGrpSpPr/>
+        <p:nvPr/>
+      </p:nvGrpSpPr>
+      <p:grpSpPr>
+        <a:xfrm>
+          <a:off x="0" y="0"/>
+          <a:ext cx="0" cy="0"/>
+          <a:chOff x="0" y="0"/>
+          <a:chExt cx="0" cy="0"/>
+        </a:xfrm>
+      </p:grpSpPr>
+      <p:sp>
+        <p:nvSpPr>
+          <p:cNvPr id="2" name="Titel 1"/>
+          <p:cNvSpPr>
+            <a:spLocks noGrp="1"/>
+          </p:cNvSpPr>
+          <p:nvPr>
+            <p:ph type="title"/>
+          </p:nvPr>
+        </p:nvSpPr>
+        <p:spPr/>
+        <p:txBody>
+          <a:bodyPr/>
+          <a:lstStyle/>
+          <a:p>
+            <a:r>
+              <a:rPr lang="de-DE" dirty="0" smtClean="0"/>
+              <a:t>Ziele der Klassifikation</a:t>
+            </a:r>
+            <a:endParaRPr lang="de-DE" dirty="0"/>
+          </a:p>
+        </p:txBody>
+      </p:sp>
+      <p:sp>
+        <p:nvSpPr>
+          <p:cNvPr id="3" name="Inhaltsplatzhalter 2"/>
+          <p:cNvSpPr>
+            <a:spLocks noGrp="1"/>
+          </p:cNvSpPr>
+          <p:nvPr>
+            <p:ph idx="1"/>
+          </p:nvPr>
+        </p:nvSpPr>
+        <p:spPr/>
+        <p:txBody>
+          <a:bodyPr>
+            <a:normAutofit fontScale="85000" lnSpcReduction="10000"/>
+          </a:bodyPr>
+          <a:lstStyle/>
+          <a:p>
+            <a:r>
+              <a:rPr lang="de-DE" dirty="0" smtClean="0"/>
+              <a:t>Wir wollten herausfinden, ob wir durch den </a:t>
+            </a:r>
+            <a:r>
+              <a:rPr lang="de-DE" dirty="0" smtClean="0"/>
+              <a:t>Versand </a:t>
+            </a:r>
+            <a:r>
+              <a:rPr lang="de-DE" dirty="0" smtClean="0"/>
+              <a:t>eines Newsletters an Nutzer, die potentiell CK Club Nutzer sein könnten, eine Häufung von </a:t>
+            </a:r>
+            <a:r>
+              <a:rPr lang="de-DE" dirty="0" err="1" smtClean="0"/>
+              <a:t>Conversions</a:t>
+            </a:r>
+            <a:r>
+              <a:rPr lang="de-DE" dirty="0" smtClean="0"/>
+              <a:t> beobachten können.</a:t>
+            </a:r>
+          </a:p>
+          <a:p>
+            <a:r>
+              <a:rPr lang="de-DE" dirty="0" smtClean="0"/>
+              <a:t>Um zu testen, haben wir anhand eines Random </a:t>
+            </a:r>
+            <a:r>
+              <a:rPr lang="de-DE" dirty="0" err="1" smtClean="0"/>
+              <a:t>Forests</a:t>
+            </a:r>
+            <a:r>
+              <a:rPr lang="de-DE" dirty="0" smtClean="0"/>
+              <a:t> (</a:t>
+            </a:r>
+            <a:r>
+              <a:rPr lang="de-DE" dirty="0" err="1" smtClean="0"/>
+              <a:t>Klassifikator</a:t>
+            </a:r>
+            <a:r>
+              <a:rPr lang="de-DE" dirty="0" smtClean="0"/>
+              <a:t> aus dem </a:t>
+            </a:r>
+            <a:r>
+              <a:rPr lang="de-DE" dirty="0" err="1" smtClean="0"/>
+              <a:t>Machine</a:t>
+            </a:r>
+            <a:r>
+              <a:rPr lang="de-DE" dirty="0" smtClean="0"/>
+              <a:t> Learning) drei Gruppen von Newsletter-Empfängern erstellt und diese dazu eingeladen, dem CK Club beizutreten.</a:t>
+            </a:r>
+          </a:p>
+          <a:p>
+            <a:r>
+              <a:rPr lang="de-DE" dirty="0" smtClean="0"/>
+              <a:t>Die Gruppen waren dabei </a:t>
+            </a:r>
+          </a:p>
+          <a:p>
+            <a:pPr lvl="1"/>
+            <a:r>
+              <a:rPr lang="de-DE" dirty="0" smtClean="0"/>
+              <a:t>Nutzer, die sich nach einem Random </a:t>
+            </a:r>
+            <a:r>
+              <a:rPr lang="de-DE" dirty="0" err="1" smtClean="0"/>
+              <a:t>Forest</a:t>
+            </a:r>
+            <a:r>
+              <a:rPr lang="de-DE" dirty="0" smtClean="0"/>
+              <a:t> Modell als CK Club Nutzer „eignen“,</a:t>
+            </a:r>
+          </a:p>
+          <a:p>
+            <a:pPr lvl="1"/>
+            <a:r>
+              <a:rPr lang="de-DE" dirty="0" smtClean="0"/>
+              <a:t>Nutzer, die sich nach demselben Modell besonders wenig als CK Club Nutzer eignen,</a:t>
+            </a:r>
+          </a:p>
+          <a:p>
+            <a:pPr lvl="1"/>
+            <a:r>
+              <a:rPr lang="de-DE" dirty="0" smtClean="0"/>
+              <a:t>Nutzer, die als Vergleichsgruppe randomisiert aus allen CK Nutzern gezogen wurden,</a:t>
+            </a:r>
+          </a:p>
+        </p:txBody>
+      </p:sp>
+    </p:spTree>
+    <p:extLst>
+      <p:ext uri="{BB962C8B-B14F-4D97-AF65-F5344CB8AC3E}">
+        <p14:creationId xmlns:p14="http://schemas.microsoft.com/office/powerpoint/2010/main" val="3619320274"/>
+      </p:ext>
+    </p:extLst>
+  </p:cSld>
+  <p:clrMapOvr>
+    <a:masterClrMapping/>
+  </p:clrMapOvr>
+  <p:timing>
+    <p:tnLst>
+      <p:par>
+        <p:cTn id="1" dur="indefinite" restart="never" nodeType="tmRoot"/>
+      </p:par>
+    </p:tnLst>
+  </p:timing>
+</p:sld>
+</file>
+
+<file path=ppt/slides/slide7.xml><?xml version="1.0" encoding="utf-8"?>
+<p:sld xmlns:a="http://schemas.openxmlformats.org/drawingml/2006/main" xmlns:r="http://schemas.openxmlformats.org/officeDocument/2006/relationships" xmlns:p="http://schemas.openxmlformats.org/presentationml/2006/main">
+  <p:cSld>
+    <p:spTree>
+      <p:nvGrpSpPr>
+        <p:cNvPr id="1" name=""/>
+        <p:cNvGrpSpPr/>
+        <p:nvPr/>
+      </p:nvGrpSpPr>
+      <p:grpSpPr>
+        <a:xfrm>
+          <a:off x="0" y="0"/>
+          <a:ext cx="0" cy="0"/>
+          <a:chOff x="0" y="0"/>
+          <a:chExt cx="0" cy="0"/>
+        </a:xfrm>
+      </p:grpSpPr>
+      <p:sp>
+        <p:nvSpPr>
+          <p:cNvPr id="2" name="Titel 1"/>
+          <p:cNvSpPr>
+            <a:spLocks noGrp="1"/>
+          </p:cNvSpPr>
+          <p:nvPr>
+            <p:ph type="title"/>
+          </p:nvPr>
+        </p:nvSpPr>
+        <p:spPr/>
+        <p:txBody>
+          <a:bodyPr/>
+          <a:lstStyle/>
+          <a:p>
+            <a:r>
+              <a:rPr lang="de-DE" dirty="0" smtClean="0"/>
+              <a:t>Klassifikation</a:t>
+            </a:r>
+            <a:endParaRPr lang="de-DE" dirty="0"/>
+          </a:p>
+        </p:txBody>
+      </p:sp>
+      <p:sp>
+        <p:nvSpPr>
+          <p:cNvPr id="3" name="Inhaltsplatzhalter 2"/>
+          <p:cNvSpPr>
+            <a:spLocks noGrp="1"/>
+          </p:cNvSpPr>
+          <p:nvPr>
+            <p:ph idx="1"/>
+          </p:nvPr>
+        </p:nvSpPr>
+        <p:spPr/>
+        <p:txBody>
+          <a:bodyPr>
+            <a:normAutofit lnSpcReduction="10000"/>
+          </a:bodyPr>
+          <a:lstStyle/>
+          <a:p>
+            <a:r>
+              <a:rPr lang="de-DE" dirty="0" smtClean="0"/>
+              <a:t>Ein Modell zur Klassifikation wird aufgebaut aus Daten mit bekannten Klassen-Labels (sogenannte „</a:t>
+            </a:r>
+            <a:r>
+              <a:rPr lang="de-DE" dirty="0" err="1" smtClean="0"/>
+              <a:t>Ground</a:t>
+            </a:r>
+            <a:r>
+              <a:rPr lang="de-DE" dirty="0" smtClean="0"/>
+              <a:t> </a:t>
+            </a:r>
+            <a:r>
+              <a:rPr lang="de-DE" dirty="0" err="1" smtClean="0"/>
+              <a:t>Truth</a:t>
+            </a:r>
+            <a:r>
+              <a:rPr lang="de-DE" dirty="0" smtClean="0"/>
+              <a:t>“).</a:t>
+            </a:r>
+          </a:p>
+          <a:p>
+            <a:pPr lvl="1"/>
+            <a:r>
+              <a:rPr lang="de-DE" dirty="0" smtClean="0"/>
+              <a:t>In unserem Fall: alle </a:t>
+            </a:r>
+            <a:r>
+              <a:rPr lang="de-DE" dirty="0"/>
+              <a:t>Nutzer werden unterteilt in solche, </a:t>
+            </a:r>
+          </a:p>
+          <a:p>
+            <a:pPr lvl="2"/>
+            <a:r>
+              <a:rPr lang="de-DE" dirty="0"/>
+              <a:t>die bereits Mitglieder im CK Club sind oder </a:t>
+            </a:r>
+            <a:r>
+              <a:rPr lang="de-DE" dirty="0" smtClean="0"/>
+              <a:t>waren, und solche,</a:t>
+            </a:r>
+            <a:endParaRPr lang="de-DE" dirty="0"/>
+          </a:p>
+          <a:p>
+            <a:pPr lvl="2"/>
+            <a:r>
+              <a:rPr lang="de-DE" dirty="0"/>
+              <a:t>die nicht Mitglieder im CK Club sind oder </a:t>
+            </a:r>
+            <a:r>
+              <a:rPr lang="de-DE" dirty="0" smtClean="0"/>
+              <a:t>waren.</a:t>
+            </a:r>
+            <a:endParaRPr lang="de-DE" dirty="0"/>
+          </a:p>
+          <a:p>
+            <a:pPr lvl="1"/>
+            <a:endParaRPr lang="de-DE" dirty="0" smtClean="0"/>
+          </a:p>
+          <a:p>
+            <a:r>
+              <a:rPr lang="de-DE" dirty="0" smtClean="0"/>
+              <a:t>Das entstandene Modell kann dann zur Vorhersage für noch nicht gesehene Daten verwendet werden.</a:t>
+            </a:r>
+          </a:p>
+          <a:p>
+            <a:endParaRPr lang="de-DE" dirty="0" smtClean="0"/>
+          </a:p>
+          <a:p>
+            <a:endParaRPr lang="de-DE" dirty="0"/>
+          </a:p>
+        </p:txBody>
+      </p:sp>
+    </p:spTree>
+    <p:extLst>
+      <p:ext uri="{BB962C8B-B14F-4D97-AF65-F5344CB8AC3E}">
+        <p14:creationId xmlns:p14="http://schemas.microsoft.com/office/powerpoint/2010/main" val="2242586415"/>
+      </p:ext>
+    </p:extLst>
+  </p:cSld>
+  <p:clrMapOvr>
+    <a:masterClrMapping/>
+  </p:clrMapOvr>
+  <p:timing>
+    <p:tnLst>
+      <p:par>
+        <p:cTn id="1" dur="indefinite" restart="never" nodeType="tmRoot"/>
+      </p:par>
+    </p:tnLst>
+  </p:timing>
+</p:sld>
+</file>
+
 <file path=ppt/slides/slide8.xml><?xml version="1.0" encoding="utf-8"?>
 <p:sld xmlns:a="http://schemas.openxmlformats.org/drawingml/2006/main" xmlns:r="http://schemas.openxmlformats.org/officeDocument/2006/relationships" xmlns:p="http://schemas.openxmlformats.org/presentationml/2006/main">
   <p:cSld>
@@ -16310,7 +17571,11 @@
           <a:p>
             <a:r>
               <a:rPr lang="de-DE" dirty="0" smtClean="0"/>
-              <a:t>Entscheidungsbäume</a:t>
+              <a:t>Random </a:t>
+            </a:r>
+            <a:r>
+              <a:rPr lang="de-DE" dirty="0" err="1" smtClean="0"/>
+              <a:t>Forest</a:t>
             </a:r>
             <a:endParaRPr lang="de-DE" dirty="0"/>
           </a:p>
@@ -16326,40 +17591,21 @@
             <p:ph idx="1"/>
           </p:nvPr>
         </p:nvSpPr>
-        <p:spPr/>
+        <p:spPr>
+          <a:xfrm>
+            <a:off x="1141413" y="2249487"/>
+            <a:ext cx="6935788" cy="3541714"/>
+          </a:xfrm>
+        </p:spPr>
         <p:txBody>
           <a:bodyPr>
-            <a:normAutofit fontScale="92500" lnSpcReduction="10000"/>
+            <a:normAutofit fontScale="92500" lnSpcReduction="20000"/>
           </a:bodyPr>
           <a:lstStyle/>
           <a:p>
             <a:r>
-              <a:rPr lang="de-DE" dirty="0"/>
-              <a:t>Ausprägungen können Zahlen (wie etwa die Temperatur) sein oder Kategorien (wie z. B. </a:t>
-            </a:r>
-            <a:r>
               <a:rPr lang="de-DE" dirty="0" smtClean="0"/>
-              <a:t>die Bezeichnung für das </a:t>
-            </a:r>
-            <a:r>
-              <a:rPr lang="de-DE" dirty="0"/>
-              <a:t>Wetter</a:t>
-            </a:r>
-            <a:r>
-              <a:rPr lang="de-DE" dirty="0" smtClean="0"/>
-              <a:t>).</a:t>
-            </a:r>
-          </a:p>
-          <a:p>
-            <a:r>
-              <a:rPr lang="de-DE" dirty="0" smtClean="0"/>
-              <a:t>Es kann auch mehr als zwei Ausprägungen je Attribut geben (Regen, Sonne, Nebel…)</a:t>
-            </a:r>
-          </a:p>
-          <a:p>
-            <a:r>
-              <a:rPr lang="de-DE" dirty="0" smtClean="0"/>
-              <a:t>Die Entscheidungsbäume im Random </a:t>
+              <a:t>Random </a:t>
             </a:r>
             <a:r>
               <a:rPr lang="de-DE" dirty="0" err="1" smtClean="0"/>
@@ -16367,193 +17613,188 @@
             </a:r>
             <a:r>
               <a:rPr lang="de-DE" dirty="0" smtClean="0"/>
-              <a:t> machen je </a:t>
+              <a:t> (Leo </a:t>
             </a:r>
             <a:r>
               <a:rPr lang="de-DE" dirty="0" err="1" smtClean="0"/>
-              <a:t>unkorreliert</a:t>
+              <a:t>Breiman</a:t>
             </a:r>
             <a:r>
               <a:rPr lang="de-DE" dirty="0" smtClean="0"/>
-              <a:t> voneinander eine Vorhersage.</a:t>
-            </a:r>
-          </a:p>
-          <a:p>
-            <a:r>
-              <a:rPr lang="en-US" dirty="0"/>
-              <a:t>Das </a:t>
-            </a:r>
-            <a:r>
-              <a:rPr lang="en-US" dirty="0" err="1"/>
-              <a:t>Ergebnis</a:t>
-            </a:r>
-            <a:r>
-              <a:rPr lang="en-US" dirty="0"/>
-              <a:t> der </a:t>
-            </a:r>
-            <a:r>
-              <a:rPr lang="en-US" dirty="0" err="1"/>
-              <a:t>gesamten</a:t>
-            </a:r>
-            <a:r>
-              <a:rPr lang="en-US" dirty="0"/>
-              <a:t> </a:t>
-            </a:r>
-            <a:r>
-              <a:rPr lang="en-US" dirty="0" err="1"/>
-              <a:t>Klassifikation</a:t>
-            </a:r>
-            <a:r>
-              <a:rPr lang="en-US" dirty="0"/>
-              <a:t> </a:t>
-            </a:r>
-            <a:r>
-              <a:rPr lang="en-US" dirty="0" err="1"/>
-              <a:t>wird</a:t>
-            </a:r>
-            <a:r>
-              <a:rPr lang="en-US" dirty="0"/>
-              <a:t> </a:t>
-            </a:r>
-            <a:r>
-              <a:rPr lang="en-US" dirty="0" err="1"/>
-              <a:t>dann</a:t>
-            </a:r>
-            <a:r>
-              <a:rPr lang="en-US" dirty="0"/>
-              <a:t> </a:t>
-            </a:r>
-            <a:r>
-              <a:rPr lang="en-US" dirty="0" err="1"/>
-              <a:t>aus</a:t>
-            </a:r>
-            <a:r>
-              <a:rPr lang="en-US" dirty="0"/>
-              <a:t> den </a:t>
-            </a:r>
-            <a:r>
-              <a:rPr lang="en-US" dirty="0" err="1"/>
-              <a:t>Ergebnissen</a:t>
-            </a:r>
-            <a:r>
-              <a:rPr lang="en-US" dirty="0"/>
-              <a:t> der </a:t>
-            </a:r>
-            <a:r>
-              <a:rPr lang="en-US" dirty="0" err="1"/>
-              <a:t>einzelnen</a:t>
-            </a:r>
-            <a:r>
-              <a:rPr lang="en-US" dirty="0"/>
-              <a:t> </a:t>
-            </a:r>
-            <a:r>
-              <a:rPr lang="en-US" dirty="0" err="1"/>
-              <a:t>Entscheidungsbäume</a:t>
-            </a:r>
-            <a:r>
-              <a:rPr lang="en-US" dirty="0"/>
-              <a:t> </a:t>
-            </a:r>
-            <a:r>
-              <a:rPr lang="en-US" dirty="0" err="1"/>
-              <a:t>berechnet</a:t>
-            </a:r>
-            <a:r>
-              <a:rPr lang="en-US" dirty="0"/>
-              <a:t> – </a:t>
-            </a:r>
-            <a:r>
-              <a:rPr lang="en-US" dirty="0" err="1"/>
-              <a:t>als</a:t>
-            </a:r>
-            <a:r>
-              <a:rPr lang="en-US" dirty="0"/>
-              <a:t> (</a:t>
-            </a:r>
-            <a:r>
-              <a:rPr lang="en-US" dirty="0" err="1"/>
-              <a:t>gewichtetes</a:t>
-            </a:r>
-            <a:r>
-              <a:rPr lang="en-US" dirty="0"/>
-              <a:t>) </a:t>
-            </a:r>
-            <a:r>
-              <a:rPr lang="en-US" dirty="0" err="1"/>
-              <a:t>Mittel</a:t>
-            </a:r>
-            <a:r>
-              <a:rPr lang="en-US" dirty="0"/>
-              <a:t> </a:t>
-            </a:r>
-            <a:r>
-              <a:rPr lang="en-US" dirty="0" err="1"/>
-              <a:t>aller</a:t>
-            </a:r>
-            <a:r>
-              <a:rPr lang="en-US" dirty="0"/>
-              <a:t> </a:t>
-            </a:r>
-            <a:r>
-              <a:rPr lang="en-US" dirty="0" err="1"/>
-              <a:t>Endknoten</a:t>
-            </a:r>
-            <a:r>
-              <a:rPr lang="en-US" dirty="0"/>
-              <a:t> (</a:t>
-            </a:r>
-            <a:r>
-              <a:rPr lang="en-US" dirty="0" err="1"/>
-              <a:t>oder</a:t>
-            </a:r>
-            <a:r>
-              <a:rPr lang="en-US" dirty="0"/>
-              <a:t> </a:t>
-            </a:r>
-            <a:r>
-              <a:rPr lang="en-US" dirty="0" err="1"/>
-              <a:t>als</a:t>
-            </a:r>
-            <a:r>
-              <a:rPr lang="en-US" dirty="0"/>
-              <a:t> </a:t>
-            </a:r>
-            <a:r>
-              <a:rPr lang="en-US" dirty="0" err="1"/>
-              <a:t>Mehrheit</a:t>
-            </a:r>
-            <a:r>
-              <a:rPr lang="en-US" dirty="0"/>
-              <a:t> </a:t>
-            </a:r>
-            <a:r>
-              <a:rPr lang="en-US" dirty="0" err="1"/>
-              <a:t>aller</a:t>
-            </a:r>
-            <a:r>
-              <a:rPr lang="en-US" dirty="0"/>
-              <a:t> </a:t>
-            </a:r>
-            <a:r>
-              <a:rPr lang="en-US" dirty="0" err="1"/>
-              <a:t>Einzelentscheidungen</a:t>
-            </a:r>
-            <a:r>
-              <a:rPr lang="en-US" dirty="0" smtClean="0"/>
-              <a:t>).</a:t>
-            </a:r>
-            <a:endParaRPr lang="en-US" dirty="0"/>
+              <a:t>, 1999) ist ein Klassifikationsverfahren, das Voraussagen über (wahrscheinliche) nächste Nachbarn trifft.</a:t>
+            </a:r>
+          </a:p>
+          <a:p>
+            <a:r>
+              <a:rPr lang="de-DE" dirty="0" smtClean="0"/>
+              <a:t>Ein Random </a:t>
+            </a:r>
+            <a:r>
+              <a:rPr lang="de-DE" dirty="0" err="1" smtClean="0"/>
+              <a:t>Forest</a:t>
+            </a:r>
+            <a:r>
+              <a:rPr lang="de-DE" dirty="0" smtClean="0"/>
+              <a:t> modelliert die (vermutete) Beziehung zwischen beobachteten Daten und einer Funktion oder Darstellung (siehe rechts).</a:t>
+            </a:r>
+          </a:p>
+          <a:p>
+            <a:r>
+              <a:rPr lang="de-DE" dirty="0"/>
+              <a:t>Wie in so vielen Fällen besteht ein Wald aus Bäumen. Erstmal muss man also wissen, was Entscheidungsbäume </a:t>
+            </a:r>
+            <a:r>
+              <a:rPr lang="de-DE" dirty="0" smtClean="0"/>
+              <a:t>sind.</a:t>
+            </a:r>
+            <a:endParaRPr lang="de-DE" dirty="0"/>
           </a:p>
           <a:p>
             <a:endParaRPr lang="de-DE" dirty="0" smtClean="0"/>
           </a:p>
         </p:txBody>
       </p:sp>
+      <p:pic>
+        <p:nvPicPr>
+          <p:cNvPr id="1028" name="Picture 4" descr="Random Forest classifiers"/>
+          <p:cNvPicPr>
+            <a:picLocks noChangeAspect="1" noChangeArrowheads="1"/>
+          </p:cNvPicPr>
+          <p:nvPr/>
+        </p:nvPicPr>
+        <p:blipFill>
+          <a:blip r:embed="rId2">
+            <a:extLst>
+              <a:ext uri="{28A0092B-C50C-407E-A947-70E740481C1C}">
+                <a14:useLocalDpi xmlns:a14="http://schemas.microsoft.com/office/drawing/2010/main" val="0"/>
+              </a:ext>
+            </a:extLst>
+          </a:blip>
+          <a:srcRect/>
+          <a:stretch>
+            <a:fillRect/>
+          </a:stretch>
+        </p:blipFill>
+        <p:spPr bwMode="auto">
+          <a:xfrm>
+            <a:off x="8373458" y="2882900"/>
+            <a:ext cx="3077201" cy="2368550"/>
+          </a:xfrm>
+          <a:prstGeom prst="rect">
+            <a:avLst/>
+          </a:prstGeom>
+          <a:noFill/>
+          <a:extLst>
+            <a:ext uri="{909E8E84-426E-40DD-AFC4-6F175D3DCCD1}">
+              <a14:hiddenFill xmlns:a14="http://schemas.microsoft.com/office/drawing/2010/main">
+                <a:solidFill>
+                  <a:srgbClr val="FFFFFF"/>
+                </a:solidFill>
+              </a14:hiddenFill>
+            </a:ext>
+          </a:extLst>
+        </p:spPr>
+      </p:pic>
+      <p:grpSp>
+        <p:nvGrpSpPr>
+          <p:cNvPr id="6" name="Gruppieren 5"/>
+          <p:cNvGrpSpPr/>
+          <p:nvPr/>
+        </p:nvGrpSpPr>
+        <p:grpSpPr>
+          <a:xfrm>
+            <a:off x="5130800" y="611662"/>
+            <a:ext cx="1612516" cy="1178562"/>
+            <a:chOff x="8963767" y="669257"/>
+            <a:chExt cx="2275108" cy="1580230"/>
+          </a:xfrm>
+        </p:grpSpPr>
+        <p:pic>
+          <p:nvPicPr>
+            <p:cNvPr id="1030" name="Picture 6" descr="http://www.dewitzphotography.com/wp-content/uploads/2013/12/Red-Riding-Hood-Running-Scared.jpg"/>
+            <p:cNvPicPr>
+              <a:picLocks noChangeAspect="1" noChangeArrowheads="1"/>
+            </p:cNvPicPr>
+            <p:nvPr/>
+          </p:nvPicPr>
+          <p:blipFill>
+            <a:blip r:embed="rId3">
+              <a:extLst>
+                <a:ext uri="{28A0092B-C50C-407E-A947-70E740481C1C}">
+                  <a14:useLocalDpi xmlns:a14="http://schemas.microsoft.com/office/drawing/2010/main" val="0"/>
+                </a:ext>
+              </a:extLst>
+            </a:blip>
+            <a:srcRect/>
+            <a:stretch>
+              <a:fillRect/>
+            </a:stretch>
+          </p:blipFill>
+          <p:spPr bwMode="auto">
+            <a:xfrm>
+              <a:off x="8963767" y="731990"/>
+              <a:ext cx="2275108" cy="1517497"/>
+            </a:xfrm>
+            <a:prstGeom prst="rect">
+              <a:avLst/>
+            </a:prstGeom>
+            <a:noFill/>
+            <a:extLst>
+              <a:ext uri="{909E8E84-426E-40DD-AFC4-6F175D3DCCD1}">
+                <a14:hiddenFill xmlns:a14="http://schemas.microsoft.com/office/drawing/2010/main">
+                  <a:solidFill>
+                    <a:srgbClr val="FFFFFF"/>
+                  </a:solidFill>
+                </a14:hiddenFill>
+              </a:ext>
+            </a:extLst>
+          </p:spPr>
+        </p:pic>
+        <p:sp>
+          <p:nvSpPr>
+            <p:cNvPr id="4" name="Textfeld 3"/>
+            <p:cNvSpPr txBox="1"/>
+            <p:nvPr/>
+          </p:nvSpPr>
+          <p:spPr>
+            <a:xfrm>
+              <a:off x="10326997" y="669257"/>
+              <a:ext cx="676495" cy="1015663"/>
+            </a:xfrm>
+            <a:prstGeom prst="rect">
+              <a:avLst/>
+            </a:prstGeom>
+            <a:noFill/>
+          </p:spPr>
+          <p:txBody>
+            <a:bodyPr wrap="square" rtlCol="0">
+              <a:spAutoFit/>
+            </a:bodyPr>
+            <a:lstStyle/>
+            <a:p>
+              <a:r>
+                <a:rPr lang="de-DE" sz="6000" dirty="0" smtClean="0">
+                  <a:solidFill>
+                    <a:schemeClr val="bg1"/>
+                  </a:solidFill>
+                  <a:latin typeface="Arial Black" panose="020B0A04020102020204" pitchFamily="34" charset="0"/>
+                </a:rPr>
+                <a:t>?</a:t>
+              </a:r>
+              <a:endParaRPr lang="de-DE" sz="6000" dirty="0">
+                <a:solidFill>
+                  <a:schemeClr val="bg1"/>
+                </a:solidFill>
+                <a:latin typeface="Arial Black" panose="020B0A04020102020204" pitchFamily="34" charset="0"/>
+              </a:endParaRPr>
+            </a:p>
+          </p:txBody>
+        </p:sp>
+      </p:grpSp>
     </p:spTree>
     <p:extLst>
       <p:ext uri="{BB962C8B-B14F-4D97-AF65-F5344CB8AC3E}">
-        <p14:creationId xmlns:p14="http://schemas.microsoft.com/office/powerpoint/2010/main" val="3240131292"/>
+        <p14:creationId xmlns:p14="http://schemas.microsoft.com/office/powerpoint/2010/main" val="3885510616"/>
       </p:ext>
     </p:extLst>
   </p:cSld>
@@ -16604,7 +17845,11 @@
           <a:p>
             <a:r>
               <a:rPr lang="de-DE" dirty="0" smtClean="0"/>
-              <a:t>Attribute bzw. Features</a:t>
+              <a:t>Funktionsweise nach L. </a:t>
+            </a:r>
+            <a:r>
+              <a:rPr lang="de-DE" dirty="0" err="1" smtClean="0"/>
+              <a:t>Breiman</a:t>
             </a:r>
             <a:endParaRPr lang="de-DE" dirty="0"/>
           </a:p>
@@ -16623,338 +17868,121 @@
         <p:spPr/>
         <p:txBody>
           <a:bodyPr>
-            <a:normAutofit fontScale="92500"/>
+            <a:normAutofit fontScale="92500" lnSpcReduction="10000"/>
           </a:bodyPr>
           <a:lstStyle/>
           <a:p>
             <a:r>
+              <a:rPr lang="de-DE" dirty="0"/>
+              <a:t>Bei </a:t>
+            </a:r>
+            <a:r>
+              <a:rPr lang="de-DE" i="1" dirty="0"/>
+              <a:t>N</a:t>
+            </a:r>
+            <a:r>
+              <a:rPr lang="de-DE" dirty="0"/>
+              <a:t> Beobachtungen in der Trainingsmenge werden </a:t>
+            </a:r>
+            <a:r>
+              <a:rPr lang="de-DE" i="1" dirty="0"/>
+              <a:t>n</a:t>
+            </a:r>
+            <a:r>
+              <a:rPr lang="de-DE" dirty="0"/>
+              <a:t> Objekte zufällig </a:t>
+            </a:r>
+            <a:r>
               <a:rPr lang="de-DE" dirty="0" smtClean="0"/>
-              <a:t>In unserem Fall lautet die Frage an den Random </a:t>
+              <a:t>mit</a:t>
+            </a:r>
+            <a:r>
+              <a:rPr lang="de-DE" dirty="0"/>
+              <a:t> </a:t>
+            </a:r>
+            <a:r>
+              <a:rPr lang="de-DE" dirty="0" smtClean="0"/>
+              <a:t>Zurücklegen</a:t>
+            </a:r>
+            <a:r>
+              <a:rPr lang="de-DE" dirty="0"/>
+              <a:t> gezogen.</a:t>
+            </a:r>
+          </a:p>
+          <a:p>
+            <a:r>
+              <a:rPr lang="de-DE" dirty="0" smtClean="0"/>
+              <a:t>Bei M Merkmalen </a:t>
+            </a:r>
+            <a:r>
+              <a:rPr lang="de-DE" dirty="0"/>
+              <a:t>(Features oder Dimensionen) der Beispiele werden an jedem Knoten im </a:t>
+            </a:r>
+            <a:r>
+              <a:rPr lang="de-DE" dirty="0" smtClean="0"/>
+              <a:t>Baum m&lt;M </a:t>
+            </a:r>
+            <a:r>
+              <a:rPr lang="de-DE" dirty="0"/>
+              <a:t>Merkmale zufällig gewählt, die zur Betrachtung des Schnitts (Split) genommen werden</a:t>
+            </a:r>
+            <a:r>
+              <a:rPr lang="de-DE" dirty="0" smtClean="0"/>
+              <a:t>.</a:t>
+            </a:r>
+          </a:p>
+          <a:p>
+            <a:r>
+              <a:rPr lang="de-DE" dirty="0"/>
+              <a:t>Der Baum wird voll ausgebaut und nicht zurückgeschnitten (</a:t>
             </a:r>
             <a:r>
               <a:rPr lang="de-DE" dirty="0" err="1" smtClean="0"/>
+              <a:t>Pruning</a:t>
+            </a:r>
+            <a:r>
+              <a:rPr lang="de-DE" dirty="0" smtClean="0"/>
+              <a:t>).</a:t>
+            </a:r>
+            <a:endParaRPr lang="de-DE" dirty="0"/>
+          </a:p>
+          <a:p>
+            <a:r>
+              <a:rPr lang="de-DE" dirty="0"/>
+              <a:t>Zur Klassifikation wird nun ein Beispiel in jedem Baum ausgewertet. Jene Klasse, welche am häufigsten gewählt wurde ist die Klassifikation des Random </a:t>
+            </a:r>
+            <a:r>
+              <a:rPr lang="de-DE" dirty="0" err="1"/>
               <a:t>Forest</a:t>
             </a:r>
             <a:r>
-              <a:rPr lang="de-DE" dirty="0" smtClean="0"/>
-              <a:t>: „schau Dir einen unserer User an und sag uns anhand der folgenden Attribute, ob er ein CK Club Mitglied ist“:</a:t>
-            </a:r>
-          </a:p>
-          <a:p>
-            <a:pPr lvl="1"/>
-            <a:r>
-              <a:rPr lang="en-US" dirty="0" err="1"/>
-              <a:t>Geschlecht</a:t>
-            </a:r>
-            <a:r>
-              <a:rPr lang="en-US" dirty="0"/>
-              <a:t>, Alter, Knowhow, </a:t>
-            </a:r>
-            <a:r>
-              <a:rPr lang="en-US" dirty="0" err="1" smtClean="0"/>
-              <a:t>Punkte</a:t>
-            </a:r>
-            <a:r>
-              <a:rPr lang="en-US" dirty="0" smtClean="0"/>
-              <a:t>, </a:t>
-            </a:r>
-            <a:r>
-              <a:rPr lang="en-US" dirty="0" err="1" smtClean="0"/>
-              <a:t>Anzahl</a:t>
-            </a:r>
-            <a:r>
-              <a:rPr lang="en-US" dirty="0" smtClean="0"/>
-              <a:t> der </a:t>
-            </a:r>
-            <a:r>
-              <a:rPr lang="en-US" dirty="0" err="1" smtClean="0"/>
-              <a:t>Tage</a:t>
-            </a:r>
-            <a:r>
-              <a:rPr lang="en-US" dirty="0" smtClean="0"/>
-              <a:t> </a:t>
-            </a:r>
-            <a:r>
-              <a:rPr lang="en-US" dirty="0" err="1" smtClean="0"/>
-              <a:t>seit</a:t>
-            </a:r>
-            <a:r>
-              <a:rPr lang="en-US" dirty="0" smtClean="0"/>
-              <a:t> der </a:t>
-            </a:r>
-            <a:r>
-              <a:rPr lang="en-US" dirty="0" err="1" smtClean="0"/>
-              <a:t>Registrierung</a:t>
-            </a:r>
-            <a:r>
-              <a:rPr lang="en-US" dirty="0"/>
-              <a:t> </a:t>
-            </a:r>
-            <a:r>
-              <a:rPr lang="en-US" dirty="0" err="1" smtClean="0"/>
-              <a:t>sowie</a:t>
-            </a:r>
-            <a:r>
-              <a:rPr lang="en-US" dirty="0" smtClean="0"/>
-              <a:t> </a:t>
-            </a:r>
-            <a:r>
-              <a:rPr lang="en-US" dirty="0" err="1" smtClean="0"/>
-              <a:t>dem</a:t>
-            </a:r>
-            <a:r>
-              <a:rPr lang="en-US" dirty="0" smtClean="0"/>
-              <a:t> </a:t>
-            </a:r>
-            <a:r>
-              <a:rPr lang="en-US" dirty="0" err="1" smtClean="0"/>
-              <a:t>letzten</a:t>
-            </a:r>
-            <a:r>
-              <a:rPr lang="en-US" dirty="0" smtClean="0"/>
-              <a:t> Login.</a:t>
-            </a:r>
-          </a:p>
-          <a:p>
-            <a:pPr lvl="1"/>
-            <a:r>
-              <a:rPr lang="en-US" dirty="0" err="1" smtClean="0"/>
-              <a:t>Jeweils</a:t>
-            </a:r>
-            <a:r>
-              <a:rPr lang="en-US" dirty="0" smtClean="0"/>
-              <a:t> die </a:t>
-            </a:r>
-            <a:r>
-              <a:rPr lang="en-US" dirty="0" err="1" smtClean="0"/>
-              <a:t>Anzahl</a:t>
-            </a:r>
-            <a:r>
-              <a:rPr lang="en-US" dirty="0" smtClean="0"/>
-              <a:t> der </a:t>
-            </a:r>
-            <a:r>
-              <a:rPr lang="en-US" dirty="0" err="1" smtClean="0"/>
-              <a:t>Profilbesuche</a:t>
-            </a:r>
-            <a:r>
-              <a:rPr lang="en-US" dirty="0" smtClean="0"/>
-              <a:t>, </a:t>
-            </a:r>
-            <a:r>
-              <a:rPr lang="en-US" dirty="0" err="1" smtClean="0"/>
-              <a:t>Rezepte</a:t>
-            </a:r>
-            <a:r>
-              <a:rPr lang="en-US" dirty="0" smtClean="0"/>
-              <a:t> (</a:t>
-            </a:r>
-            <a:r>
-              <a:rPr lang="en-US" dirty="0" err="1" smtClean="0"/>
-              <a:t>öffentlich</a:t>
-            </a:r>
-            <a:r>
-              <a:rPr lang="en-US" dirty="0" smtClean="0"/>
-              <a:t>, </a:t>
-            </a:r>
-            <a:r>
-              <a:rPr lang="en-US" dirty="0" err="1" smtClean="0"/>
-              <a:t>Kochbuch</a:t>
-            </a:r>
-            <a:r>
-              <a:rPr lang="en-US" dirty="0" smtClean="0"/>
-              <a:t>), </a:t>
-            </a:r>
-            <a:r>
-              <a:rPr lang="en-US" dirty="0" err="1" smtClean="0"/>
-              <a:t>Bilder</a:t>
-            </a:r>
-            <a:r>
-              <a:rPr lang="en-US" dirty="0" smtClean="0"/>
-              <a:t>, </a:t>
-            </a:r>
-            <a:r>
-              <a:rPr lang="en-US" dirty="0" err="1" smtClean="0"/>
-              <a:t>Kommentare</a:t>
-            </a:r>
-            <a:r>
-              <a:rPr lang="en-US" dirty="0" smtClean="0"/>
-              <a:t> (</a:t>
-            </a:r>
-            <a:r>
-              <a:rPr lang="en-US" dirty="0" err="1" smtClean="0"/>
-              <a:t>Rezept</a:t>
-            </a:r>
-            <a:r>
-              <a:rPr lang="en-US" dirty="0" smtClean="0"/>
-              <a:t>, </a:t>
-            </a:r>
-            <a:r>
-              <a:rPr lang="en-US" dirty="0" err="1" smtClean="0"/>
-              <a:t>Artikel</a:t>
-            </a:r>
-            <a:r>
-              <a:rPr lang="en-US" dirty="0" smtClean="0"/>
-              <a:t>), </a:t>
-            </a:r>
-            <a:r>
-              <a:rPr lang="en-US" dirty="0" err="1" smtClean="0"/>
-              <a:t>Rezeptbilder</a:t>
-            </a:r>
-            <a:r>
-              <a:rPr lang="en-US" dirty="0" smtClean="0"/>
-              <a:t>, </a:t>
-            </a:r>
-            <a:r>
-              <a:rPr lang="en-US" dirty="0" err="1" smtClean="0"/>
-              <a:t>Bewertungen</a:t>
-            </a:r>
-            <a:r>
-              <a:rPr lang="en-US" dirty="0" smtClean="0"/>
-              <a:t> (</a:t>
-            </a:r>
-            <a:r>
-              <a:rPr lang="en-US" dirty="0" err="1" smtClean="0"/>
-              <a:t>Rezept</a:t>
-            </a:r>
-            <a:r>
-              <a:rPr lang="en-US" dirty="0" smtClean="0"/>
-              <a:t>, </a:t>
-            </a:r>
-            <a:r>
-              <a:rPr lang="en-US" dirty="0" err="1" smtClean="0"/>
-              <a:t>Rezeptbilder</a:t>
-            </a:r>
-            <a:r>
-              <a:rPr lang="en-US" dirty="0" smtClean="0"/>
-              <a:t>), Posts (Forum, </a:t>
-            </a:r>
-            <a:r>
-              <a:rPr lang="en-US" dirty="0" err="1" smtClean="0"/>
-              <a:t>Gruppe</a:t>
-            </a:r>
-            <a:r>
-              <a:rPr lang="en-US" dirty="0" smtClean="0"/>
-              <a:t>), Threads, </a:t>
-            </a:r>
-            <a:r>
-              <a:rPr lang="en-US" dirty="0" err="1" smtClean="0"/>
-              <a:t>Gruppen</a:t>
-            </a:r>
-            <a:r>
-              <a:rPr lang="en-US" dirty="0" smtClean="0"/>
-              <a:t>, </a:t>
-            </a:r>
-            <a:r>
-              <a:rPr lang="en-US" dirty="0" err="1" smtClean="0"/>
-              <a:t>Rezeptsammlungen</a:t>
-            </a:r>
-            <a:r>
-              <a:rPr lang="en-US" dirty="0" smtClean="0"/>
-              <a:t> (</a:t>
-            </a:r>
-            <a:r>
-              <a:rPr lang="en-US" dirty="0" err="1" smtClean="0"/>
-              <a:t>privat</a:t>
-            </a:r>
-            <a:r>
-              <a:rPr lang="en-US" dirty="0" smtClean="0"/>
-              <a:t>, </a:t>
-            </a:r>
-            <a:r>
-              <a:rPr lang="en-US" dirty="0" err="1" smtClean="0"/>
-              <a:t>öffentlich</a:t>
-            </a:r>
-            <a:r>
-              <a:rPr lang="en-US" dirty="0" smtClean="0"/>
-              <a:t>), </a:t>
-            </a:r>
-            <a:r>
-              <a:rPr lang="en-US" dirty="0" err="1" smtClean="0"/>
-              <a:t>Foto-Alben</a:t>
-            </a:r>
-            <a:r>
-              <a:rPr lang="en-US" dirty="0" smtClean="0"/>
-              <a:t> (</a:t>
-            </a:r>
-            <a:r>
-              <a:rPr lang="en-US" dirty="0" err="1" smtClean="0"/>
-              <a:t>privat</a:t>
-            </a:r>
-            <a:r>
-              <a:rPr lang="en-US" dirty="0" smtClean="0"/>
-              <a:t>, </a:t>
-            </a:r>
-            <a:r>
-              <a:rPr lang="en-US" dirty="0" err="1" smtClean="0"/>
-              <a:t>öffentlich</a:t>
-            </a:r>
-            <a:r>
-              <a:rPr lang="en-US" dirty="0" smtClean="0"/>
-              <a:t>).</a:t>
-            </a:r>
-            <a:endParaRPr lang="en-US" dirty="0"/>
-          </a:p>
-          <a:p>
-            <a:pPr lvl="1"/>
-            <a:r>
-              <a:rPr lang="en-US" dirty="0" smtClean="0"/>
-              <a:t>Ob </a:t>
-            </a:r>
-            <a:r>
-              <a:rPr lang="en-US" dirty="0" err="1" smtClean="0"/>
-              <a:t>Hobbys</a:t>
-            </a:r>
-            <a:r>
-              <a:rPr lang="en-US" dirty="0" smtClean="0"/>
-              <a:t>, </a:t>
-            </a:r>
-            <a:r>
-              <a:rPr lang="en-US" dirty="0" err="1" smtClean="0"/>
-              <a:t>Vorlieben</a:t>
-            </a:r>
-            <a:r>
-              <a:rPr lang="en-US" dirty="0" smtClean="0"/>
-              <a:t> und </a:t>
-            </a:r>
-            <a:r>
-              <a:rPr lang="en-US" dirty="0" err="1" smtClean="0"/>
-              <a:t>Abneigungen</a:t>
-            </a:r>
-            <a:r>
-              <a:rPr lang="en-US" dirty="0" smtClean="0"/>
-              <a:t> </a:t>
-            </a:r>
-            <a:r>
-              <a:rPr lang="en-US" dirty="0" err="1" smtClean="0"/>
-              <a:t>angegeben</a:t>
-            </a:r>
-            <a:r>
-              <a:rPr lang="en-US" dirty="0" smtClean="0"/>
-              <a:t> </a:t>
-            </a:r>
-            <a:r>
-              <a:rPr lang="en-US" dirty="0" err="1" smtClean="0"/>
-              <a:t>wurden</a:t>
-            </a:r>
-            <a:r>
-              <a:rPr lang="en-US" dirty="0" smtClean="0"/>
+              <a:rPr lang="de-DE" dirty="0"/>
               <a:t>.</a:t>
             </a:r>
-            <a:endParaRPr lang="en-US" dirty="0"/>
+          </a:p>
+          <a:p>
+            <a:endParaRPr lang="de-DE" dirty="0"/>
           </a:p>
         </p:txBody>
       </p:sp>
     </p:spTree>
     <p:extLst>
       <p:ext uri="{BB962C8B-B14F-4D97-AF65-F5344CB8AC3E}">
-        <p14:creationId xmlns:p14="http://schemas.microsoft.com/office/powerpoint/2010/main" val="552878974"/>
+        <p14:creationId xmlns:p14="http://schemas.microsoft.com/office/powerpoint/2010/main" val="4084859879"/>
       </p:ext>
     </p:extLst>
   </p:cSld>
   <p:clrMapOvr>
     <a:masterClrMapping/>
   </p:clrMapOvr>
+  <mc:AlternateContent xmlns:mc="http://schemas.openxmlformats.org/markup-compatibility/2006">
+    <mc:Choice xmlns:p14="http://schemas.microsoft.com/office/powerpoint/2010/main" Requires="p14">
+      <p:transition spd="slow" p14:dur="2000"/>
+    </mc:Choice>
+    <mc:Fallback>
+      <p:transition spd="slow"/>
+    </mc:Fallback>
+  </mc:AlternateContent>
   <p:timing>
     <p:tnLst>
       <p:par>
